--- a/ORACLE APEX.pptx
+++ b/ORACLE APEX.pptx
@@ -2,7 +2,7 @@
 <file path=ppt/presentation.xml><?xml version="1.0" encoding="utf-8"?>
 <p:presentation xmlns:a="http://schemas.openxmlformats.org/drawingml/2006/main" xmlns:r="http://schemas.openxmlformats.org/officeDocument/2006/relationships" xmlns:p="http://schemas.openxmlformats.org/presentationml/2006/main" saveSubsetFonts="1">
   <p:sldMasterIdLst>
-    <p:sldMasterId id="2147483684" r:id="rId1"/>
+    <p:sldMasterId id="2147483838" r:id="rId1"/>
   </p:sldMasterIdLst>
   <p:sldIdLst>
     <p:sldId id="278" r:id="rId2"/>
@@ -23,10 +23,9 @@
     <p:sldId id="273" r:id="rId17"/>
     <p:sldId id="272" r:id="rId18"/>
     <p:sldId id="269" r:id="rId19"/>
-    <p:sldId id="270" r:id="rId20"/>
-    <p:sldId id="268" r:id="rId21"/>
-    <p:sldId id="271" r:id="rId22"/>
-    <p:sldId id="277" r:id="rId23"/>
+    <p:sldId id="268" r:id="rId20"/>
+    <p:sldId id="271" r:id="rId21"/>
+    <p:sldId id="277" r:id="rId22"/>
   </p:sldIdLst>
   <p:sldSz cx="12192000" cy="6858000"/>
   <p:notesSz cx="6858000" cy="9144000"/>
@@ -34,7 +33,7 @@
     <a:defPPr>
       <a:defRPr lang="en-US"/>
     </a:defPPr>
-    <a:lvl1pPr marL="0" algn="l" defTabSz="914400" rtl="0" eaLnBrk="1" latinLnBrk="0" hangingPunct="1">
+    <a:lvl1pPr marL="0" algn="l" defTabSz="457200" rtl="0" eaLnBrk="1" latinLnBrk="0" hangingPunct="1">
       <a:defRPr sz="1800" kern="1200">
         <a:solidFill>
           <a:schemeClr val="tx1"/>
@@ -44,7 +43,7 @@
         <a:cs typeface="+mn-cs"/>
       </a:defRPr>
     </a:lvl1pPr>
-    <a:lvl2pPr marL="457200" algn="l" defTabSz="914400" rtl="0" eaLnBrk="1" latinLnBrk="0" hangingPunct="1">
+    <a:lvl2pPr marL="457200" algn="l" defTabSz="457200" rtl="0" eaLnBrk="1" latinLnBrk="0" hangingPunct="1">
       <a:defRPr sz="1800" kern="1200">
         <a:solidFill>
           <a:schemeClr val="tx1"/>
@@ -54,7 +53,7 @@
         <a:cs typeface="+mn-cs"/>
       </a:defRPr>
     </a:lvl2pPr>
-    <a:lvl3pPr marL="914400" algn="l" defTabSz="914400" rtl="0" eaLnBrk="1" latinLnBrk="0" hangingPunct="1">
+    <a:lvl3pPr marL="914400" algn="l" defTabSz="457200" rtl="0" eaLnBrk="1" latinLnBrk="0" hangingPunct="1">
       <a:defRPr sz="1800" kern="1200">
         <a:solidFill>
           <a:schemeClr val="tx1"/>
@@ -64,7 +63,7 @@
         <a:cs typeface="+mn-cs"/>
       </a:defRPr>
     </a:lvl3pPr>
-    <a:lvl4pPr marL="1371600" algn="l" defTabSz="914400" rtl="0" eaLnBrk="1" latinLnBrk="0" hangingPunct="1">
+    <a:lvl4pPr marL="1371600" algn="l" defTabSz="457200" rtl="0" eaLnBrk="1" latinLnBrk="0" hangingPunct="1">
       <a:defRPr sz="1800" kern="1200">
         <a:solidFill>
           <a:schemeClr val="tx1"/>
@@ -74,7 +73,7 @@
         <a:cs typeface="+mn-cs"/>
       </a:defRPr>
     </a:lvl4pPr>
-    <a:lvl5pPr marL="1828800" algn="l" defTabSz="914400" rtl="0" eaLnBrk="1" latinLnBrk="0" hangingPunct="1">
+    <a:lvl5pPr marL="1828800" algn="l" defTabSz="457200" rtl="0" eaLnBrk="1" latinLnBrk="0" hangingPunct="1">
       <a:defRPr sz="1800" kern="1200">
         <a:solidFill>
           <a:schemeClr val="tx1"/>
@@ -84,7 +83,7 @@
         <a:cs typeface="+mn-cs"/>
       </a:defRPr>
     </a:lvl5pPr>
-    <a:lvl6pPr marL="2286000" algn="l" defTabSz="914400" rtl="0" eaLnBrk="1" latinLnBrk="0" hangingPunct="1">
+    <a:lvl6pPr marL="2286000" algn="l" defTabSz="457200" rtl="0" eaLnBrk="1" latinLnBrk="0" hangingPunct="1">
       <a:defRPr sz="1800" kern="1200">
         <a:solidFill>
           <a:schemeClr val="tx1"/>
@@ -94,7 +93,7 @@
         <a:cs typeface="+mn-cs"/>
       </a:defRPr>
     </a:lvl6pPr>
-    <a:lvl7pPr marL="2743200" algn="l" defTabSz="914400" rtl="0" eaLnBrk="1" latinLnBrk="0" hangingPunct="1">
+    <a:lvl7pPr marL="2743200" algn="l" defTabSz="457200" rtl="0" eaLnBrk="1" latinLnBrk="0" hangingPunct="1">
       <a:defRPr sz="1800" kern="1200">
         <a:solidFill>
           <a:schemeClr val="tx1"/>
@@ -104,7 +103,7 @@
         <a:cs typeface="+mn-cs"/>
       </a:defRPr>
     </a:lvl7pPr>
-    <a:lvl8pPr marL="3200400" algn="l" defTabSz="914400" rtl="0" eaLnBrk="1" latinLnBrk="0" hangingPunct="1">
+    <a:lvl8pPr marL="3200400" algn="l" defTabSz="457200" rtl="0" eaLnBrk="1" latinLnBrk="0" hangingPunct="1">
       <a:defRPr sz="1800" kern="1200">
         <a:solidFill>
           <a:schemeClr val="tx1"/>
@@ -114,7 +113,7 @@
         <a:cs typeface="+mn-cs"/>
       </a:defRPr>
     </a:lvl8pPr>
-    <a:lvl9pPr marL="3657600" algn="l" defTabSz="914400" rtl="0" eaLnBrk="1" latinLnBrk="0" hangingPunct="1">
+    <a:lvl9pPr marL="3657600" algn="l" defTabSz="457200" rtl="0" eaLnBrk="1" latinLnBrk="0" hangingPunct="1">
       <a:defRPr sz="1800" kern="1200">
         <a:solidFill>
           <a:schemeClr val="tx1"/>
@@ -152,13 +151,7 @@
       </p:grpSpPr>
       <p:sp>
         <p:nvSpPr>
-          <p:cNvPr id="2" name="Title 1">
-            <a:extLst>
-              <a:ext uri="{FF2B5EF4-FFF2-40B4-BE49-F238E27FC236}">
-                <a16:creationId xmlns:a16="http://schemas.microsoft.com/office/drawing/2014/main" id="{B49F7165-FF74-46D7-97CB-73A15DA044C0}"/>
-              </a:ext>
-            </a:extLst>
-          </p:cNvPr>
+          <p:cNvPr id="2" name="Title 1"/>
           <p:cNvSpPr>
             <a:spLocks noGrp="1"/>
           </p:cNvSpPr>
@@ -184,18 +177,13 @@
               <a:rPr lang="en-US"/>
               <a:t>Click to edit Master title style</a:t>
             </a:r>
-          </a:p>
-        </p:txBody>
-      </p:sp>
-      <p:sp>
-        <p:nvSpPr>
-          <p:cNvPr id="3" name="Subtitle 2">
-            <a:extLst>
-              <a:ext uri="{FF2B5EF4-FFF2-40B4-BE49-F238E27FC236}">
-                <a16:creationId xmlns:a16="http://schemas.microsoft.com/office/drawing/2014/main" id="{DA3B22D9-545D-4554-9841-36C6B937ACA9}"/>
-              </a:ext>
-            </a:extLst>
-          </p:cNvPr>
+            <a:endParaRPr lang="en-US" dirty="0"/>
+          </a:p>
+        </p:txBody>
+      </p:sp>
+      <p:sp>
+        <p:nvSpPr>
+          <p:cNvPr id="3" name="Subtitle 2"/>
           <p:cNvSpPr>
             <a:spLocks noGrp="1"/>
           </p:cNvSpPr>
@@ -254,18 +242,13 @@
               <a:rPr lang="en-US"/>
               <a:t>Click to edit Master subtitle style</a:t>
             </a:r>
-          </a:p>
-        </p:txBody>
-      </p:sp>
-      <p:sp>
-        <p:nvSpPr>
-          <p:cNvPr id="4" name="Date Placeholder 3">
-            <a:extLst>
-              <a:ext uri="{FF2B5EF4-FFF2-40B4-BE49-F238E27FC236}">
-                <a16:creationId xmlns:a16="http://schemas.microsoft.com/office/drawing/2014/main" id="{B22AB524-8006-4AC0-8AFF-315321C7B3AA}"/>
-              </a:ext>
-            </a:extLst>
-          </p:cNvPr>
+            <a:endParaRPr lang="en-US" dirty="0"/>
+          </a:p>
+        </p:txBody>
+      </p:sp>
+      <p:sp>
+        <p:nvSpPr>
+          <p:cNvPr id="4" name="Date Placeholder 3"/>
           <p:cNvSpPr>
             <a:spLocks noGrp="1"/>
           </p:cNvSpPr>
@@ -280,7 +263,7 @@
           <a:p>
             <a:fld id="{716F0269-4B4C-493B-BD65-A003A7EAD097}" type="datetimeFigureOut">
               <a:rPr lang="en-US" smtClean="0"/>
-              <a:t>5/8/2025</a:t>
+              <a:t>5/9/2025</a:t>
             </a:fld>
             <a:endParaRPr lang="en-US"/>
           </a:p>
@@ -288,13 +271,7 @@
       </p:sp>
       <p:sp>
         <p:nvSpPr>
-          <p:cNvPr id="5" name="Footer Placeholder 4">
-            <a:extLst>
-              <a:ext uri="{FF2B5EF4-FFF2-40B4-BE49-F238E27FC236}">
-                <a16:creationId xmlns:a16="http://schemas.microsoft.com/office/drawing/2014/main" id="{C01914EE-9352-4054-A23D-7BDD6CBA181F}"/>
-              </a:ext>
-            </a:extLst>
-          </p:cNvPr>
+          <p:cNvPr id="5" name="Footer Placeholder 4"/>
           <p:cNvSpPr>
             <a:spLocks noGrp="1"/>
           </p:cNvSpPr>
@@ -313,13 +290,7 @@
       </p:sp>
       <p:sp>
         <p:nvSpPr>
-          <p:cNvPr id="6" name="Slide Number Placeholder 5">
-            <a:extLst>
-              <a:ext uri="{FF2B5EF4-FFF2-40B4-BE49-F238E27FC236}">
-                <a16:creationId xmlns:a16="http://schemas.microsoft.com/office/drawing/2014/main" id="{EFE83D17-CCC5-4509-B29F-7DBDF3AA5208}"/>
-              </a:ext>
-            </a:extLst>
-          </p:cNvPr>
+          <p:cNvPr id="6" name="Slide Number Placeholder 5"/>
           <p:cNvSpPr>
             <a:spLocks noGrp="1"/>
           </p:cNvSpPr>
@@ -343,13 +314,25 @@
     </p:spTree>
     <p:extLst>
       <p:ext uri="{BB962C8B-B14F-4D97-AF65-F5344CB8AC3E}">
-        <p14:creationId xmlns:p14="http://schemas.microsoft.com/office/powerpoint/2010/main" val="1965660278"/>
+        <p14:creationId xmlns:p14="http://schemas.microsoft.com/office/powerpoint/2010/main" val="3503357180"/>
       </p:ext>
     </p:extLst>
   </p:cSld>
   <p:clrMapOvr>
     <a:masterClrMapping/>
   </p:clrMapOvr>
+  <mc:AlternateContent xmlns:mc="http://schemas.openxmlformats.org/markup-compatibility/2006">
+    <mc:Choice xmlns:p14="http://schemas.microsoft.com/office/powerpoint/2010/main" Requires="p14">
+      <p:transition spd="slow">
+        <p14:pan dir="u"/>
+      </p:transition>
+    </mc:Choice>
+    <mc:Fallback>
+      <p:transition spd="slow">
+        <p:fade/>
+      </p:transition>
+    </mc:Fallback>
+  </mc:AlternateContent>
 </p:sldLayout>
 </file>
 
@@ -372,13 +355,7 @@
       </p:grpSpPr>
       <p:sp>
         <p:nvSpPr>
-          <p:cNvPr id="2" name="Title 1">
-            <a:extLst>
-              <a:ext uri="{FF2B5EF4-FFF2-40B4-BE49-F238E27FC236}">
-                <a16:creationId xmlns:a16="http://schemas.microsoft.com/office/drawing/2014/main" id="{1051210B-C615-4F9F-8E0B-0EA4498AC5BC}"/>
-              </a:ext>
-            </a:extLst>
-          </p:cNvPr>
+          <p:cNvPr id="2" name="Title 1"/>
           <p:cNvSpPr>
             <a:spLocks noGrp="1"/>
           </p:cNvSpPr>
@@ -395,18 +372,13 @@
               <a:rPr lang="en-US"/>
               <a:t>Click to edit Master title style</a:t>
             </a:r>
-          </a:p>
-        </p:txBody>
-      </p:sp>
-      <p:sp>
-        <p:nvSpPr>
-          <p:cNvPr id="3" name="Vertical Text Placeholder 2">
-            <a:extLst>
-              <a:ext uri="{FF2B5EF4-FFF2-40B4-BE49-F238E27FC236}">
-                <a16:creationId xmlns:a16="http://schemas.microsoft.com/office/drawing/2014/main" id="{855C25D1-DA6A-410F-BE84-C5325D8A1E44}"/>
-              </a:ext>
-            </a:extLst>
-          </p:cNvPr>
+            <a:endParaRPr lang="en-US" dirty="0"/>
+          </a:p>
+        </p:txBody>
+      </p:sp>
+      <p:sp>
+        <p:nvSpPr>
+          <p:cNvPr id="3" name="Vertical Text Placeholder 2"/>
           <p:cNvSpPr>
             <a:spLocks noGrp="1"/>
           </p:cNvSpPr>
@@ -422,7 +394,7 @@
             <a:pPr lvl="0"/>
             <a:r>
               <a:rPr lang="en-US"/>
-              <a:t>Edit Master text styles</a:t>
+              <a:t>Click to edit Master text styles</a:t>
             </a:r>
           </a:p>
           <a:p>
@@ -452,18 +424,13 @@
               <a:rPr lang="en-US"/>
               <a:t>Fifth level</a:t>
             </a:r>
-          </a:p>
-        </p:txBody>
-      </p:sp>
-      <p:sp>
-        <p:nvSpPr>
-          <p:cNvPr id="4" name="Date Placeholder 3">
-            <a:extLst>
-              <a:ext uri="{FF2B5EF4-FFF2-40B4-BE49-F238E27FC236}">
-                <a16:creationId xmlns:a16="http://schemas.microsoft.com/office/drawing/2014/main" id="{393D9909-B906-4B72-93BD-F5878D3F78CF}"/>
-              </a:ext>
-            </a:extLst>
-          </p:cNvPr>
+            <a:endParaRPr lang="en-US" dirty="0"/>
+          </a:p>
+        </p:txBody>
+      </p:sp>
+      <p:sp>
+        <p:nvSpPr>
+          <p:cNvPr id="4" name="Date Placeholder 3"/>
           <p:cNvSpPr>
             <a:spLocks noGrp="1"/>
           </p:cNvSpPr>
@@ -478,7 +445,7 @@
           <a:p>
             <a:fld id="{716F0269-4B4C-493B-BD65-A003A7EAD097}" type="datetimeFigureOut">
               <a:rPr lang="en-US" smtClean="0"/>
-              <a:t>5/8/2025</a:t>
+              <a:t>5/9/2025</a:t>
             </a:fld>
             <a:endParaRPr lang="en-US"/>
           </a:p>
@@ -486,13 +453,7 @@
       </p:sp>
       <p:sp>
         <p:nvSpPr>
-          <p:cNvPr id="5" name="Footer Placeholder 4">
-            <a:extLst>
-              <a:ext uri="{FF2B5EF4-FFF2-40B4-BE49-F238E27FC236}">
-                <a16:creationId xmlns:a16="http://schemas.microsoft.com/office/drawing/2014/main" id="{AC486E26-3D32-49D6-8D13-8812135E6884}"/>
-              </a:ext>
-            </a:extLst>
-          </p:cNvPr>
+          <p:cNvPr id="5" name="Footer Placeholder 4"/>
           <p:cNvSpPr>
             <a:spLocks noGrp="1"/>
           </p:cNvSpPr>
@@ -511,13 +472,7 @@
       </p:sp>
       <p:sp>
         <p:nvSpPr>
-          <p:cNvPr id="6" name="Slide Number Placeholder 5">
-            <a:extLst>
-              <a:ext uri="{FF2B5EF4-FFF2-40B4-BE49-F238E27FC236}">
-                <a16:creationId xmlns:a16="http://schemas.microsoft.com/office/drawing/2014/main" id="{AFE12F8C-F1F2-49C5-9141-35AE6BAA854A}"/>
-              </a:ext>
-            </a:extLst>
-          </p:cNvPr>
+          <p:cNvPr id="6" name="Slide Number Placeholder 5"/>
           <p:cNvSpPr>
             <a:spLocks noGrp="1"/>
           </p:cNvSpPr>
@@ -541,13 +496,25 @@
     </p:spTree>
     <p:extLst>
       <p:ext uri="{BB962C8B-B14F-4D97-AF65-F5344CB8AC3E}">
-        <p14:creationId xmlns:p14="http://schemas.microsoft.com/office/powerpoint/2010/main" val="2792784861"/>
+        <p14:creationId xmlns:p14="http://schemas.microsoft.com/office/powerpoint/2010/main" val="2007525921"/>
       </p:ext>
     </p:extLst>
   </p:cSld>
   <p:clrMapOvr>
     <a:masterClrMapping/>
   </p:clrMapOvr>
+  <mc:AlternateContent xmlns:mc="http://schemas.openxmlformats.org/markup-compatibility/2006">
+    <mc:Choice xmlns:p14="http://schemas.microsoft.com/office/powerpoint/2010/main" Requires="p14">
+      <p:transition spd="slow">
+        <p14:pan dir="u"/>
+      </p:transition>
+    </mc:Choice>
+    <mc:Fallback>
+      <p:transition spd="slow">
+        <p:fade/>
+      </p:transition>
+    </mc:Fallback>
+  </mc:AlternateContent>
 </p:sldLayout>
 </file>
 
@@ -570,13 +537,7 @@
       </p:grpSpPr>
       <p:sp>
         <p:nvSpPr>
-          <p:cNvPr id="2" name="Vertical Title 1">
-            <a:extLst>
-              <a:ext uri="{FF2B5EF4-FFF2-40B4-BE49-F238E27FC236}">
-                <a16:creationId xmlns:a16="http://schemas.microsoft.com/office/drawing/2014/main" id="{6C53052D-503C-4CB2-A00D-A5EA2BFBF4FE}"/>
-              </a:ext>
-            </a:extLst>
-          </p:cNvPr>
+          <p:cNvPr id="2" name="Vertical Title 1"/>
           <p:cNvSpPr>
             <a:spLocks noGrp="1"/>
           </p:cNvSpPr>
@@ -598,18 +559,13 @@
               <a:rPr lang="en-US"/>
               <a:t>Click to edit Master title style</a:t>
             </a:r>
-          </a:p>
-        </p:txBody>
-      </p:sp>
-      <p:sp>
-        <p:nvSpPr>
-          <p:cNvPr id="3" name="Vertical Text Placeholder 2">
-            <a:extLst>
-              <a:ext uri="{FF2B5EF4-FFF2-40B4-BE49-F238E27FC236}">
-                <a16:creationId xmlns:a16="http://schemas.microsoft.com/office/drawing/2014/main" id="{FBAAC883-58C6-443B-8504-DFD11BC7AEA2}"/>
-              </a:ext>
-            </a:extLst>
-          </p:cNvPr>
+            <a:endParaRPr lang="en-US" dirty="0"/>
+          </a:p>
+        </p:txBody>
+      </p:sp>
+      <p:sp>
+        <p:nvSpPr>
+          <p:cNvPr id="3" name="Vertical Text Placeholder 2"/>
           <p:cNvSpPr>
             <a:spLocks noGrp="1"/>
           </p:cNvSpPr>
@@ -630,7 +586,7 @@
             <a:pPr lvl="0"/>
             <a:r>
               <a:rPr lang="en-US"/>
-              <a:t>Edit Master text styles</a:t>
+              <a:t>Click to edit Master text styles</a:t>
             </a:r>
           </a:p>
           <a:p>
@@ -660,18 +616,13 @@
               <a:rPr lang="en-US"/>
               <a:t>Fifth level</a:t>
             </a:r>
-          </a:p>
-        </p:txBody>
-      </p:sp>
-      <p:sp>
-        <p:nvSpPr>
-          <p:cNvPr id="4" name="Date Placeholder 3">
-            <a:extLst>
-              <a:ext uri="{FF2B5EF4-FFF2-40B4-BE49-F238E27FC236}">
-                <a16:creationId xmlns:a16="http://schemas.microsoft.com/office/drawing/2014/main" id="{AF587B5C-8842-4920-A5A0-5BBC22A647E0}"/>
-              </a:ext>
-            </a:extLst>
-          </p:cNvPr>
+            <a:endParaRPr lang="en-US" dirty="0"/>
+          </a:p>
+        </p:txBody>
+      </p:sp>
+      <p:sp>
+        <p:nvSpPr>
+          <p:cNvPr id="4" name="Date Placeholder 3"/>
           <p:cNvSpPr>
             <a:spLocks noGrp="1"/>
           </p:cNvSpPr>
@@ -686,7 +637,7 @@
           <a:p>
             <a:fld id="{716F0269-4B4C-493B-BD65-A003A7EAD097}" type="datetimeFigureOut">
               <a:rPr lang="en-US" smtClean="0"/>
-              <a:t>5/8/2025</a:t>
+              <a:t>5/9/2025</a:t>
             </a:fld>
             <a:endParaRPr lang="en-US"/>
           </a:p>
@@ -694,13 +645,7 @@
       </p:sp>
       <p:sp>
         <p:nvSpPr>
-          <p:cNvPr id="5" name="Footer Placeholder 4">
-            <a:extLst>
-              <a:ext uri="{FF2B5EF4-FFF2-40B4-BE49-F238E27FC236}">
-                <a16:creationId xmlns:a16="http://schemas.microsoft.com/office/drawing/2014/main" id="{E69F17E4-B395-45B5-A204-144BD0B39BBC}"/>
-              </a:ext>
-            </a:extLst>
-          </p:cNvPr>
+          <p:cNvPr id="5" name="Footer Placeholder 4"/>
           <p:cNvSpPr>
             <a:spLocks noGrp="1"/>
           </p:cNvSpPr>
@@ -719,13 +664,7 @@
       </p:sp>
       <p:sp>
         <p:nvSpPr>
-          <p:cNvPr id="6" name="Slide Number Placeholder 5">
-            <a:extLst>
-              <a:ext uri="{FF2B5EF4-FFF2-40B4-BE49-F238E27FC236}">
-                <a16:creationId xmlns:a16="http://schemas.microsoft.com/office/drawing/2014/main" id="{C2667567-88CF-4769-B45D-7BF31EC39C42}"/>
-              </a:ext>
-            </a:extLst>
-          </p:cNvPr>
+          <p:cNvPr id="6" name="Slide Number Placeholder 5"/>
           <p:cNvSpPr>
             <a:spLocks noGrp="1"/>
           </p:cNvSpPr>
@@ -749,13 +688,25 @@
     </p:spTree>
     <p:extLst>
       <p:ext uri="{BB962C8B-B14F-4D97-AF65-F5344CB8AC3E}">
-        <p14:creationId xmlns:p14="http://schemas.microsoft.com/office/powerpoint/2010/main" val="1489348938"/>
+        <p14:creationId xmlns:p14="http://schemas.microsoft.com/office/powerpoint/2010/main" val="4090062563"/>
       </p:ext>
     </p:extLst>
   </p:cSld>
   <p:clrMapOvr>
     <a:masterClrMapping/>
   </p:clrMapOvr>
+  <mc:AlternateContent xmlns:mc="http://schemas.openxmlformats.org/markup-compatibility/2006">
+    <mc:Choice xmlns:p14="http://schemas.microsoft.com/office/powerpoint/2010/main" Requires="p14">
+      <p:transition spd="slow">
+        <p14:pan dir="u"/>
+      </p:transition>
+    </mc:Choice>
+    <mc:Fallback>
+      <p:transition spd="slow">
+        <p:fade/>
+      </p:transition>
+    </mc:Fallback>
+  </mc:AlternateContent>
 </p:sldLayout>
 </file>
 
@@ -778,13 +729,7 @@
       </p:grpSpPr>
       <p:sp>
         <p:nvSpPr>
-          <p:cNvPr id="2" name="Title 1">
-            <a:extLst>
-              <a:ext uri="{FF2B5EF4-FFF2-40B4-BE49-F238E27FC236}">
-                <a16:creationId xmlns:a16="http://schemas.microsoft.com/office/drawing/2014/main" id="{4C44279D-5641-4530-969E-51D136B3EB46}"/>
-              </a:ext>
-            </a:extLst>
-          </p:cNvPr>
+          <p:cNvPr id="2" name="Title 1"/>
           <p:cNvSpPr>
             <a:spLocks noGrp="1"/>
           </p:cNvSpPr>
@@ -801,18 +746,13 @@
               <a:rPr lang="en-US"/>
               <a:t>Click to edit Master title style</a:t>
             </a:r>
-          </a:p>
-        </p:txBody>
-      </p:sp>
-      <p:sp>
-        <p:nvSpPr>
-          <p:cNvPr id="3" name="Content Placeholder 2">
-            <a:extLst>
-              <a:ext uri="{FF2B5EF4-FFF2-40B4-BE49-F238E27FC236}">
-                <a16:creationId xmlns:a16="http://schemas.microsoft.com/office/drawing/2014/main" id="{1AFD5C9E-635C-4EB9-971C-52AEF14A7201}"/>
-              </a:ext>
-            </a:extLst>
-          </p:cNvPr>
+            <a:endParaRPr lang="en-US" dirty="0"/>
+          </a:p>
+        </p:txBody>
+      </p:sp>
+      <p:sp>
+        <p:nvSpPr>
+          <p:cNvPr id="3" name="Content Placeholder 2"/>
           <p:cNvSpPr>
             <a:spLocks noGrp="1"/>
           </p:cNvSpPr>
@@ -828,7 +768,7 @@
             <a:pPr lvl="0"/>
             <a:r>
               <a:rPr lang="en-US"/>
-              <a:t>Edit Master text styles</a:t>
+              <a:t>Click to edit Master text styles</a:t>
             </a:r>
           </a:p>
           <a:p>
@@ -858,18 +798,13 @@
               <a:rPr lang="en-US"/>
               <a:t>Fifth level</a:t>
             </a:r>
-          </a:p>
-        </p:txBody>
-      </p:sp>
-      <p:sp>
-        <p:nvSpPr>
-          <p:cNvPr id="4" name="Date Placeholder 3">
-            <a:extLst>
-              <a:ext uri="{FF2B5EF4-FFF2-40B4-BE49-F238E27FC236}">
-                <a16:creationId xmlns:a16="http://schemas.microsoft.com/office/drawing/2014/main" id="{8817981C-1C8C-4F7B-9524-5367705B66B2}"/>
-              </a:ext>
-            </a:extLst>
-          </p:cNvPr>
+            <a:endParaRPr lang="en-US" dirty="0"/>
+          </a:p>
+        </p:txBody>
+      </p:sp>
+      <p:sp>
+        <p:nvSpPr>
+          <p:cNvPr id="4" name="Date Placeholder 3"/>
           <p:cNvSpPr>
             <a:spLocks noGrp="1"/>
           </p:cNvSpPr>
@@ -884,7 +819,7 @@
           <a:p>
             <a:fld id="{716F0269-4B4C-493B-BD65-A003A7EAD097}" type="datetimeFigureOut">
               <a:rPr lang="en-US" smtClean="0"/>
-              <a:t>5/8/2025</a:t>
+              <a:t>5/9/2025</a:t>
             </a:fld>
             <a:endParaRPr lang="en-US"/>
           </a:p>
@@ -892,13 +827,7 @@
       </p:sp>
       <p:sp>
         <p:nvSpPr>
-          <p:cNvPr id="5" name="Footer Placeholder 4">
-            <a:extLst>
-              <a:ext uri="{FF2B5EF4-FFF2-40B4-BE49-F238E27FC236}">
-                <a16:creationId xmlns:a16="http://schemas.microsoft.com/office/drawing/2014/main" id="{6F660B2F-494F-47B0-A4CF-30CEDB117DF0}"/>
-              </a:ext>
-            </a:extLst>
-          </p:cNvPr>
+          <p:cNvPr id="5" name="Footer Placeholder 4"/>
           <p:cNvSpPr>
             <a:spLocks noGrp="1"/>
           </p:cNvSpPr>
@@ -917,13 +846,7 @@
       </p:sp>
       <p:sp>
         <p:nvSpPr>
-          <p:cNvPr id="6" name="Slide Number Placeholder 5">
-            <a:extLst>
-              <a:ext uri="{FF2B5EF4-FFF2-40B4-BE49-F238E27FC236}">
-                <a16:creationId xmlns:a16="http://schemas.microsoft.com/office/drawing/2014/main" id="{255B4A04-B947-483F-9D67-3DB65E04F0D9}"/>
-              </a:ext>
-            </a:extLst>
-          </p:cNvPr>
+          <p:cNvPr id="6" name="Slide Number Placeholder 5"/>
           <p:cNvSpPr>
             <a:spLocks noGrp="1"/>
           </p:cNvSpPr>
@@ -947,13 +870,25 @@
     </p:spTree>
     <p:extLst>
       <p:ext uri="{BB962C8B-B14F-4D97-AF65-F5344CB8AC3E}">
-        <p14:creationId xmlns:p14="http://schemas.microsoft.com/office/powerpoint/2010/main" val="3718306457"/>
+        <p14:creationId xmlns:p14="http://schemas.microsoft.com/office/powerpoint/2010/main" val="2727696810"/>
       </p:ext>
     </p:extLst>
   </p:cSld>
   <p:clrMapOvr>
     <a:masterClrMapping/>
   </p:clrMapOvr>
+  <mc:AlternateContent xmlns:mc="http://schemas.openxmlformats.org/markup-compatibility/2006">
+    <mc:Choice xmlns:p14="http://schemas.microsoft.com/office/powerpoint/2010/main" Requires="p14">
+      <p:transition spd="slow">
+        <p14:pan dir="u"/>
+      </p:transition>
+    </mc:Choice>
+    <mc:Fallback>
+      <p:transition spd="slow">
+        <p:fade/>
+      </p:transition>
+    </mc:Fallback>
+  </mc:AlternateContent>
 </p:sldLayout>
 </file>
 
@@ -976,13 +911,7 @@
       </p:grpSpPr>
       <p:sp>
         <p:nvSpPr>
-          <p:cNvPr id="2" name="Title 1">
-            <a:extLst>
-              <a:ext uri="{FF2B5EF4-FFF2-40B4-BE49-F238E27FC236}">
-                <a16:creationId xmlns:a16="http://schemas.microsoft.com/office/drawing/2014/main" id="{669138A2-1EC9-45BB-8938-FE8401E9C0AB}"/>
-              </a:ext>
-            </a:extLst>
-          </p:cNvPr>
+          <p:cNvPr id="2" name="Title 1"/>
           <p:cNvSpPr>
             <a:spLocks noGrp="1"/>
           </p:cNvSpPr>
@@ -1008,18 +937,13 @@
               <a:rPr lang="en-US"/>
               <a:t>Click to edit Master title style</a:t>
             </a:r>
-          </a:p>
-        </p:txBody>
-      </p:sp>
-      <p:sp>
-        <p:nvSpPr>
-          <p:cNvPr id="3" name="Text Placeholder 2">
-            <a:extLst>
-              <a:ext uri="{FF2B5EF4-FFF2-40B4-BE49-F238E27FC236}">
-                <a16:creationId xmlns:a16="http://schemas.microsoft.com/office/drawing/2014/main" id="{89DBA62B-E200-4B05-8D81-A79332522129}"/>
-              </a:ext>
-            </a:extLst>
-          </p:cNvPr>
+            <a:endParaRPr lang="en-US" dirty="0"/>
+          </a:p>
+        </p:txBody>
+      </p:sp>
+      <p:sp>
+        <p:nvSpPr>
+          <p:cNvPr id="3" name="Text Placeholder 2"/>
           <p:cNvSpPr>
             <a:spLocks noGrp="1"/>
           </p:cNvSpPr>
@@ -1131,20 +1055,14 @@
             <a:pPr lvl="0"/>
             <a:r>
               <a:rPr lang="en-US"/>
-              <a:t>Edit Master text styles</a:t>
-            </a:r>
-          </a:p>
-        </p:txBody>
-      </p:sp>
-      <p:sp>
-        <p:nvSpPr>
-          <p:cNvPr id="4" name="Date Placeholder 3">
-            <a:extLst>
-              <a:ext uri="{FF2B5EF4-FFF2-40B4-BE49-F238E27FC236}">
-                <a16:creationId xmlns:a16="http://schemas.microsoft.com/office/drawing/2014/main" id="{35AB850A-3C18-4464-95AD-74E46C3412C1}"/>
-              </a:ext>
-            </a:extLst>
-          </p:cNvPr>
+              <a:t>Click to edit Master text styles</a:t>
+            </a:r>
+          </a:p>
+        </p:txBody>
+      </p:sp>
+      <p:sp>
+        <p:nvSpPr>
+          <p:cNvPr id="4" name="Date Placeholder 3"/>
           <p:cNvSpPr>
             <a:spLocks noGrp="1"/>
           </p:cNvSpPr>
@@ -1159,7 +1077,7 @@
           <a:p>
             <a:fld id="{716F0269-4B4C-493B-BD65-A003A7EAD097}" type="datetimeFigureOut">
               <a:rPr lang="en-US" smtClean="0"/>
-              <a:t>5/8/2025</a:t>
+              <a:t>5/9/2025</a:t>
             </a:fld>
             <a:endParaRPr lang="en-US"/>
           </a:p>
@@ -1167,13 +1085,7 @@
       </p:sp>
       <p:sp>
         <p:nvSpPr>
-          <p:cNvPr id="5" name="Footer Placeholder 4">
-            <a:extLst>
-              <a:ext uri="{FF2B5EF4-FFF2-40B4-BE49-F238E27FC236}">
-                <a16:creationId xmlns:a16="http://schemas.microsoft.com/office/drawing/2014/main" id="{76F17498-E78C-450D-A14D-7A754311DE3F}"/>
-              </a:ext>
-            </a:extLst>
-          </p:cNvPr>
+          <p:cNvPr id="5" name="Footer Placeholder 4"/>
           <p:cNvSpPr>
             <a:spLocks noGrp="1"/>
           </p:cNvSpPr>
@@ -1192,13 +1104,7 @@
       </p:sp>
       <p:sp>
         <p:nvSpPr>
-          <p:cNvPr id="6" name="Slide Number Placeholder 5">
-            <a:extLst>
-              <a:ext uri="{FF2B5EF4-FFF2-40B4-BE49-F238E27FC236}">
-                <a16:creationId xmlns:a16="http://schemas.microsoft.com/office/drawing/2014/main" id="{BC35F27E-E941-4FFF-AD3B-D0A7E47AB67C}"/>
-              </a:ext>
-            </a:extLst>
-          </p:cNvPr>
+          <p:cNvPr id="6" name="Slide Number Placeholder 5"/>
           <p:cNvSpPr>
             <a:spLocks noGrp="1"/>
           </p:cNvSpPr>
@@ -1222,13 +1128,25 @@
     </p:spTree>
     <p:extLst>
       <p:ext uri="{BB962C8B-B14F-4D97-AF65-F5344CB8AC3E}">
-        <p14:creationId xmlns:p14="http://schemas.microsoft.com/office/powerpoint/2010/main" val="1521577661"/>
+        <p14:creationId xmlns:p14="http://schemas.microsoft.com/office/powerpoint/2010/main" val="2786316314"/>
       </p:ext>
     </p:extLst>
   </p:cSld>
   <p:clrMapOvr>
     <a:masterClrMapping/>
   </p:clrMapOvr>
+  <mc:AlternateContent xmlns:mc="http://schemas.openxmlformats.org/markup-compatibility/2006">
+    <mc:Choice xmlns:p14="http://schemas.microsoft.com/office/powerpoint/2010/main" Requires="p14">
+      <p:transition spd="slow">
+        <p14:pan dir="u"/>
+      </p:transition>
+    </mc:Choice>
+    <mc:Fallback>
+      <p:transition spd="slow">
+        <p:fade/>
+      </p:transition>
+    </mc:Fallback>
+  </mc:AlternateContent>
 </p:sldLayout>
 </file>
 
@@ -1251,13 +1169,7 @@
       </p:grpSpPr>
       <p:sp>
         <p:nvSpPr>
-          <p:cNvPr id="2" name="Title 1">
-            <a:extLst>
-              <a:ext uri="{FF2B5EF4-FFF2-40B4-BE49-F238E27FC236}">
-                <a16:creationId xmlns:a16="http://schemas.microsoft.com/office/drawing/2014/main" id="{1925F582-067A-424A-AE53-2BE868199EDD}"/>
-              </a:ext>
-            </a:extLst>
-          </p:cNvPr>
+          <p:cNvPr id="2" name="Title 1"/>
           <p:cNvSpPr>
             <a:spLocks noGrp="1"/>
           </p:cNvSpPr>
@@ -1274,18 +1186,13 @@
               <a:rPr lang="en-US"/>
               <a:t>Click to edit Master title style</a:t>
             </a:r>
-          </a:p>
-        </p:txBody>
-      </p:sp>
-      <p:sp>
-        <p:nvSpPr>
-          <p:cNvPr id="3" name="Content Placeholder 2">
-            <a:extLst>
-              <a:ext uri="{FF2B5EF4-FFF2-40B4-BE49-F238E27FC236}">
-                <a16:creationId xmlns:a16="http://schemas.microsoft.com/office/drawing/2014/main" id="{94DC3A79-7095-40C9-920E-9E87BF7D521C}"/>
-              </a:ext>
-            </a:extLst>
-          </p:cNvPr>
+            <a:endParaRPr lang="en-US" dirty="0"/>
+          </a:p>
+        </p:txBody>
+      </p:sp>
+      <p:sp>
+        <p:nvSpPr>
+          <p:cNvPr id="3" name="Content Placeholder 2"/>
           <p:cNvSpPr>
             <a:spLocks noGrp="1"/>
           </p:cNvSpPr>
@@ -1306,7 +1213,7 @@
             <a:pPr lvl="0"/>
             <a:r>
               <a:rPr lang="en-US"/>
-              <a:t>Edit Master text styles</a:t>
+              <a:t>Click to edit Master text styles</a:t>
             </a:r>
           </a:p>
           <a:p>
@@ -1336,18 +1243,13 @@
               <a:rPr lang="en-US"/>
               <a:t>Fifth level</a:t>
             </a:r>
-          </a:p>
-        </p:txBody>
-      </p:sp>
-      <p:sp>
-        <p:nvSpPr>
-          <p:cNvPr id="4" name="Content Placeholder 3">
-            <a:extLst>
-              <a:ext uri="{FF2B5EF4-FFF2-40B4-BE49-F238E27FC236}">
-                <a16:creationId xmlns:a16="http://schemas.microsoft.com/office/drawing/2014/main" id="{C97BD18B-C2A6-4A25-A38A-4FA43182649C}"/>
-              </a:ext>
-            </a:extLst>
-          </p:cNvPr>
+            <a:endParaRPr lang="en-US" dirty="0"/>
+          </a:p>
+        </p:txBody>
+      </p:sp>
+      <p:sp>
+        <p:nvSpPr>
+          <p:cNvPr id="4" name="Content Placeholder 3"/>
           <p:cNvSpPr>
             <a:spLocks noGrp="1"/>
           </p:cNvSpPr>
@@ -1368,7 +1270,7 @@
             <a:pPr lvl="0"/>
             <a:r>
               <a:rPr lang="en-US"/>
-              <a:t>Edit Master text styles</a:t>
+              <a:t>Click to edit Master text styles</a:t>
             </a:r>
           </a:p>
           <a:p>
@@ -1398,18 +1300,13 @@
               <a:rPr lang="en-US"/>
               <a:t>Fifth level</a:t>
             </a:r>
-          </a:p>
-        </p:txBody>
-      </p:sp>
-      <p:sp>
-        <p:nvSpPr>
-          <p:cNvPr id="5" name="Date Placeholder 4">
-            <a:extLst>
-              <a:ext uri="{FF2B5EF4-FFF2-40B4-BE49-F238E27FC236}">
-                <a16:creationId xmlns:a16="http://schemas.microsoft.com/office/drawing/2014/main" id="{9D76C58C-1D0D-4BF6-B3EB-83C3EA6A29E5}"/>
-              </a:ext>
-            </a:extLst>
-          </p:cNvPr>
+            <a:endParaRPr lang="en-US" dirty="0"/>
+          </a:p>
+        </p:txBody>
+      </p:sp>
+      <p:sp>
+        <p:nvSpPr>
+          <p:cNvPr id="5" name="Date Placeholder 4"/>
           <p:cNvSpPr>
             <a:spLocks noGrp="1"/>
           </p:cNvSpPr>
@@ -1424,7 +1321,7 @@
           <a:p>
             <a:fld id="{716F0269-4B4C-493B-BD65-A003A7EAD097}" type="datetimeFigureOut">
               <a:rPr lang="en-US" smtClean="0"/>
-              <a:t>5/8/2025</a:t>
+              <a:t>5/9/2025</a:t>
             </a:fld>
             <a:endParaRPr lang="en-US"/>
           </a:p>
@@ -1432,13 +1329,7 @@
       </p:sp>
       <p:sp>
         <p:nvSpPr>
-          <p:cNvPr id="6" name="Footer Placeholder 5">
-            <a:extLst>
-              <a:ext uri="{FF2B5EF4-FFF2-40B4-BE49-F238E27FC236}">
-                <a16:creationId xmlns:a16="http://schemas.microsoft.com/office/drawing/2014/main" id="{60B9F64A-F33E-40AB-A346-3C1FA6E586FB}"/>
-              </a:ext>
-            </a:extLst>
-          </p:cNvPr>
+          <p:cNvPr id="6" name="Footer Placeholder 5"/>
           <p:cNvSpPr>
             <a:spLocks noGrp="1"/>
           </p:cNvSpPr>
@@ -1457,13 +1348,7 @@
       </p:sp>
       <p:sp>
         <p:nvSpPr>
-          <p:cNvPr id="7" name="Slide Number Placeholder 6">
-            <a:extLst>
-              <a:ext uri="{FF2B5EF4-FFF2-40B4-BE49-F238E27FC236}">
-                <a16:creationId xmlns:a16="http://schemas.microsoft.com/office/drawing/2014/main" id="{927E0DD6-57CA-4871-AC9A-CAEF6D95C9A9}"/>
-              </a:ext>
-            </a:extLst>
-          </p:cNvPr>
+          <p:cNvPr id="7" name="Slide Number Placeholder 6"/>
           <p:cNvSpPr>
             <a:spLocks noGrp="1"/>
           </p:cNvSpPr>
@@ -1487,13 +1372,25 @@
     </p:spTree>
     <p:extLst>
       <p:ext uri="{BB962C8B-B14F-4D97-AF65-F5344CB8AC3E}">
-        <p14:creationId xmlns:p14="http://schemas.microsoft.com/office/powerpoint/2010/main" val="2481328852"/>
+        <p14:creationId xmlns:p14="http://schemas.microsoft.com/office/powerpoint/2010/main" val="3081168982"/>
       </p:ext>
     </p:extLst>
   </p:cSld>
   <p:clrMapOvr>
     <a:masterClrMapping/>
   </p:clrMapOvr>
+  <mc:AlternateContent xmlns:mc="http://schemas.openxmlformats.org/markup-compatibility/2006">
+    <mc:Choice xmlns:p14="http://schemas.microsoft.com/office/powerpoint/2010/main" Requires="p14">
+      <p:transition spd="slow">
+        <p14:pan dir="u"/>
+      </p:transition>
+    </mc:Choice>
+    <mc:Fallback>
+      <p:transition spd="slow">
+        <p:fade/>
+      </p:transition>
+    </mc:Fallback>
+  </mc:AlternateContent>
 </p:sldLayout>
 </file>
 
@@ -1516,13 +1413,7 @@
       </p:grpSpPr>
       <p:sp>
         <p:nvSpPr>
-          <p:cNvPr id="2" name="Title 1">
-            <a:extLst>
-              <a:ext uri="{FF2B5EF4-FFF2-40B4-BE49-F238E27FC236}">
-                <a16:creationId xmlns:a16="http://schemas.microsoft.com/office/drawing/2014/main" id="{90EF5F53-89EC-4D24-A482-5662C6F2AC16}"/>
-              </a:ext>
-            </a:extLst>
-          </p:cNvPr>
+          <p:cNvPr id="2" name="Title 1"/>
           <p:cNvSpPr>
             <a:spLocks noGrp="1"/>
           </p:cNvSpPr>
@@ -1544,18 +1435,13 @@
               <a:rPr lang="en-US"/>
               <a:t>Click to edit Master title style</a:t>
             </a:r>
-          </a:p>
-        </p:txBody>
-      </p:sp>
-      <p:sp>
-        <p:nvSpPr>
-          <p:cNvPr id="3" name="Text Placeholder 2">
-            <a:extLst>
-              <a:ext uri="{FF2B5EF4-FFF2-40B4-BE49-F238E27FC236}">
-                <a16:creationId xmlns:a16="http://schemas.microsoft.com/office/drawing/2014/main" id="{54611218-1E9C-46BE-8765-4DFCD5AAB074}"/>
-              </a:ext>
-            </a:extLst>
-          </p:cNvPr>
+            <a:endParaRPr lang="en-US" dirty="0"/>
+          </a:p>
+        </p:txBody>
+      </p:sp>
+      <p:sp>
+        <p:nvSpPr>
+          <p:cNvPr id="3" name="Text Placeholder 2"/>
           <p:cNvSpPr>
             <a:spLocks noGrp="1"/>
           </p:cNvSpPr>
@@ -1613,20 +1499,14 @@
             <a:pPr lvl="0"/>
             <a:r>
               <a:rPr lang="en-US"/>
-              <a:t>Edit Master text styles</a:t>
-            </a:r>
-          </a:p>
-        </p:txBody>
-      </p:sp>
-      <p:sp>
-        <p:nvSpPr>
-          <p:cNvPr id="4" name="Content Placeholder 3">
-            <a:extLst>
-              <a:ext uri="{FF2B5EF4-FFF2-40B4-BE49-F238E27FC236}">
-                <a16:creationId xmlns:a16="http://schemas.microsoft.com/office/drawing/2014/main" id="{FC1A5661-DDE1-4499-BCFF-B35825412F56}"/>
-              </a:ext>
-            </a:extLst>
-          </p:cNvPr>
+              <a:t>Click to edit Master text styles</a:t>
+            </a:r>
+          </a:p>
+        </p:txBody>
+      </p:sp>
+      <p:sp>
+        <p:nvSpPr>
+          <p:cNvPr id="4" name="Content Placeholder 3"/>
           <p:cNvSpPr>
             <a:spLocks noGrp="1"/>
           </p:cNvSpPr>
@@ -1647,7 +1527,7 @@
             <a:pPr lvl="0"/>
             <a:r>
               <a:rPr lang="en-US"/>
-              <a:t>Edit Master text styles</a:t>
+              <a:t>Click to edit Master text styles</a:t>
             </a:r>
           </a:p>
           <a:p>
@@ -1677,18 +1557,13 @@
               <a:rPr lang="en-US"/>
               <a:t>Fifth level</a:t>
             </a:r>
-          </a:p>
-        </p:txBody>
-      </p:sp>
-      <p:sp>
-        <p:nvSpPr>
-          <p:cNvPr id="5" name="Text Placeholder 4">
-            <a:extLst>
-              <a:ext uri="{FF2B5EF4-FFF2-40B4-BE49-F238E27FC236}">
-                <a16:creationId xmlns:a16="http://schemas.microsoft.com/office/drawing/2014/main" id="{5D86BB47-B83D-4BF8-9510-75976D9B61D8}"/>
-              </a:ext>
-            </a:extLst>
-          </p:cNvPr>
+            <a:endParaRPr lang="en-US" dirty="0"/>
+          </a:p>
+        </p:txBody>
+      </p:sp>
+      <p:sp>
+        <p:nvSpPr>
+          <p:cNvPr id="5" name="Text Placeholder 4"/>
           <p:cNvSpPr>
             <a:spLocks noGrp="1"/>
           </p:cNvSpPr>
@@ -1746,20 +1621,14 @@
             <a:pPr lvl="0"/>
             <a:r>
               <a:rPr lang="en-US"/>
-              <a:t>Edit Master text styles</a:t>
-            </a:r>
-          </a:p>
-        </p:txBody>
-      </p:sp>
-      <p:sp>
-        <p:nvSpPr>
-          <p:cNvPr id="6" name="Content Placeholder 5">
-            <a:extLst>
-              <a:ext uri="{FF2B5EF4-FFF2-40B4-BE49-F238E27FC236}">
-                <a16:creationId xmlns:a16="http://schemas.microsoft.com/office/drawing/2014/main" id="{9CDF2EE0-AAA3-4535-BCC1-753E462421E5}"/>
-              </a:ext>
-            </a:extLst>
-          </p:cNvPr>
+              <a:t>Click to edit Master text styles</a:t>
+            </a:r>
+          </a:p>
+        </p:txBody>
+      </p:sp>
+      <p:sp>
+        <p:nvSpPr>
+          <p:cNvPr id="6" name="Content Placeholder 5"/>
           <p:cNvSpPr>
             <a:spLocks noGrp="1"/>
           </p:cNvSpPr>
@@ -1780,7 +1649,7 @@
             <a:pPr lvl="0"/>
             <a:r>
               <a:rPr lang="en-US"/>
-              <a:t>Edit Master text styles</a:t>
+              <a:t>Click to edit Master text styles</a:t>
             </a:r>
           </a:p>
           <a:p>
@@ -1810,18 +1679,13 @@
               <a:rPr lang="en-US"/>
               <a:t>Fifth level</a:t>
             </a:r>
-          </a:p>
-        </p:txBody>
-      </p:sp>
-      <p:sp>
-        <p:nvSpPr>
-          <p:cNvPr id="7" name="Date Placeholder 6">
-            <a:extLst>
-              <a:ext uri="{FF2B5EF4-FFF2-40B4-BE49-F238E27FC236}">
-                <a16:creationId xmlns:a16="http://schemas.microsoft.com/office/drawing/2014/main" id="{9F1A5B09-7580-468D-BBE6-0EC9AE7FE78C}"/>
-              </a:ext>
-            </a:extLst>
-          </p:cNvPr>
+            <a:endParaRPr lang="en-US" dirty="0"/>
+          </a:p>
+        </p:txBody>
+      </p:sp>
+      <p:sp>
+        <p:nvSpPr>
+          <p:cNvPr id="7" name="Date Placeholder 6"/>
           <p:cNvSpPr>
             <a:spLocks noGrp="1"/>
           </p:cNvSpPr>
@@ -1836,7 +1700,7 @@
           <a:p>
             <a:fld id="{716F0269-4B4C-493B-BD65-A003A7EAD097}" type="datetimeFigureOut">
               <a:rPr lang="en-US" smtClean="0"/>
-              <a:t>5/8/2025</a:t>
+              <a:t>5/9/2025</a:t>
             </a:fld>
             <a:endParaRPr lang="en-US"/>
           </a:p>
@@ -1844,13 +1708,7 @@
       </p:sp>
       <p:sp>
         <p:nvSpPr>
-          <p:cNvPr id="8" name="Footer Placeholder 7">
-            <a:extLst>
-              <a:ext uri="{FF2B5EF4-FFF2-40B4-BE49-F238E27FC236}">
-                <a16:creationId xmlns:a16="http://schemas.microsoft.com/office/drawing/2014/main" id="{6820B12A-6D5E-4DC7-B43E-C882049FA296}"/>
-              </a:ext>
-            </a:extLst>
-          </p:cNvPr>
+          <p:cNvPr id="8" name="Footer Placeholder 7"/>
           <p:cNvSpPr>
             <a:spLocks noGrp="1"/>
           </p:cNvSpPr>
@@ -1869,13 +1727,7 @@
       </p:sp>
       <p:sp>
         <p:nvSpPr>
-          <p:cNvPr id="9" name="Slide Number Placeholder 8">
-            <a:extLst>
-              <a:ext uri="{FF2B5EF4-FFF2-40B4-BE49-F238E27FC236}">
-                <a16:creationId xmlns:a16="http://schemas.microsoft.com/office/drawing/2014/main" id="{96C5CAB0-C3E7-45E4-B229-947F064AD6EA}"/>
-              </a:ext>
-            </a:extLst>
-          </p:cNvPr>
+          <p:cNvPr id="9" name="Slide Number Placeholder 8"/>
           <p:cNvSpPr>
             <a:spLocks noGrp="1"/>
           </p:cNvSpPr>
@@ -1899,13 +1751,25 @@
     </p:spTree>
     <p:extLst>
       <p:ext uri="{BB962C8B-B14F-4D97-AF65-F5344CB8AC3E}">
-        <p14:creationId xmlns:p14="http://schemas.microsoft.com/office/powerpoint/2010/main" val="1086647298"/>
+        <p14:creationId xmlns:p14="http://schemas.microsoft.com/office/powerpoint/2010/main" val="4256734979"/>
       </p:ext>
     </p:extLst>
   </p:cSld>
   <p:clrMapOvr>
     <a:masterClrMapping/>
   </p:clrMapOvr>
+  <mc:AlternateContent xmlns:mc="http://schemas.openxmlformats.org/markup-compatibility/2006">
+    <mc:Choice xmlns:p14="http://schemas.microsoft.com/office/powerpoint/2010/main" Requires="p14">
+      <p:transition spd="slow">
+        <p14:pan dir="u"/>
+      </p:transition>
+    </mc:Choice>
+    <mc:Fallback>
+      <p:transition spd="slow">
+        <p:fade/>
+      </p:transition>
+    </mc:Fallback>
+  </mc:AlternateContent>
 </p:sldLayout>
 </file>
 
@@ -1928,13 +1792,7 @@
       </p:grpSpPr>
       <p:sp>
         <p:nvSpPr>
-          <p:cNvPr id="2" name="Title 1">
-            <a:extLst>
-              <a:ext uri="{FF2B5EF4-FFF2-40B4-BE49-F238E27FC236}">
-                <a16:creationId xmlns:a16="http://schemas.microsoft.com/office/drawing/2014/main" id="{F477AB4B-B8AD-438B-99AF-FBA3A00D708F}"/>
-              </a:ext>
-            </a:extLst>
-          </p:cNvPr>
+          <p:cNvPr id="2" name="Title 1"/>
           <p:cNvSpPr>
             <a:spLocks noGrp="1"/>
           </p:cNvSpPr>
@@ -1951,18 +1809,13 @@
               <a:rPr lang="en-US"/>
               <a:t>Click to edit Master title style</a:t>
             </a:r>
-          </a:p>
-        </p:txBody>
-      </p:sp>
-      <p:sp>
-        <p:nvSpPr>
-          <p:cNvPr id="3" name="Date Placeholder 2">
-            <a:extLst>
-              <a:ext uri="{FF2B5EF4-FFF2-40B4-BE49-F238E27FC236}">
-                <a16:creationId xmlns:a16="http://schemas.microsoft.com/office/drawing/2014/main" id="{E9F66D48-91C1-4A3E-9AA1-57916738A5A4}"/>
-              </a:ext>
-            </a:extLst>
-          </p:cNvPr>
+            <a:endParaRPr lang="en-US" dirty="0"/>
+          </a:p>
+        </p:txBody>
+      </p:sp>
+      <p:sp>
+        <p:nvSpPr>
+          <p:cNvPr id="3" name="Date Placeholder 2"/>
           <p:cNvSpPr>
             <a:spLocks noGrp="1"/>
           </p:cNvSpPr>
@@ -1977,7 +1830,7 @@
           <a:p>
             <a:fld id="{716F0269-4B4C-493B-BD65-A003A7EAD097}" type="datetimeFigureOut">
               <a:rPr lang="en-US" smtClean="0"/>
-              <a:t>5/8/2025</a:t>
+              <a:t>5/9/2025</a:t>
             </a:fld>
             <a:endParaRPr lang="en-US"/>
           </a:p>
@@ -1985,13 +1838,7 @@
       </p:sp>
       <p:sp>
         <p:nvSpPr>
-          <p:cNvPr id="4" name="Footer Placeholder 3">
-            <a:extLst>
-              <a:ext uri="{FF2B5EF4-FFF2-40B4-BE49-F238E27FC236}">
-                <a16:creationId xmlns:a16="http://schemas.microsoft.com/office/drawing/2014/main" id="{B601866F-6A05-4C09-8F49-D8BC9288F9EA}"/>
-              </a:ext>
-            </a:extLst>
-          </p:cNvPr>
+          <p:cNvPr id="4" name="Footer Placeholder 3"/>
           <p:cNvSpPr>
             <a:spLocks noGrp="1"/>
           </p:cNvSpPr>
@@ -2010,13 +1857,7 @@
       </p:sp>
       <p:sp>
         <p:nvSpPr>
-          <p:cNvPr id="5" name="Slide Number Placeholder 4">
-            <a:extLst>
-              <a:ext uri="{FF2B5EF4-FFF2-40B4-BE49-F238E27FC236}">
-                <a16:creationId xmlns:a16="http://schemas.microsoft.com/office/drawing/2014/main" id="{CF04D455-8716-4AFD-BB0A-74E509AACD43}"/>
-              </a:ext>
-            </a:extLst>
-          </p:cNvPr>
+          <p:cNvPr id="5" name="Slide Number Placeholder 4"/>
           <p:cNvSpPr>
             <a:spLocks noGrp="1"/>
           </p:cNvSpPr>
@@ -2040,13 +1881,25 @@
     </p:spTree>
     <p:extLst>
       <p:ext uri="{BB962C8B-B14F-4D97-AF65-F5344CB8AC3E}">
-        <p14:creationId xmlns:p14="http://schemas.microsoft.com/office/powerpoint/2010/main" val="3343676287"/>
+        <p14:creationId xmlns:p14="http://schemas.microsoft.com/office/powerpoint/2010/main" val="3759691383"/>
       </p:ext>
     </p:extLst>
   </p:cSld>
   <p:clrMapOvr>
     <a:masterClrMapping/>
   </p:clrMapOvr>
+  <mc:AlternateContent xmlns:mc="http://schemas.openxmlformats.org/markup-compatibility/2006">
+    <mc:Choice xmlns:p14="http://schemas.microsoft.com/office/powerpoint/2010/main" Requires="p14">
+      <p:transition spd="slow">
+        <p14:pan dir="u"/>
+      </p:transition>
+    </mc:Choice>
+    <mc:Fallback>
+      <p:transition spd="slow">
+        <p:fade/>
+      </p:transition>
+    </mc:Fallback>
+  </mc:AlternateContent>
 </p:sldLayout>
 </file>
 
@@ -2069,13 +1922,7 @@
       </p:grpSpPr>
       <p:sp>
         <p:nvSpPr>
-          <p:cNvPr id="2" name="Date Placeholder 1">
-            <a:extLst>
-              <a:ext uri="{FF2B5EF4-FFF2-40B4-BE49-F238E27FC236}">
-                <a16:creationId xmlns:a16="http://schemas.microsoft.com/office/drawing/2014/main" id="{E880A642-8BB9-4A70-A939-6594ECB4AECE}"/>
-              </a:ext>
-            </a:extLst>
-          </p:cNvPr>
+          <p:cNvPr id="2" name="Date Placeholder 1"/>
           <p:cNvSpPr>
             <a:spLocks noGrp="1"/>
           </p:cNvSpPr>
@@ -2090,7 +1937,7 @@
           <a:p>
             <a:fld id="{716F0269-4B4C-493B-BD65-A003A7EAD097}" type="datetimeFigureOut">
               <a:rPr lang="en-US" smtClean="0"/>
-              <a:t>5/8/2025</a:t>
+              <a:t>5/9/2025</a:t>
             </a:fld>
             <a:endParaRPr lang="en-US"/>
           </a:p>
@@ -2098,13 +1945,7 @@
       </p:sp>
       <p:sp>
         <p:nvSpPr>
-          <p:cNvPr id="3" name="Footer Placeholder 2">
-            <a:extLst>
-              <a:ext uri="{FF2B5EF4-FFF2-40B4-BE49-F238E27FC236}">
-                <a16:creationId xmlns:a16="http://schemas.microsoft.com/office/drawing/2014/main" id="{364F8D81-9803-41A1-8CB0-AFC772AFBEEA}"/>
-              </a:ext>
-            </a:extLst>
-          </p:cNvPr>
+          <p:cNvPr id="3" name="Footer Placeholder 2"/>
           <p:cNvSpPr>
             <a:spLocks noGrp="1"/>
           </p:cNvSpPr>
@@ -2123,13 +1964,7 @@
       </p:sp>
       <p:sp>
         <p:nvSpPr>
-          <p:cNvPr id="4" name="Slide Number Placeholder 3">
-            <a:extLst>
-              <a:ext uri="{FF2B5EF4-FFF2-40B4-BE49-F238E27FC236}">
-                <a16:creationId xmlns:a16="http://schemas.microsoft.com/office/drawing/2014/main" id="{D31EB487-5309-45A4-A58F-BAAC7A9199BC}"/>
-              </a:ext>
-            </a:extLst>
-          </p:cNvPr>
+          <p:cNvPr id="4" name="Slide Number Placeholder 3"/>
           <p:cNvSpPr>
             <a:spLocks noGrp="1"/>
           </p:cNvSpPr>
@@ -2153,13 +1988,25 @@
     </p:spTree>
     <p:extLst>
       <p:ext uri="{BB962C8B-B14F-4D97-AF65-F5344CB8AC3E}">
-        <p14:creationId xmlns:p14="http://schemas.microsoft.com/office/powerpoint/2010/main" val="1858909531"/>
+        <p14:creationId xmlns:p14="http://schemas.microsoft.com/office/powerpoint/2010/main" val="2687522023"/>
       </p:ext>
     </p:extLst>
   </p:cSld>
   <p:clrMapOvr>
     <a:masterClrMapping/>
   </p:clrMapOvr>
+  <mc:AlternateContent xmlns:mc="http://schemas.openxmlformats.org/markup-compatibility/2006">
+    <mc:Choice xmlns:p14="http://schemas.microsoft.com/office/powerpoint/2010/main" Requires="p14">
+      <p:transition spd="slow">
+        <p14:pan dir="u"/>
+      </p:transition>
+    </mc:Choice>
+    <mc:Fallback>
+      <p:transition spd="slow">
+        <p:fade/>
+      </p:transition>
+    </mc:Fallback>
+  </mc:AlternateContent>
 </p:sldLayout>
 </file>
 
@@ -2182,13 +2029,7 @@
       </p:grpSpPr>
       <p:sp>
         <p:nvSpPr>
-          <p:cNvPr id="2" name="Title 1">
-            <a:extLst>
-              <a:ext uri="{FF2B5EF4-FFF2-40B4-BE49-F238E27FC236}">
-                <a16:creationId xmlns:a16="http://schemas.microsoft.com/office/drawing/2014/main" id="{841C7768-C9A6-48A4-89A0-0BC255746BA0}"/>
-              </a:ext>
-            </a:extLst>
-          </p:cNvPr>
+          <p:cNvPr id="2" name="Title 1"/>
           <p:cNvSpPr>
             <a:spLocks noGrp="1"/>
           </p:cNvSpPr>
@@ -2214,18 +2055,13 @@
               <a:rPr lang="en-US"/>
               <a:t>Click to edit Master title style</a:t>
             </a:r>
-          </a:p>
-        </p:txBody>
-      </p:sp>
-      <p:sp>
-        <p:nvSpPr>
-          <p:cNvPr id="3" name="Content Placeholder 2">
-            <a:extLst>
-              <a:ext uri="{FF2B5EF4-FFF2-40B4-BE49-F238E27FC236}">
-                <a16:creationId xmlns:a16="http://schemas.microsoft.com/office/drawing/2014/main" id="{C4955BE3-EDD6-4A62-83F1-86C8A5DA854A}"/>
-              </a:ext>
-            </a:extLst>
-          </p:cNvPr>
+            <a:endParaRPr lang="en-US" dirty="0"/>
+          </a:p>
+        </p:txBody>
+      </p:sp>
+      <p:sp>
+        <p:nvSpPr>
+          <p:cNvPr id="3" name="Content Placeholder 2"/>
           <p:cNvSpPr>
             <a:spLocks noGrp="1"/>
           </p:cNvSpPr>
@@ -2274,7 +2110,7 @@
             <a:pPr lvl="0"/>
             <a:r>
               <a:rPr lang="en-US"/>
-              <a:t>Edit Master text styles</a:t>
+              <a:t>Click to edit Master text styles</a:t>
             </a:r>
           </a:p>
           <a:p>
@@ -2304,18 +2140,13 @@
               <a:rPr lang="en-US"/>
               <a:t>Fifth level</a:t>
             </a:r>
-          </a:p>
-        </p:txBody>
-      </p:sp>
-      <p:sp>
-        <p:nvSpPr>
-          <p:cNvPr id="4" name="Text Placeholder 3">
-            <a:extLst>
-              <a:ext uri="{FF2B5EF4-FFF2-40B4-BE49-F238E27FC236}">
-                <a16:creationId xmlns:a16="http://schemas.microsoft.com/office/drawing/2014/main" id="{55DBB522-416E-4022-8D63-D1F466C2F23E}"/>
-              </a:ext>
-            </a:extLst>
-          </p:cNvPr>
+            <a:endParaRPr lang="en-US" dirty="0"/>
+          </a:p>
+        </p:txBody>
+      </p:sp>
+      <p:sp>
+        <p:nvSpPr>
+          <p:cNvPr id="4" name="Text Placeholder 3"/>
           <p:cNvSpPr>
             <a:spLocks noGrp="1"/>
           </p:cNvSpPr>
@@ -2373,20 +2204,14 @@
             <a:pPr lvl="0"/>
             <a:r>
               <a:rPr lang="en-US"/>
-              <a:t>Edit Master text styles</a:t>
-            </a:r>
-          </a:p>
-        </p:txBody>
-      </p:sp>
-      <p:sp>
-        <p:nvSpPr>
-          <p:cNvPr id="5" name="Date Placeholder 4">
-            <a:extLst>
-              <a:ext uri="{FF2B5EF4-FFF2-40B4-BE49-F238E27FC236}">
-                <a16:creationId xmlns:a16="http://schemas.microsoft.com/office/drawing/2014/main" id="{0CF56DFC-6D11-458A-AA96-5981F8E89134}"/>
-              </a:ext>
-            </a:extLst>
-          </p:cNvPr>
+              <a:t>Click to edit Master text styles</a:t>
+            </a:r>
+          </a:p>
+        </p:txBody>
+      </p:sp>
+      <p:sp>
+        <p:nvSpPr>
+          <p:cNvPr id="5" name="Date Placeholder 4"/>
           <p:cNvSpPr>
             <a:spLocks noGrp="1"/>
           </p:cNvSpPr>
@@ -2401,7 +2226,7 @@
           <a:p>
             <a:fld id="{716F0269-4B4C-493B-BD65-A003A7EAD097}" type="datetimeFigureOut">
               <a:rPr lang="en-US" smtClean="0"/>
-              <a:t>5/8/2025</a:t>
+              <a:t>5/9/2025</a:t>
             </a:fld>
             <a:endParaRPr lang="en-US"/>
           </a:p>
@@ -2409,13 +2234,7 @@
       </p:sp>
       <p:sp>
         <p:nvSpPr>
-          <p:cNvPr id="6" name="Footer Placeholder 5">
-            <a:extLst>
-              <a:ext uri="{FF2B5EF4-FFF2-40B4-BE49-F238E27FC236}">
-                <a16:creationId xmlns:a16="http://schemas.microsoft.com/office/drawing/2014/main" id="{E5324BC6-F24B-48F5-B0B6-3D9C89663BEB}"/>
-              </a:ext>
-            </a:extLst>
-          </p:cNvPr>
+          <p:cNvPr id="6" name="Footer Placeholder 5"/>
           <p:cNvSpPr>
             <a:spLocks noGrp="1"/>
           </p:cNvSpPr>
@@ -2434,13 +2253,7 @@
       </p:sp>
       <p:sp>
         <p:nvSpPr>
-          <p:cNvPr id="7" name="Slide Number Placeholder 6">
-            <a:extLst>
-              <a:ext uri="{FF2B5EF4-FFF2-40B4-BE49-F238E27FC236}">
-                <a16:creationId xmlns:a16="http://schemas.microsoft.com/office/drawing/2014/main" id="{91D501AB-7474-4819-B928-25B457FD0DD3}"/>
-              </a:ext>
-            </a:extLst>
-          </p:cNvPr>
+          <p:cNvPr id="7" name="Slide Number Placeholder 6"/>
           <p:cNvSpPr>
             <a:spLocks noGrp="1"/>
           </p:cNvSpPr>
@@ -2464,13 +2277,25 @@
     </p:spTree>
     <p:extLst>
       <p:ext uri="{BB962C8B-B14F-4D97-AF65-F5344CB8AC3E}">
-        <p14:creationId xmlns:p14="http://schemas.microsoft.com/office/powerpoint/2010/main" val="2561468859"/>
+        <p14:creationId xmlns:p14="http://schemas.microsoft.com/office/powerpoint/2010/main" val="702778453"/>
       </p:ext>
     </p:extLst>
   </p:cSld>
   <p:clrMapOvr>
     <a:masterClrMapping/>
   </p:clrMapOvr>
+  <mc:AlternateContent xmlns:mc="http://schemas.openxmlformats.org/markup-compatibility/2006">
+    <mc:Choice xmlns:p14="http://schemas.microsoft.com/office/powerpoint/2010/main" Requires="p14">
+      <p:transition spd="slow">
+        <p14:pan dir="u"/>
+      </p:transition>
+    </mc:Choice>
+    <mc:Fallback>
+      <p:transition spd="slow">
+        <p:fade/>
+      </p:transition>
+    </mc:Fallback>
+  </mc:AlternateContent>
 </p:sldLayout>
 </file>
 
@@ -2493,13 +2318,7 @@
       </p:grpSpPr>
       <p:sp>
         <p:nvSpPr>
-          <p:cNvPr id="2" name="Title 1">
-            <a:extLst>
-              <a:ext uri="{FF2B5EF4-FFF2-40B4-BE49-F238E27FC236}">
-                <a16:creationId xmlns:a16="http://schemas.microsoft.com/office/drawing/2014/main" id="{CD90CA6C-37FF-483F-B88F-EE7CAC5FB56B}"/>
-              </a:ext>
-            </a:extLst>
-          </p:cNvPr>
+          <p:cNvPr id="2" name="Title 1"/>
           <p:cNvSpPr>
             <a:spLocks noGrp="1"/>
           </p:cNvSpPr>
@@ -2525,20 +2344,15 @@
               <a:rPr lang="en-US"/>
               <a:t>Click to edit Master title style</a:t>
             </a:r>
-          </a:p>
-        </p:txBody>
-      </p:sp>
-      <p:sp>
-        <p:nvSpPr>
-          <p:cNvPr id="3" name="Picture Placeholder 2">
-            <a:extLst>
-              <a:ext uri="{FF2B5EF4-FFF2-40B4-BE49-F238E27FC236}">
-                <a16:creationId xmlns:a16="http://schemas.microsoft.com/office/drawing/2014/main" id="{DF08E361-5534-4DC3-B5B7-2B6F5E853234}"/>
-              </a:ext>
-            </a:extLst>
-          </p:cNvPr>
-          <p:cNvSpPr>
-            <a:spLocks noGrp="1"/>
+            <a:endParaRPr lang="en-US" dirty="0"/>
+          </a:p>
+        </p:txBody>
+      </p:sp>
+      <p:sp>
+        <p:nvSpPr>
+          <p:cNvPr id="3" name="Picture Placeholder 2"/>
+          <p:cNvSpPr>
+            <a:spLocks noGrp="1" noChangeAspect="1"/>
           </p:cNvSpPr>
           <p:nvPr>
             <p:ph type="pic" idx="1"/>
@@ -2551,7 +2365,7 @@
           </a:xfrm>
         </p:spPr>
         <p:txBody>
-          <a:bodyPr/>
+          <a:bodyPr anchor="t"/>
           <a:lstStyle>
             <a:lvl1pPr marL="0" indent="0">
               <a:buNone/>
@@ -2591,19 +2405,17 @@
             </a:lvl9pPr>
           </a:lstStyle>
           <a:p>
-            <a:endParaRPr lang="en-US"/>
-          </a:p>
-        </p:txBody>
-      </p:sp>
-      <p:sp>
-        <p:nvSpPr>
-          <p:cNvPr id="4" name="Text Placeholder 3">
-            <a:extLst>
-              <a:ext uri="{FF2B5EF4-FFF2-40B4-BE49-F238E27FC236}">
-                <a16:creationId xmlns:a16="http://schemas.microsoft.com/office/drawing/2014/main" id="{D2E0AEBE-2106-4A8A-8D3C-22F223CB39E3}"/>
-              </a:ext>
-            </a:extLst>
-          </p:cNvPr>
+            <a:r>
+              <a:rPr lang="en-US"/>
+              <a:t>Click icon to add picture</a:t>
+            </a:r>
+            <a:endParaRPr lang="en-US" dirty="0"/>
+          </a:p>
+        </p:txBody>
+      </p:sp>
+      <p:sp>
+        <p:nvSpPr>
+          <p:cNvPr id="4" name="Text Placeholder 3"/>
           <p:cNvSpPr>
             <a:spLocks noGrp="1"/>
           </p:cNvSpPr>
@@ -2661,20 +2473,14 @@
             <a:pPr lvl="0"/>
             <a:r>
               <a:rPr lang="en-US"/>
-              <a:t>Edit Master text styles</a:t>
-            </a:r>
-          </a:p>
-        </p:txBody>
-      </p:sp>
-      <p:sp>
-        <p:nvSpPr>
-          <p:cNvPr id="5" name="Date Placeholder 4">
-            <a:extLst>
-              <a:ext uri="{FF2B5EF4-FFF2-40B4-BE49-F238E27FC236}">
-                <a16:creationId xmlns:a16="http://schemas.microsoft.com/office/drawing/2014/main" id="{F990B4C7-3B7E-44E7-9E8C-D307A6749D4B}"/>
-              </a:ext>
-            </a:extLst>
-          </p:cNvPr>
+              <a:t>Click to edit Master text styles</a:t>
+            </a:r>
+          </a:p>
+        </p:txBody>
+      </p:sp>
+      <p:sp>
+        <p:nvSpPr>
+          <p:cNvPr id="5" name="Date Placeholder 4"/>
           <p:cNvSpPr>
             <a:spLocks noGrp="1"/>
           </p:cNvSpPr>
@@ -2689,7 +2495,7 @@
           <a:p>
             <a:fld id="{716F0269-4B4C-493B-BD65-A003A7EAD097}" type="datetimeFigureOut">
               <a:rPr lang="en-US" smtClean="0"/>
-              <a:t>5/8/2025</a:t>
+              <a:t>5/9/2025</a:t>
             </a:fld>
             <a:endParaRPr lang="en-US"/>
           </a:p>
@@ -2697,13 +2503,7 @@
       </p:sp>
       <p:sp>
         <p:nvSpPr>
-          <p:cNvPr id="6" name="Footer Placeholder 5">
-            <a:extLst>
-              <a:ext uri="{FF2B5EF4-FFF2-40B4-BE49-F238E27FC236}">
-                <a16:creationId xmlns:a16="http://schemas.microsoft.com/office/drawing/2014/main" id="{330E3275-9489-4FCA-8BAD-4DF13C5FE190}"/>
-              </a:ext>
-            </a:extLst>
-          </p:cNvPr>
+          <p:cNvPr id="6" name="Footer Placeholder 5"/>
           <p:cNvSpPr>
             <a:spLocks noGrp="1"/>
           </p:cNvSpPr>
@@ -2722,13 +2522,7 @@
       </p:sp>
       <p:sp>
         <p:nvSpPr>
-          <p:cNvPr id="7" name="Slide Number Placeholder 6">
-            <a:extLst>
-              <a:ext uri="{FF2B5EF4-FFF2-40B4-BE49-F238E27FC236}">
-                <a16:creationId xmlns:a16="http://schemas.microsoft.com/office/drawing/2014/main" id="{1D65F89B-C833-421D-B3A4-F5CF5BB73EFC}"/>
-              </a:ext>
-            </a:extLst>
-          </p:cNvPr>
+          <p:cNvPr id="7" name="Slide Number Placeholder 6"/>
           <p:cNvSpPr>
             <a:spLocks noGrp="1"/>
           </p:cNvSpPr>
@@ -2752,13 +2546,25 @@
     </p:spTree>
     <p:extLst>
       <p:ext uri="{BB962C8B-B14F-4D97-AF65-F5344CB8AC3E}">
-        <p14:creationId xmlns:p14="http://schemas.microsoft.com/office/powerpoint/2010/main" val="2123519959"/>
+        <p14:creationId xmlns:p14="http://schemas.microsoft.com/office/powerpoint/2010/main" val="2446929432"/>
       </p:ext>
     </p:extLst>
   </p:cSld>
   <p:clrMapOvr>
     <a:masterClrMapping/>
   </p:clrMapOvr>
+  <mc:AlternateContent xmlns:mc="http://schemas.openxmlformats.org/markup-compatibility/2006">
+    <mc:Choice xmlns:p14="http://schemas.microsoft.com/office/powerpoint/2010/main" Requires="p14">
+      <p:transition spd="slow">
+        <p14:pan dir="u"/>
+      </p:transition>
+    </mc:Choice>
+    <mc:Fallback>
+      <p:transition spd="slow">
+        <p:fade/>
+      </p:transition>
+    </mc:Fallback>
+  </mc:AlternateContent>
 </p:sldLayout>
 </file>
 
@@ -2786,13 +2592,7 @@
       </p:grpSpPr>
       <p:sp>
         <p:nvSpPr>
-          <p:cNvPr id="2" name="Title Placeholder 1">
-            <a:extLst>
-              <a:ext uri="{FF2B5EF4-FFF2-40B4-BE49-F238E27FC236}">
-                <a16:creationId xmlns:a16="http://schemas.microsoft.com/office/drawing/2014/main" id="{E0DA1B84-92C0-4490-A497-3F8E73DC4760}"/>
-              </a:ext>
-            </a:extLst>
-          </p:cNvPr>
+          <p:cNvPr id="2" name="Title Placeholder 1"/>
           <p:cNvSpPr>
             <a:spLocks noGrp="1"/>
           </p:cNvSpPr>
@@ -2819,18 +2619,13 @@
               <a:rPr lang="en-US"/>
               <a:t>Click to edit Master title style</a:t>
             </a:r>
-          </a:p>
-        </p:txBody>
-      </p:sp>
-      <p:sp>
-        <p:nvSpPr>
-          <p:cNvPr id="3" name="Text Placeholder 2">
-            <a:extLst>
-              <a:ext uri="{FF2B5EF4-FFF2-40B4-BE49-F238E27FC236}">
-                <a16:creationId xmlns:a16="http://schemas.microsoft.com/office/drawing/2014/main" id="{A72713DD-9917-4685-846F-8097A0D963EF}"/>
-              </a:ext>
-            </a:extLst>
-          </p:cNvPr>
+            <a:endParaRPr lang="en-US" dirty="0"/>
+          </a:p>
+        </p:txBody>
+      </p:sp>
+      <p:sp>
+        <p:nvSpPr>
+          <p:cNvPr id="3" name="Text Placeholder 2"/>
           <p:cNvSpPr>
             <a:spLocks noGrp="1"/>
           </p:cNvSpPr>
@@ -2856,7 +2651,7 @@
             <a:pPr lvl="0"/>
             <a:r>
               <a:rPr lang="en-US"/>
-              <a:t>Edit Master text styles</a:t>
+              <a:t>Click to edit Master text styles</a:t>
             </a:r>
           </a:p>
           <a:p>
@@ -2886,18 +2681,13 @@
               <a:rPr lang="en-US"/>
               <a:t>Fifth level</a:t>
             </a:r>
-          </a:p>
-        </p:txBody>
-      </p:sp>
-      <p:sp>
-        <p:nvSpPr>
-          <p:cNvPr id="4" name="Date Placeholder 3">
-            <a:extLst>
-              <a:ext uri="{FF2B5EF4-FFF2-40B4-BE49-F238E27FC236}">
-                <a16:creationId xmlns:a16="http://schemas.microsoft.com/office/drawing/2014/main" id="{24F46499-757F-4DAB-8410-1ED082518FBD}"/>
-              </a:ext>
-            </a:extLst>
-          </p:cNvPr>
+            <a:endParaRPr lang="en-US" dirty="0"/>
+          </a:p>
+        </p:txBody>
+      </p:sp>
+      <p:sp>
+        <p:nvSpPr>
+          <p:cNvPr id="4" name="Date Placeholder 3"/>
           <p:cNvSpPr>
             <a:spLocks noGrp="1"/>
           </p:cNvSpPr>
@@ -2930,7 +2720,7 @@
           <a:p>
             <a:fld id="{716F0269-4B4C-493B-BD65-A003A7EAD097}" type="datetimeFigureOut">
               <a:rPr lang="en-US" smtClean="0"/>
-              <a:t>5/8/2025</a:t>
+              <a:t>5/9/2025</a:t>
             </a:fld>
             <a:endParaRPr lang="en-US"/>
           </a:p>
@@ -2938,13 +2728,7 @@
       </p:sp>
       <p:sp>
         <p:nvSpPr>
-          <p:cNvPr id="5" name="Footer Placeholder 4">
-            <a:extLst>
-              <a:ext uri="{FF2B5EF4-FFF2-40B4-BE49-F238E27FC236}">
-                <a16:creationId xmlns:a16="http://schemas.microsoft.com/office/drawing/2014/main" id="{E22CC832-ED36-4EC6-A4E9-481F0D38EFBE}"/>
-              </a:ext>
-            </a:extLst>
-          </p:cNvPr>
+          <p:cNvPr id="5" name="Footer Placeholder 4"/>
           <p:cNvSpPr>
             <a:spLocks noGrp="1"/>
           </p:cNvSpPr>
@@ -2981,13 +2765,7 @@
       </p:sp>
       <p:sp>
         <p:nvSpPr>
-          <p:cNvPr id="6" name="Slide Number Placeholder 5">
-            <a:extLst>
-              <a:ext uri="{FF2B5EF4-FFF2-40B4-BE49-F238E27FC236}">
-                <a16:creationId xmlns:a16="http://schemas.microsoft.com/office/drawing/2014/main" id="{80971001-AADC-4495-A1CA-DAD94E49EF6F}"/>
-              </a:ext>
-            </a:extLst>
-          </p:cNvPr>
+          <p:cNvPr id="6" name="Slide Number Placeholder 5"/>
           <p:cNvSpPr>
             <a:spLocks noGrp="1"/>
           </p:cNvSpPr>
@@ -3029,24 +2807,36 @@
     </p:spTree>
     <p:extLst>
       <p:ext uri="{BB962C8B-B14F-4D97-AF65-F5344CB8AC3E}">
-        <p14:creationId xmlns:p14="http://schemas.microsoft.com/office/powerpoint/2010/main" val="3917111276"/>
+        <p14:creationId xmlns:p14="http://schemas.microsoft.com/office/powerpoint/2010/main" val="772193469"/>
       </p:ext>
     </p:extLst>
   </p:cSld>
   <p:clrMap bg1="lt1" tx1="dk1" bg2="lt2" tx2="dk2" accent1="accent1" accent2="accent2" accent3="accent3" accent4="accent4" accent5="accent5" accent6="accent6" hlink="hlink" folHlink="folHlink"/>
   <p:sldLayoutIdLst>
-    <p:sldLayoutId id="2147483685" r:id="rId1"/>
-    <p:sldLayoutId id="2147483686" r:id="rId2"/>
-    <p:sldLayoutId id="2147483687" r:id="rId3"/>
-    <p:sldLayoutId id="2147483688" r:id="rId4"/>
-    <p:sldLayoutId id="2147483689" r:id="rId5"/>
-    <p:sldLayoutId id="2147483690" r:id="rId6"/>
-    <p:sldLayoutId id="2147483691" r:id="rId7"/>
-    <p:sldLayoutId id="2147483692" r:id="rId8"/>
-    <p:sldLayoutId id="2147483693" r:id="rId9"/>
-    <p:sldLayoutId id="2147483694" r:id="rId10"/>
-    <p:sldLayoutId id="2147483695" r:id="rId11"/>
+    <p:sldLayoutId id="2147483839" r:id="rId1"/>
+    <p:sldLayoutId id="2147483840" r:id="rId2"/>
+    <p:sldLayoutId id="2147483841" r:id="rId3"/>
+    <p:sldLayoutId id="2147483842" r:id="rId4"/>
+    <p:sldLayoutId id="2147483843" r:id="rId5"/>
+    <p:sldLayoutId id="2147483844" r:id="rId6"/>
+    <p:sldLayoutId id="2147483845" r:id="rId7"/>
+    <p:sldLayoutId id="2147483846" r:id="rId8"/>
+    <p:sldLayoutId id="2147483847" r:id="rId9"/>
+    <p:sldLayoutId id="2147483848" r:id="rId10"/>
+    <p:sldLayoutId id="2147483849" r:id="rId11"/>
   </p:sldLayoutIdLst>
+  <mc:AlternateContent xmlns:mc="http://schemas.openxmlformats.org/markup-compatibility/2006">
+    <mc:Choice xmlns:p14="http://schemas.microsoft.com/office/powerpoint/2010/main" Requires="p14">
+      <p:transition spd="slow">
+        <p14:pan dir="u"/>
+      </p:transition>
+    </mc:Choice>
+    <mc:Fallback>
+      <p:transition spd="slow">
+        <p:fade/>
+      </p:transition>
+    </mc:Fallback>
+  </mc:AlternateContent>
   <p:txStyles>
     <p:titleStyle>
       <a:lvl1pPr algn="l" defTabSz="914400" rtl="0" eaLnBrk="1" latinLnBrk="0" hangingPunct="1">
@@ -3347,374 +3137,6 @@
           <a:chExt cx="0" cy="0"/>
         </a:xfrm>
       </p:grpSpPr>
-      <p:grpSp>
-        <p:nvGrpSpPr>
-          <p:cNvPr id="2" name="Group 2"/>
-          <p:cNvGrpSpPr/>
-          <p:nvPr/>
-        </p:nvGrpSpPr>
-        <p:grpSpPr>
-          <a:xfrm>
-            <a:off x="-20714" y="0"/>
-            <a:ext cx="2826055" cy="6858000"/>
-            <a:chOff x="0" y="0"/>
-            <a:chExt cx="5652111" cy="13716000"/>
-          </a:xfrm>
-        </p:grpSpPr>
-        <p:grpSp>
-          <p:nvGrpSpPr>
-            <p:cNvPr id="3" name="Group 3"/>
-            <p:cNvGrpSpPr/>
-            <p:nvPr/>
-          </p:nvGrpSpPr>
-          <p:grpSpPr>
-            <a:xfrm>
-              <a:off x="2826056" y="0"/>
-              <a:ext cx="2826056" cy="13716000"/>
-              <a:chOff x="0" y="0"/>
-              <a:chExt cx="558233" cy="2709333"/>
-            </a:xfrm>
-          </p:grpSpPr>
-          <p:sp>
-            <p:nvSpPr>
-              <p:cNvPr id="4" name="Freeform 4"/>
-              <p:cNvSpPr/>
-              <p:nvPr/>
-            </p:nvSpPr>
-            <p:spPr>
-              <a:xfrm>
-                <a:off x="0" y="0"/>
-                <a:ext cx="558233" cy="2709333"/>
-              </a:xfrm>
-              <a:custGeom>
-                <a:avLst/>
-                <a:gdLst/>
-                <a:ahLst/>
-                <a:cxnLst/>
-                <a:rect l="l" t="t" r="r" b="b"/>
-                <a:pathLst>
-                  <a:path w="558233" h="2709333">
-                    <a:moveTo>
-                      <a:pt x="0" y="0"/>
-                    </a:moveTo>
-                    <a:lnTo>
-                      <a:pt x="558233" y="0"/>
-                    </a:lnTo>
-                    <a:lnTo>
-                      <a:pt x="558233" y="2709333"/>
-                    </a:lnTo>
-                    <a:lnTo>
-                      <a:pt x="0" y="2709333"/>
-                    </a:lnTo>
-                    <a:close/>
-                  </a:path>
-                </a:pathLst>
-              </a:custGeom>
-              <a:solidFill>
-                <a:srgbClr val="E9E0D9"/>
-              </a:solidFill>
-            </p:spPr>
-          </p:sp>
-          <p:sp>
-            <p:nvSpPr>
-              <p:cNvPr id="5" name="TextBox 5"/>
-              <p:cNvSpPr txBox="1"/>
-              <p:nvPr/>
-            </p:nvSpPr>
-            <p:spPr>
-              <a:xfrm>
-                <a:off x="0" y="-47625"/>
-                <a:ext cx="558233" cy="2756958"/>
-              </a:xfrm>
-              <a:prstGeom prst="rect">
-                <a:avLst/>
-              </a:prstGeom>
-            </p:spPr>
-            <p:txBody>
-              <a:bodyPr lIns="33867" tIns="33867" rIns="33867" bIns="33867" rtlCol="0" anchor="ctr"/>
-              <a:lstStyle/>
-              <a:p>
-                <a:pPr algn="ctr">
-                  <a:lnSpc>
-                    <a:spcPts val="1773"/>
-                  </a:lnSpc>
-                </a:pPr>
-                <a:endParaRPr sz="1200"/>
-              </a:p>
-            </p:txBody>
-          </p:sp>
-        </p:grpSp>
-        <p:grpSp>
-          <p:nvGrpSpPr>
-            <p:cNvPr id="6" name="Group 6"/>
-            <p:cNvGrpSpPr/>
-            <p:nvPr/>
-          </p:nvGrpSpPr>
-          <p:grpSpPr>
-            <a:xfrm>
-              <a:off x="1413028" y="0"/>
-              <a:ext cx="2826056" cy="13716000"/>
-              <a:chOff x="0" y="0"/>
-              <a:chExt cx="558233" cy="2709333"/>
-            </a:xfrm>
-          </p:grpSpPr>
-          <p:sp>
-            <p:nvSpPr>
-              <p:cNvPr id="7" name="Freeform 7"/>
-              <p:cNvSpPr/>
-              <p:nvPr/>
-            </p:nvSpPr>
-            <p:spPr>
-              <a:xfrm>
-                <a:off x="0" y="0"/>
-                <a:ext cx="558233" cy="2709333"/>
-              </a:xfrm>
-              <a:custGeom>
-                <a:avLst/>
-                <a:gdLst/>
-                <a:ahLst/>
-                <a:cxnLst/>
-                <a:rect l="l" t="t" r="r" b="b"/>
-                <a:pathLst>
-                  <a:path w="558233" h="2709333">
-                    <a:moveTo>
-                      <a:pt x="0" y="0"/>
-                    </a:moveTo>
-                    <a:lnTo>
-                      <a:pt x="558233" y="0"/>
-                    </a:lnTo>
-                    <a:lnTo>
-                      <a:pt x="558233" y="2709333"/>
-                    </a:lnTo>
-                    <a:lnTo>
-                      <a:pt x="0" y="2709333"/>
-                    </a:lnTo>
-                    <a:close/>
-                  </a:path>
-                </a:pathLst>
-              </a:custGeom>
-              <a:solidFill>
-                <a:srgbClr val="9FC3D0"/>
-              </a:solidFill>
-            </p:spPr>
-          </p:sp>
-          <p:sp>
-            <p:nvSpPr>
-              <p:cNvPr id="8" name="TextBox 8"/>
-              <p:cNvSpPr txBox="1"/>
-              <p:nvPr/>
-            </p:nvSpPr>
-            <p:spPr>
-              <a:xfrm>
-                <a:off x="0" y="-47625"/>
-                <a:ext cx="558233" cy="2756958"/>
-              </a:xfrm>
-              <a:prstGeom prst="rect">
-                <a:avLst/>
-              </a:prstGeom>
-            </p:spPr>
-            <p:txBody>
-              <a:bodyPr lIns="33867" tIns="33867" rIns="33867" bIns="33867" rtlCol="0" anchor="ctr"/>
-              <a:lstStyle/>
-              <a:p>
-                <a:pPr algn="ctr">
-                  <a:lnSpc>
-                    <a:spcPts val="1773"/>
-                  </a:lnSpc>
-                </a:pPr>
-                <a:endParaRPr sz="1200"/>
-              </a:p>
-            </p:txBody>
-          </p:sp>
-        </p:grpSp>
-        <p:grpSp>
-          <p:nvGrpSpPr>
-            <p:cNvPr id="9" name="Group 9"/>
-            <p:cNvGrpSpPr/>
-            <p:nvPr/>
-          </p:nvGrpSpPr>
-          <p:grpSpPr>
-            <a:xfrm>
-              <a:off x="0" y="0"/>
-              <a:ext cx="2826056" cy="13716000"/>
-              <a:chOff x="0" y="0"/>
-              <a:chExt cx="558233" cy="2709333"/>
-            </a:xfrm>
-          </p:grpSpPr>
-          <p:sp>
-            <p:nvSpPr>
-              <p:cNvPr id="10" name="Freeform 10"/>
-              <p:cNvSpPr/>
-              <p:nvPr/>
-            </p:nvSpPr>
-            <p:spPr>
-              <a:xfrm>
-                <a:off x="0" y="0"/>
-                <a:ext cx="558233" cy="2709333"/>
-              </a:xfrm>
-              <a:custGeom>
-                <a:avLst/>
-                <a:gdLst/>
-                <a:ahLst/>
-                <a:cxnLst/>
-                <a:rect l="l" t="t" r="r" b="b"/>
-                <a:pathLst>
-                  <a:path w="558233" h="2709333">
-                    <a:moveTo>
-                      <a:pt x="0" y="0"/>
-                    </a:moveTo>
-                    <a:lnTo>
-                      <a:pt x="558233" y="0"/>
-                    </a:lnTo>
-                    <a:lnTo>
-                      <a:pt x="558233" y="2709333"/>
-                    </a:lnTo>
-                    <a:lnTo>
-                      <a:pt x="0" y="2709333"/>
-                    </a:lnTo>
-                    <a:close/>
-                  </a:path>
-                </a:pathLst>
-              </a:custGeom>
-              <a:solidFill>
-                <a:srgbClr val="E9C7C6"/>
-              </a:solidFill>
-            </p:spPr>
-          </p:sp>
-          <p:sp>
-            <p:nvSpPr>
-              <p:cNvPr id="11" name="TextBox 11"/>
-              <p:cNvSpPr txBox="1"/>
-              <p:nvPr/>
-            </p:nvSpPr>
-            <p:spPr>
-              <a:xfrm>
-                <a:off x="0" y="-47625"/>
-                <a:ext cx="558233" cy="2756958"/>
-              </a:xfrm>
-              <a:prstGeom prst="rect">
-                <a:avLst/>
-              </a:prstGeom>
-            </p:spPr>
-            <p:txBody>
-              <a:bodyPr lIns="33867" tIns="33867" rIns="33867" bIns="33867" rtlCol="0" anchor="ctr"/>
-              <a:lstStyle/>
-              <a:p>
-                <a:pPr algn="ctr">
-                  <a:lnSpc>
-                    <a:spcPts val="1773"/>
-                  </a:lnSpc>
-                </a:pPr>
-                <a:endParaRPr sz="1200"/>
-              </a:p>
-            </p:txBody>
-          </p:sp>
-        </p:grpSp>
-      </p:grpSp>
-      <p:sp>
-        <p:nvSpPr>
-          <p:cNvPr id="13" name="Freeform 13"/>
-          <p:cNvSpPr/>
-          <p:nvPr/>
-        </p:nvSpPr>
-        <p:spPr>
-          <a:xfrm>
-            <a:off x="8431265" y="-140128"/>
-            <a:ext cx="4876800" cy="1651855"/>
-          </a:xfrm>
-          <a:custGeom>
-            <a:avLst/>
-            <a:gdLst/>
-            <a:ahLst/>
-            <a:cxnLst/>
-            <a:rect l="l" t="t" r="r" b="b"/>
-            <a:pathLst>
-              <a:path w="7315200" h="2477783">
-                <a:moveTo>
-                  <a:pt x="0" y="0"/>
-                </a:moveTo>
-                <a:lnTo>
-                  <a:pt x="7315200" y="0"/>
-                </a:lnTo>
-                <a:lnTo>
-                  <a:pt x="7315200" y="2477784"/>
-                </a:lnTo>
-                <a:lnTo>
-                  <a:pt x="0" y="2477784"/>
-                </a:lnTo>
-                <a:lnTo>
-                  <a:pt x="0" y="0"/>
-                </a:lnTo>
-                <a:close/>
-              </a:path>
-            </a:pathLst>
-          </a:custGeom>
-          <a:blipFill>
-            <a:blip r:embed="rId2">
-              <a:extLst>
-                <a:ext uri="{96DAC541-7B7A-43D3-8B79-37D633B846F1}">
-                  <asvg:svgBlip xmlns:asvg="http://schemas.microsoft.com/office/drawing/2016/SVG/main" r:embed="rId3"/>
-                </a:ext>
-              </a:extLst>
-            </a:blip>
-            <a:stretch>
-              <a:fillRect/>
-            </a:stretch>
-          </a:blipFill>
-        </p:spPr>
-      </p:sp>
-      <p:sp>
-        <p:nvSpPr>
-          <p:cNvPr id="16" name="Freeform 16"/>
-          <p:cNvSpPr/>
-          <p:nvPr/>
-        </p:nvSpPr>
-        <p:spPr>
-          <a:xfrm>
-            <a:off x="7620000" y="5531508"/>
-            <a:ext cx="4876800" cy="1651855"/>
-          </a:xfrm>
-          <a:custGeom>
-            <a:avLst/>
-            <a:gdLst/>
-            <a:ahLst/>
-            <a:cxnLst/>
-            <a:rect l="l" t="t" r="r" b="b"/>
-            <a:pathLst>
-              <a:path w="7315200" h="2477783">
-                <a:moveTo>
-                  <a:pt x="0" y="0"/>
-                </a:moveTo>
-                <a:lnTo>
-                  <a:pt x="7315200" y="0"/>
-                </a:lnTo>
-                <a:lnTo>
-                  <a:pt x="7315200" y="2477783"/>
-                </a:lnTo>
-                <a:lnTo>
-                  <a:pt x="0" y="2477783"/>
-                </a:lnTo>
-                <a:lnTo>
-                  <a:pt x="0" y="0"/>
-                </a:lnTo>
-                <a:close/>
-              </a:path>
-            </a:pathLst>
-          </a:custGeom>
-          <a:blipFill>
-            <a:blip r:embed="rId2">
-              <a:extLst>
-                <a:ext uri="{96DAC541-7B7A-43D3-8B79-37D633B846F1}">
-                  <asvg:svgBlip xmlns:asvg="http://schemas.microsoft.com/office/drawing/2016/SVG/main" r:embed="rId3"/>
-                </a:ext>
-              </a:extLst>
-            </a:blip>
-            <a:stretch>
-              <a:fillRect/>
-            </a:stretch>
-          </a:blipFill>
-        </p:spPr>
-      </p:sp>
       <p:sp>
         <p:nvSpPr>
           <p:cNvPr id="17" name="Freeform 7">
@@ -3729,7 +3151,7 @@
         </p:nvSpPr>
         <p:spPr>
           <a:xfrm>
-            <a:off x="684329" y="321689"/>
+            <a:off x="733595" y="363021"/>
             <a:ext cx="955114" cy="968198"/>
           </a:xfrm>
           <a:custGeom>
@@ -3760,12 +3182,19 @@
             </a:pathLst>
           </a:custGeom>
           <a:blipFill>
-            <a:blip r:embed="rId4"/>
+            <a:blip r:embed="rId2"/>
             <a:stretch>
               <a:fillRect/>
             </a:stretch>
           </a:blipFill>
         </p:spPr>
+        <p:txBody>
+          <a:bodyPr/>
+          <a:lstStyle/>
+          <a:p>
+            <a:endParaRPr lang="en-IN"/>
+          </a:p>
+        </p:txBody>
       </p:sp>
       <p:sp>
         <p:nvSpPr>
@@ -3781,7 +3210,7 @@
         </p:nvSpPr>
         <p:spPr>
           <a:xfrm>
-            <a:off x="572074" y="1511728"/>
+            <a:off x="674767" y="1511727"/>
             <a:ext cx="1110241" cy="1184257"/>
           </a:xfrm>
           <a:custGeom>
@@ -3812,12 +3241,19 @@
             </a:pathLst>
           </a:custGeom>
           <a:blipFill>
-            <a:blip r:embed="rId5"/>
+            <a:blip r:embed="rId3"/>
             <a:stretch>
               <a:fillRect/>
             </a:stretch>
           </a:blipFill>
         </p:spPr>
+        <p:txBody>
+          <a:bodyPr/>
+          <a:lstStyle/>
+          <a:p>
+            <a:endParaRPr lang="en-IN"/>
+          </a:p>
+        </p:txBody>
       </p:sp>
       <p:sp>
         <p:nvSpPr>
@@ -3864,12 +3300,19 @@
             </a:pathLst>
           </a:custGeom>
           <a:blipFill>
-            <a:blip r:embed="rId6"/>
+            <a:blip r:embed="rId4"/>
             <a:stretch>
               <a:fillRect/>
             </a:stretch>
           </a:blipFill>
         </p:spPr>
+        <p:txBody>
+          <a:bodyPr/>
+          <a:lstStyle/>
+          <a:p>
+            <a:endParaRPr lang="en-IN"/>
+          </a:p>
+        </p:txBody>
       </p:sp>
       <p:sp>
         <p:nvSpPr>
@@ -3885,7 +3328,7 @@
         </p:nvSpPr>
         <p:spPr>
           <a:xfrm>
-            <a:off x="10437845" y="1511727"/>
+            <a:off x="10280839" y="1499093"/>
             <a:ext cx="1037693" cy="995907"/>
           </a:xfrm>
           <a:custGeom>
@@ -3916,12 +3359,19 @@
             </a:pathLst>
           </a:custGeom>
           <a:blipFill>
-            <a:blip r:embed="rId7"/>
+            <a:blip r:embed="rId5"/>
             <a:stretch>
               <a:fillRect/>
             </a:stretch>
           </a:blipFill>
         </p:spPr>
+        <p:txBody>
+          <a:bodyPr/>
+          <a:lstStyle/>
+          <a:p>
+            <a:endParaRPr lang="en-IN" dirty="0"/>
+          </a:p>
+        </p:txBody>
       </p:sp>
       <p:sp>
         <p:nvSpPr>
@@ -3937,7 +3387,7 @@
         </p:nvSpPr>
         <p:spPr>
           <a:xfrm>
-            <a:off x="6014674" y="2207329"/>
+            <a:off x="5582539" y="2169731"/>
             <a:ext cx="900769" cy="865739"/>
           </a:xfrm>
           <a:custGeom>
@@ -3968,7 +3418,7 @@
             </a:pathLst>
           </a:custGeom>
           <a:blipFill>
-            <a:blip r:embed="rId8"/>
+            <a:blip r:embed="rId6"/>
             <a:stretch>
               <a:fillRect/>
             </a:stretch>
@@ -3996,8 +3446,8 @@
         </p:nvSpPr>
         <p:spPr>
           <a:xfrm>
-            <a:off x="2419349" y="3857035"/>
-            <a:ext cx="8240525" cy="2077492"/>
+            <a:off x="2115466" y="3782360"/>
+            <a:ext cx="8240525" cy="1630703"/>
           </a:xfrm>
           <a:prstGeom prst="rect">
             <a:avLst/>
@@ -4046,12 +3496,6 @@
               </a:rPr>
               <a:t>CARRIED OUT AT</a:t>
             </a:r>
-            <a:endParaRPr lang="en-US" sz="2800" dirty="0">
-              <a:latin typeface="Times New Roman" panose="02020603050405020304" pitchFamily="18" charset="0"/>
-              <a:ea typeface="IBM Plex Sans"/>
-              <a:cs typeface="Times New Roman" panose="02020603050405020304" pitchFamily="18" charset="0"/>
-              <a:sym typeface="IBM Plex Sans"/>
-            </a:endParaRPr>
           </a:p>
           <a:p>
             <a:pPr algn="ctr">
@@ -4061,13 +3505,6 @@
             </a:pPr>
             <a:r>
               <a:rPr lang="en-US" sz="2800" b="1" dirty="0">
-                <a:effectLst>
-                  <a:outerShdw blurRad="38100" dist="38100" dir="2700000" algn="tl">
-                    <a:srgbClr val="000000">
-                      <a:alpha val="43137"/>
-                    </a:srgbClr>
-                  </a:outerShdw>
-                </a:effectLst>
                 <a:latin typeface="Times New Roman" panose="02020603050405020304" pitchFamily="18" charset="0"/>
                 <a:ea typeface="IBM Plex Sans"/>
                 <a:cs typeface="Times New Roman" panose="02020603050405020304" pitchFamily="18" charset="0"/>
@@ -4075,24 +3512,6 @@
               </a:rPr>
               <a:t>Cognizant Technology Solutions</a:t>
             </a:r>
-          </a:p>
-          <a:p>
-            <a:pPr algn="ctr"/>
-            <a:r>
-              <a:rPr lang="en-US" sz="2400" dirty="0">
-                <a:latin typeface="Times New Roman" panose="02020603050405020304" pitchFamily="18" charset="0"/>
-                <a:ea typeface="IBM Plex Sans"/>
-                <a:cs typeface="Times New Roman" panose="02020603050405020304" pitchFamily="18" charset="0"/>
-                <a:sym typeface="IBM Plex Sans"/>
-              </a:rPr>
-              <a:t>Presented by : Harshitha Atrey [1JB21CS057]</a:t>
-            </a:r>
-            <a:endParaRPr lang="en-US" sz="2800" dirty="0">
-              <a:latin typeface="Times New Roman" panose="02020603050405020304" pitchFamily="18" charset="0"/>
-              <a:ea typeface="IBM Plex Sans"/>
-              <a:cs typeface="Times New Roman" panose="02020603050405020304" pitchFamily="18" charset="0"/>
-              <a:sym typeface="IBM Plex Sans"/>
-            </a:endParaRPr>
           </a:p>
         </p:txBody>
       </p:sp>
@@ -4110,7 +3529,7 @@
         </p:nvSpPr>
         <p:spPr>
           <a:xfrm>
-            <a:off x="1846280" y="86914"/>
+            <a:off x="1882199" y="73931"/>
             <a:ext cx="8427601" cy="1518877"/>
           </a:xfrm>
           <a:prstGeom prst="rect">
@@ -4287,7 +3706,7 @@
                 <a:cs typeface="Times New Roman" panose="02020603050405020304" pitchFamily="18" charset="0"/>
                 <a:sym typeface="IBM Plex Sans"/>
               </a:rPr>
-              <a:t>          No. 67, BGS Health &amp; Education City, Dr. Vishnuvardhan Road  </a:t>
+              <a:t>          No. 67, BGS Health &amp; Education City, Dr. Vishnuvardhan Road </a:t>
             </a:r>
             <a:r>
               <a:rPr lang="en-US" sz="1467" dirty="0" err="1">
@@ -4324,7 +3743,7 @@
         </p:nvSpPr>
         <p:spPr>
           <a:xfrm>
-            <a:off x="3398131" y="1710736"/>
+            <a:off x="3099008" y="1689253"/>
             <a:ext cx="6133856" cy="346249"/>
           </a:xfrm>
           <a:prstGeom prst="rect">
@@ -4371,7 +3790,7 @@
         </p:nvSpPr>
         <p:spPr>
           <a:xfrm>
-            <a:off x="2462722" y="3169700"/>
+            <a:off x="2066993" y="3149531"/>
             <a:ext cx="8058011" cy="692497"/>
           </a:xfrm>
           <a:prstGeom prst="rect">
@@ -4431,8 +3850,8 @@
         </p:nvSpPr>
         <p:spPr>
           <a:xfrm>
-            <a:off x="3084938" y="6084948"/>
-            <a:ext cx="6760238" cy="461665"/>
+            <a:off x="157413" y="5872561"/>
+            <a:ext cx="3062591" cy="830997"/>
           </a:xfrm>
           <a:prstGeom prst="rect">
             <a:avLst/>
@@ -4451,26 +3870,65 @@
                 <a:latin typeface="Times New Roman" panose="02020603050405020304" pitchFamily="18" charset="0"/>
                 <a:cs typeface="Times New Roman" panose="02020603050405020304" pitchFamily="18" charset="0"/>
               </a:rPr>
-              <a:t>Under The guidance of: Dr. </a:t>
-            </a:r>
-            <a:r>
-              <a:rPr lang="en-US" sz="2400" dirty="0" err="1">
-                <a:latin typeface="Times New Roman" panose="02020603050405020304" pitchFamily="18" charset="0"/>
-                <a:cs typeface="Times New Roman" panose="02020603050405020304" pitchFamily="18" charset="0"/>
-              </a:rPr>
-              <a:t>Shantha</a:t>
-            </a:r>
-            <a:r>
-              <a:rPr lang="en-US" sz="2400" dirty="0">
-                <a:latin typeface="Times New Roman" panose="02020603050405020304" pitchFamily="18" charset="0"/>
-                <a:cs typeface="Times New Roman" panose="02020603050405020304" pitchFamily="18" charset="0"/>
-              </a:rPr>
-              <a:t> Kumar H C </a:t>
+              <a:t>Under The guidance of  Mrs. Shubha T V</a:t>
             </a:r>
             <a:endParaRPr lang="en-IN" sz="2400" dirty="0">
               <a:latin typeface="Times New Roman" panose="02020603050405020304" pitchFamily="18" charset="0"/>
               <a:cs typeface="Times New Roman" panose="02020603050405020304" pitchFamily="18" charset="0"/>
             </a:endParaRPr>
+          </a:p>
+        </p:txBody>
+      </p:sp>
+      <p:sp>
+        <p:nvSpPr>
+          <p:cNvPr id="15" name="TextBox 14">
+            <a:extLst>
+              <a:ext uri="{FF2B5EF4-FFF2-40B4-BE49-F238E27FC236}">
+                <a16:creationId xmlns:a16="http://schemas.microsoft.com/office/drawing/2014/main" id="{E5248B1A-BED9-51B0-4913-A8C9417B6FE3}"/>
+              </a:ext>
+            </a:extLst>
+          </p:cNvPr>
+          <p:cNvSpPr txBox="1"/>
+          <p:nvPr/>
+        </p:nvSpPr>
+        <p:spPr>
+          <a:xfrm>
+            <a:off x="8091402" y="5867725"/>
+            <a:ext cx="4364958" cy="769441"/>
+          </a:xfrm>
+          <a:prstGeom prst="rect">
+            <a:avLst/>
+          </a:prstGeom>
+          <a:noFill/>
+        </p:spPr>
+        <p:txBody>
+          <a:bodyPr wrap="square">
+            <a:spAutoFit/>
+          </a:bodyPr>
+          <a:lstStyle/>
+          <a:p>
+            <a:pPr algn="ctr"/>
+            <a:r>
+              <a:rPr lang="en-US" sz="2200" dirty="0">
+                <a:latin typeface="Times New Roman" panose="02020603050405020304" pitchFamily="18" charset="0"/>
+                <a:ea typeface="IBM Plex Sans"/>
+                <a:cs typeface="Times New Roman" panose="02020603050405020304" pitchFamily="18" charset="0"/>
+                <a:sym typeface="IBM Plex Sans"/>
+              </a:rPr>
+              <a:t>Presented by</a:t>
+            </a:r>
+          </a:p>
+          <a:p>
+            <a:pPr algn="ctr"/>
+            <a:r>
+              <a:rPr lang="en-US" sz="2200" dirty="0">
+                <a:latin typeface="Times New Roman" panose="02020603050405020304" pitchFamily="18" charset="0"/>
+                <a:ea typeface="IBM Plex Sans"/>
+                <a:cs typeface="Times New Roman" panose="02020603050405020304" pitchFamily="18" charset="0"/>
+                <a:sym typeface="IBM Plex Sans"/>
+              </a:rPr>
+              <a:t>  A S Harini [1JB21CS004]</a:t>
+            </a:r>
           </a:p>
         </p:txBody>
       </p:sp>
@@ -4479,6 +3937,18 @@
   <p:clrMapOvr>
     <a:masterClrMapping/>
   </p:clrMapOvr>
+  <mc:AlternateContent xmlns:mc="http://schemas.openxmlformats.org/markup-compatibility/2006">
+    <mc:Choice xmlns:p14="http://schemas.microsoft.com/office/powerpoint/2010/main" Requires="p14">
+      <p:transition spd="slow">
+        <p14:pan dir="u"/>
+      </p:transition>
+    </mc:Choice>
+    <mc:Fallback>
+      <p:transition spd="slow">
+        <p:fade/>
+      </p:transition>
+    </mc:Fallback>
+  </mc:AlternateContent>
 </p:sld>
 </file>
 
@@ -4515,7 +3985,12 @@
             <p:ph type="title"/>
           </p:nvPr>
         </p:nvSpPr>
-        <p:spPr/>
+        <p:spPr>
+          <a:xfrm>
+            <a:off x="838199" y="153459"/>
+            <a:ext cx="10515600" cy="1325563"/>
+          </a:xfrm>
+        </p:spPr>
         <p:txBody>
           <a:bodyPr/>
           <a:lstStyle/>
@@ -4548,69 +4023,193 @@
         </p:nvSpPr>
         <p:spPr>
           <a:xfrm>
-            <a:off x="838200" y="1532965"/>
-            <a:ext cx="10515600" cy="4959910"/>
+            <a:off x="838199" y="1397480"/>
+            <a:ext cx="11014495" cy="5095396"/>
           </a:xfrm>
         </p:spPr>
         <p:txBody>
           <a:bodyPr>
-            <a:normAutofit fontScale="85000" lnSpcReduction="20000"/>
+            <a:normAutofit fontScale="40000" lnSpcReduction="20000"/>
           </a:bodyPr>
           <a:lstStyle/>
           <a:p>
             <a:pPr>
               <a:lnSpc>
-                <a:spcPct val="150000"/>
+                <a:spcPct val="170000"/>
               </a:lnSpc>
+              <a:spcBef>
+                <a:spcPts val="450"/>
+              </a:spcBef>
+              <a:spcAft>
+                <a:spcPts val="750"/>
+              </a:spcAft>
             </a:pPr>
             <a:r>
-              <a:rPr lang="en-US" dirty="0">
-                <a:latin typeface="Times New Roman" panose="02020603050405020304" pitchFamily="18" charset="0"/>
-                <a:cs typeface="Times New Roman" panose="02020603050405020304" pitchFamily="18" charset="0"/>
-              </a:rPr>
-              <a:t>The major features of OCIDI are- No code data flow, data immersive experience, Automated schema drift protection, Hybrid data execution, Optimized for Oracle and Pay as you go model</a:t>
+              <a:rPr lang="en-US" sz="4500" b="1" i="0" dirty="0">
+                <a:solidFill>
+                  <a:srgbClr val="424242"/>
+                </a:solidFill>
+                <a:effectLst/>
+                <a:latin typeface="Times New Roman" panose="02020603050405020304" pitchFamily="18" charset="0"/>
+                <a:cs typeface="Times New Roman" panose="02020603050405020304" pitchFamily="18" charset="0"/>
+              </a:rPr>
+              <a:t>OCIDI Features:</a:t>
+            </a:r>
+            <a:br>
+              <a:rPr lang="en-US" sz="4500" b="0" i="0" dirty="0">
+                <a:solidFill>
+                  <a:srgbClr val="424242"/>
+                </a:solidFill>
+                <a:effectLst/>
+                <a:latin typeface="Times New Roman" panose="02020603050405020304" pitchFamily="18" charset="0"/>
+                <a:cs typeface="Times New Roman" panose="02020603050405020304" pitchFamily="18" charset="0"/>
+              </a:rPr>
+            </a:br>
+            <a:r>
+              <a:rPr lang="en-US" sz="4500" b="0" i="0" dirty="0">
+                <a:solidFill>
+                  <a:srgbClr val="424242"/>
+                </a:solidFill>
+                <a:effectLst/>
+                <a:latin typeface="Times New Roman" panose="02020603050405020304" pitchFamily="18" charset="0"/>
+                <a:cs typeface="Times New Roman" panose="02020603050405020304" pitchFamily="18" charset="0"/>
+              </a:rPr>
+              <a:t>The key features of OCIDI include no-code data flow, immersive data experience, automated schema drift protection, hybrid data execution, optimization for Oracle, and a pay-as-you-go model.</a:t>
             </a:r>
           </a:p>
           <a:p>
             <a:pPr>
               <a:lnSpc>
-                <a:spcPct val="150000"/>
+                <a:spcPct val="170000"/>
               </a:lnSpc>
+              <a:spcBef>
+                <a:spcPts val="450"/>
+              </a:spcBef>
+              <a:spcAft>
+                <a:spcPts val="750"/>
+              </a:spcAft>
             </a:pPr>
             <a:r>
-              <a:rPr lang="en-US" dirty="0">
-                <a:latin typeface="Times New Roman" panose="02020603050405020304" pitchFamily="18" charset="0"/>
-                <a:cs typeface="Times New Roman" panose="02020603050405020304" pitchFamily="18" charset="0"/>
-              </a:rPr>
-              <a:t>Its major use cases are- Data Integration for big data, data lakes, fast ingestion of data and ingestion of data from multiple sources.</a:t>
+              <a:rPr lang="en-US" sz="4500" b="1" i="0" dirty="0">
+                <a:solidFill>
+                  <a:srgbClr val="424242"/>
+                </a:solidFill>
+                <a:effectLst/>
+                <a:latin typeface="Times New Roman" panose="02020603050405020304" pitchFamily="18" charset="0"/>
+                <a:cs typeface="Times New Roman" panose="02020603050405020304" pitchFamily="18" charset="0"/>
+              </a:rPr>
+              <a:t>Use Cases:</a:t>
+            </a:r>
+            <a:br>
+              <a:rPr lang="en-US" sz="4500" b="0" i="0" dirty="0">
+                <a:solidFill>
+                  <a:srgbClr val="424242"/>
+                </a:solidFill>
+                <a:effectLst/>
+                <a:latin typeface="Times New Roman" panose="02020603050405020304" pitchFamily="18" charset="0"/>
+                <a:cs typeface="Times New Roman" panose="02020603050405020304" pitchFamily="18" charset="0"/>
+              </a:rPr>
+            </a:br>
+            <a:r>
+              <a:rPr lang="en-US" sz="4500" b="0" i="0" dirty="0">
+                <a:solidFill>
+                  <a:srgbClr val="424242"/>
+                </a:solidFill>
+                <a:effectLst/>
+                <a:latin typeface="Times New Roman" panose="02020603050405020304" pitchFamily="18" charset="0"/>
+                <a:cs typeface="Times New Roman" panose="02020603050405020304" pitchFamily="18" charset="0"/>
+              </a:rPr>
+              <a:t>OCIDI is primarily used for data integration in big data environments, data lakes, rapid data ingestion, and ingestion from multiple sources.</a:t>
             </a:r>
           </a:p>
           <a:p>
             <a:pPr>
               <a:lnSpc>
-                <a:spcPct val="150000"/>
+                <a:spcPct val="170000"/>
               </a:lnSpc>
+              <a:spcBef>
+                <a:spcPts val="450"/>
+              </a:spcBef>
+              <a:spcAft>
+                <a:spcPts val="750"/>
+              </a:spcAft>
             </a:pPr>
             <a:r>
-              <a:rPr lang="en-US" dirty="0">
-                <a:latin typeface="Times New Roman" panose="02020603050405020304" pitchFamily="18" charset="0"/>
-                <a:cs typeface="Times New Roman" panose="02020603050405020304" pitchFamily="18" charset="0"/>
-              </a:rPr>
-              <a:t>It majorly includes tasks, pipelines and dataflows</a:t>
-            </a:r>
-          </a:p>
-          <a:p>
-            <a:pPr>
+              <a:rPr lang="en-US" sz="4500" b="1" i="0" dirty="0">
+                <a:solidFill>
+                  <a:srgbClr val="424242"/>
+                </a:solidFill>
+                <a:effectLst/>
+                <a:latin typeface="Times New Roman" panose="02020603050405020304" pitchFamily="18" charset="0"/>
+                <a:cs typeface="Times New Roman" panose="02020603050405020304" pitchFamily="18" charset="0"/>
+              </a:rPr>
+              <a:t>Components:</a:t>
+            </a:r>
+            <a:br>
+              <a:rPr lang="en-US" sz="4500" b="0" i="0" dirty="0">
+                <a:solidFill>
+                  <a:srgbClr val="424242"/>
+                </a:solidFill>
+                <a:effectLst/>
+                <a:latin typeface="Times New Roman" panose="02020603050405020304" pitchFamily="18" charset="0"/>
+                <a:cs typeface="Times New Roman" panose="02020603050405020304" pitchFamily="18" charset="0"/>
+              </a:rPr>
+            </a:br>
+            <a:r>
+              <a:rPr lang="en-US" sz="4500" b="0" i="0" dirty="0">
+                <a:solidFill>
+                  <a:srgbClr val="424242"/>
+                </a:solidFill>
+                <a:effectLst/>
+                <a:latin typeface="Times New Roman" panose="02020603050405020304" pitchFamily="18" charset="0"/>
+                <a:cs typeface="Times New Roman" panose="02020603050405020304" pitchFamily="18" charset="0"/>
+              </a:rPr>
+              <a:t>OCIDI mainly comprises tasks, pipelines, and dataflows.</a:t>
+            </a:r>
+          </a:p>
+          <a:p>
+            <a:pPr algn="l">
               <a:lnSpc>
-                <a:spcPct val="150000"/>
+                <a:spcPct val="170000"/>
               </a:lnSpc>
+              <a:spcBef>
+                <a:spcPts val="450"/>
+              </a:spcBef>
+              <a:spcAft>
+                <a:spcPts val="750"/>
+              </a:spcAft>
             </a:pPr>
             <a:r>
-              <a:rPr lang="en-US" dirty="0">
-                <a:latin typeface="Times New Roman" panose="02020603050405020304" pitchFamily="18" charset="0"/>
-                <a:cs typeface="Times New Roman" panose="02020603050405020304" pitchFamily="18" charset="0"/>
-              </a:rPr>
-              <a:t>There are different types of tasks which can be created based on the requirement like data loader task, integration task, pipeline task, REST task, SQL task and OCI dataflow task.</a:t>
+              <a:rPr lang="en-US" sz="4500" b="1" i="0" dirty="0">
+                <a:solidFill>
+                  <a:srgbClr val="424242"/>
+                </a:solidFill>
+                <a:effectLst/>
+                <a:latin typeface="Times New Roman" panose="02020603050405020304" pitchFamily="18" charset="0"/>
+                <a:cs typeface="Times New Roman" panose="02020603050405020304" pitchFamily="18" charset="0"/>
+              </a:rPr>
+              <a:t>Task Types:</a:t>
+            </a:r>
+            <a:br>
+              <a:rPr lang="en-US" sz="4500" b="0" i="0" dirty="0">
+                <a:solidFill>
+                  <a:srgbClr val="424242"/>
+                </a:solidFill>
+                <a:effectLst/>
+                <a:latin typeface="Times New Roman" panose="02020603050405020304" pitchFamily="18" charset="0"/>
+                <a:cs typeface="Times New Roman" panose="02020603050405020304" pitchFamily="18" charset="0"/>
+              </a:rPr>
+            </a:br>
+            <a:r>
+              <a:rPr lang="en-US" sz="4500" b="0" i="0" dirty="0">
+                <a:solidFill>
+                  <a:srgbClr val="424242"/>
+                </a:solidFill>
+                <a:effectLst/>
+                <a:latin typeface="Times New Roman" panose="02020603050405020304" pitchFamily="18" charset="0"/>
+                <a:cs typeface="Times New Roman" panose="02020603050405020304" pitchFamily="18" charset="0"/>
+              </a:rPr>
+              <a:t>Various types of tasks can be created based on requirements, such as data loader tasks, integration tasks, pipeline tasks, REST tasks, SQL tasks, and OCI dataflow tasks.</a:t>
             </a:r>
           </a:p>
         </p:txBody>
@@ -4625,6 +4224,18 @@
   <p:clrMapOvr>
     <a:masterClrMapping/>
   </p:clrMapOvr>
+  <mc:AlternateContent xmlns:mc="http://schemas.openxmlformats.org/markup-compatibility/2006">
+    <mc:Choice xmlns:p14="http://schemas.microsoft.com/office/powerpoint/2010/main" Requires="p14">
+      <p:transition spd="slow">
+        <p14:pan dir="u"/>
+      </p:transition>
+    </mc:Choice>
+    <mc:Fallback>
+      <p:transition spd="slow">
+        <p:fade/>
+      </p:transition>
+    </mc:Fallback>
+  </mc:AlternateContent>
 </p:sld>
 </file>
 
@@ -4674,8 +4285,8 @@
         </p:blipFill>
         <p:spPr bwMode="auto">
           <a:xfrm>
-            <a:off x="647981" y="1839445"/>
-            <a:ext cx="11191875" cy="4362450"/>
+            <a:off x="1321779" y="1753180"/>
+            <a:ext cx="9548441" cy="4362450"/>
           </a:xfrm>
           <a:prstGeom prst="rect">
             <a:avLst/>
@@ -4733,6 +4344,18 @@
   <p:clrMapOvr>
     <a:masterClrMapping/>
   </p:clrMapOvr>
+  <mc:AlternateContent xmlns:mc="http://schemas.openxmlformats.org/markup-compatibility/2006">
+    <mc:Choice xmlns:p14="http://schemas.microsoft.com/office/powerpoint/2010/main" Requires="p14">
+      <p:transition spd="slow">
+        <p14:pan dir="u"/>
+      </p:transition>
+    </mc:Choice>
+    <mc:Fallback>
+      <p:transition spd="slow">
+        <p:fade/>
+      </p:transition>
+    </mc:Fallback>
+  </mc:AlternateContent>
 </p:sld>
 </file>
 
@@ -4782,8 +4405,8 @@
         </p:blipFill>
         <p:spPr bwMode="auto">
           <a:xfrm>
-            <a:off x="1638504" y="2273814"/>
-            <a:ext cx="9364552" cy="3090302"/>
+            <a:off x="1276195" y="1713097"/>
+            <a:ext cx="9364552" cy="4170118"/>
           </a:xfrm>
           <a:prstGeom prst="rect">
             <a:avLst/>
@@ -4846,6 +4469,18 @@
   <p:clrMapOvr>
     <a:masterClrMapping/>
   </p:clrMapOvr>
+  <mc:AlternateContent xmlns:mc="http://schemas.openxmlformats.org/markup-compatibility/2006">
+    <mc:Choice xmlns:p14="http://schemas.microsoft.com/office/powerpoint/2010/main" Requires="p14">
+      <p:transition spd="slow">
+        <p14:pan dir="u"/>
+      </p:transition>
+    </mc:Choice>
+    <mc:Fallback>
+      <p:transition spd="slow">
+        <p:fade/>
+      </p:transition>
+    </mc:Fallback>
+  </mc:AlternateContent>
 </p:sld>
 </file>
 
@@ -4915,117 +4550,57 @@
         </p:nvSpPr>
         <p:spPr>
           <a:xfrm>
-            <a:off x="717176" y="1480594"/>
-            <a:ext cx="10636623" cy="4726437"/>
+            <a:off x="717176" y="1480595"/>
+            <a:ext cx="10636623" cy="4632338"/>
           </a:xfrm>
         </p:spPr>
         <p:txBody>
           <a:bodyPr>
-            <a:normAutofit lnSpcReduction="10000"/>
+            <a:normAutofit/>
           </a:bodyPr>
           <a:lstStyle/>
           <a:p>
-            <a:pPr>
+            <a:pPr algn="just">
               <a:lnSpc>
                 <a:spcPct val="150000"/>
               </a:lnSpc>
             </a:pPr>
             <a:r>
-              <a:rPr lang="en-US" dirty="0">
-                <a:latin typeface="Times New Roman" panose="02020603050405020304" pitchFamily="18" charset="0"/>
-                <a:cs typeface="Times New Roman" panose="02020603050405020304" pitchFamily="18" charset="0"/>
-              </a:rPr>
-              <a:t>We are currently in the final phase and are learning about APEX.</a:t>
-            </a:r>
-          </a:p>
-          <a:p>
-            <a:pPr>
+              <a:rPr lang="en-US" b="0" i="0" dirty="0">
+                <a:solidFill>
+                  <a:srgbClr val="424242"/>
+                </a:solidFill>
+                <a:effectLst/>
+                <a:latin typeface="Times New Roman" panose="02020603050405020304" pitchFamily="18" charset="0"/>
+                <a:cs typeface="Times New Roman" panose="02020603050405020304" pitchFamily="18" charset="0"/>
+              </a:rPr>
+              <a:t>We are currently in the final phase of our internship, focusing on APEX. APEX, or Application Express, is a low-code development platform provided by Oracle that enables the creation of secure and scalable web applications. </a:t>
+            </a:r>
+          </a:p>
+          <a:p>
+            <a:pPr algn="just">
               <a:lnSpc>
                 <a:spcPct val="150000"/>
               </a:lnSpc>
             </a:pPr>
             <a:r>
-              <a:rPr lang="en-US" dirty="0">
-                <a:latin typeface="Times New Roman" panose="02020603050405020304" pitchFamily="18" charset="0"/>
-                <a:cs typeface="Times New Roman" panose="02020603050405020304" pitchFamily="18" charset="0"/>
-              </a:rPr>
-              <a:t>APEX stands for Application Express which is a low code development platform provided by Oracle to build secure and scalable web applications.</a:t>
-            </a:r>
-          </a:p>
-          <a:p>
-            <a:pPr>
-              <a:lnSpc>
-                <a:spcPct val="150000"/>
-              </a:lnSpc>
-            </a:pPr>
-            <a:r>
-              <a:rPr lang="en-US" dirty="0">
-                <a:latin typeface="Times New Roman" panose="02020603050405020304" pitchFamily="18" charset="0"/>
-                <a:cs typeface="Times New Roman" panose="02020603050405020304" pitchFamily="18" charset="0"/>
-              </a:rPr>
-              <a:t>Easily and fully integrated with Oracle Database</a:t>
-            </a:r>
-          </a:p>
-          <a:p>
-            <a:pPr>
-              <a:lnSpc>
-                <a:spcPct val="150000"/>
-              </a:lnSpc>
-            </a:pPr>
-            <a:r>
-              <a:rPr lang="en-US" dirty="0">
-                <a:latin typeface="Times New Roman" panose="02020603050405020304" pitchFamily="18" charset="0"/>
-                <a:cs typeface="Times New Roman" panose="02020603050405020304" pitchFamily="18" charset="0"/>
-              </a:rPr>
-              <a:t>It is completely a web based development.</a:t>
-            </a:r>
-          </a:p>
-          <a:p>
-            <a:pPr>
-              <a:lnSpc>
-                <a:spcPct val="150000"/>
-              </a:lnSpc>
-            </a:pPr>
-            <a:r>
-              <a:rPr lang="en-US" dirty="0">
-                <a:latin typeface="Times New Roman" panose="02020603050405020304" pitchFamily="18" charset="0"/>
-                <a:cs typeface="Times New Roman" panose="02020603050405020304" pitchFamily="18" charset="0"/>
-              </a:rPr>
-              <a:t>Some of the applications which we built using APEX are as follows</a:t>
-            </a:r>
-          </a:p>
-        </p:txBody>
-      </p:sp>
-      <p:pic>
-        <p:nvPicPr>
-          <p:cNvPr id="5" name="Picture 4">
-            <a:extLst>
-              <a:ext uri="{FF2B5EF4-FFF2-40B4-BE49-F238E27FC236}">
-                <a16:creationId xmlns:a16="http://schemas.microsoft.com/office/drawing/2014/main" id="{7566EB68-FBFB-4F32-92D9-5D1867D4CB84}"/>
-              </a:ext>
-            </a:extLst>
-          </p:cNvPr>
-          <p:cNvPicPr>
-            <a:picLocks noChangeAspect="1"/>
-          </p:cNvPicPr>
-          <p:nvPr/>
-        </p:nvPicPr>
-        <p:blipFill>
-          <a:blip r:embed="rId2"/>
-          <a:stretch>
-            <a:fillRect/>
-          </a:stretch>
-        </p:blipFill>
-        <p:spPr>
-          <a:xfrm>
-            <a:off x="9493624" y="650968"/>
-            <a:ext cx="1598881" cy="649951"/>
-          </a:xfrm>
-          <a:prstGeom prst="rect">
-            <a:avLst/>
-          </a:prstGeom>
-        </p:spPr>
-      </p:pic>
+              <a:rPr lang="en-US" b="0" i="0" dirty="0">
+                <a:solidFill>
+                  <a:srgbClr val="424242"/>
+                </a:solidFill>
+                <a:effectLst/>
+                <a:latin typeface="Times New Roman" panose="02020603050405020304" pitchFamily="18" charset="0"/>
+                <a:cs typeface="Times New Roman" panose="02020603050405020304" pitchFamily="18" charset="0"/>
+              </a:rPr>
+              <a:t>It is seamlessly integrated with the Oracle Database and is entirely web-based. We have developed several applications using APEX during this phase.</a:t>
+            </a:r>
+            <a:endParaRPr lang="en-US" dirty="0">
+              <a:latin typeface="Times New Roman" panose="02020603050405020304" pitchFamily="18" charset="0"/>
+              <a:cs typeface="Times New Roman" panose="02020603050405020304" pitchFamily="18" charset="0"/>
+            </a:endParaRPr>
+          </a:p>
+        </p:txBody>
+      </p:sp>
     </p:spTree>
     <p:extLst>
       <p:ext uri="{BB962C8B-B14F-4D97-AF65-F5344CB8AC3E}">
@@ -5036,6 +4611,18 @@
   <p:clrMapOvr>
     <a:masterClrMapping/>
   </p:clrMapOvr>
+  <mc:AlternateContent xmlns:mc="http://schemas.openxmlformats.org/markup-compatibility/2006">
+    <mc:Choice xmlns:p14="http://schemas.microsoft.com/office/powerpoint/2010/main" Requires="p14">
+      <p:transition spd="slow">
+        <p14:pan dir="u"/>
+      </p:transition>
+    </mc:Choice>
+    <mc:Fallback>
+      <p:transition spd="slow">
+        <p:fade/>
+      </p:transition>
+    </mc:Fallback>
+  </mc:AlternateContent>
 </p:sld>
 </file>
 
@@ -5076,15 +4663,13 @@
               </a:ext>
             </a:extLst>
           </a:blip>
-          <a:srcRect/>
-          <a:stretch>
-            <a:fillRect/>
-          </a:stretch>
+          <a:srcRect t="10000" b="7642"/>
+          <a:stretch/>
         </p:blipFill>
         <p:spPr bwMode="auto">
           <a:xfrm>
-            <a:off x="2236253" y="1398495"/>
-            <a:ext cx="8606117" cy="4948517"/>
+            <a:off x="1091071" y="1202267"/>
+            <a:ext cx="9839395" cy="5156200"/>
           </a:xfrm>
           <a:prstGeom prst="rect">
             <a:avLst/>
@@ -5109,8 +4694,8 @@
         </p:nvSpPr>
         <p:spPr>
           <a:xfrm>
-            <a:off x="1376082" y="524435"/>
-            <a:ext cx="1720343" cy="769441"/>
+            <a:off x="1091071" y="245035"/>
+            <a:ext cx="5315686" cy="769441"/>
           </a:xfrm>
           <a:prstGeom prst="rect">
             <a:avLst/>
@@ -5127,7 +4712,7 @@
                 <a:latin typeface="Times New Roman" panose="02020603050405020304" pitchFamily="18" charset="0"/>
                 <a:cs typeface="Times New Roman" panose="02020603050405020304" pitchFamily="18" charset="0"/>
               </a:rPr>
-              <a:t>APEX</a:t>
+              <a:t>APEX HOME PAGE</a:t>
             </a:r>
             <a:endParaRPr lang="en-US" sz="4400" dirty="0"/>
           </a:p>
@@ -5143,6 +4728,18 @@
   <p:clrMapOvr>
     <a:masterClrMapping/>
   </p:clrMapOvr>
+  <mc:AlternateContent xmlns:mc="http://schemas.openxmlformats.org/markup-compatibility/2006">
+    <mc:Choice xmlns:p14="http://schemas.microsoft.com/office/powerpoint/2010/main" Requires="p14">
+      <p:transition spd="slow">
+        <p14:pan dir="u"/>
+      </p:transition>
+    </mc:Choice>
+    <mc:Fallback>
+      <p:transition spd="slow">
+        <p:fade/>
+      </p:transition>
+    </mc:Fallback>
+  </mc:AlternateContent>
 </p:sld>
 </file>
 
@@ -5183,15 +4780,13 @@
               </a:ext>
             </a:extLst>
           </a:blip>
-          <a:srcRect/>
-          <a:stretch>
-            <a:fillRect/>
-          </a:stretch>
+          <a:srcRect t="9099" b="7136"/>
+          <a:stretch/>
         </p:blipFill>
         <p:spPr bwMode="auto">
           <a:xfrm>
-            <a:off x="2516075" y="1571848"/>
-            <a:ext cx="7563261" cy="4386655"/>
+            <a:off x="1062815" y="1497076"/>
+            <a:ext cx="9935385" cy="4565057"/>
           </a:xfrm>
           <a:prstGeom prst="rect">
             <a:avLst/>
@@ -5216,8 +4811,8 @@
         </p:nvSpPr>
         <p:spPr>
           <a:xfrm>
-            <a:off x="1376082" y="524435"/>
-            <a:ext cx="1720343" cy="769441"/>
+            <a:off x="1062815" y="473635"/>
+            <a:ext cx="5738174" cy="769441"/>
           </a:xfrm>
           <a:prstGeom prst="rect">
             <a:avLst/>
@@ -5234,7 +4829,7 @@
                 <a:latin typeface="Times New Roman" panose="02020603050405020304" pitchFamily="18" charset="0"/>
                 <a:cs typeface="Times New Roman" panose="02020603050405020304" pitchFamily="18" charset="0"/>
               </a:rPr>
-              <a:t>APEX</a:t>
+              <a:t>APEX APPLICATION</a:t>
             </a:r>
             <a:endParaRPr lang="en-US" sz="4400" dirty="0"/>
           </a:p>
@@ -5250,6 +4845,18 @@
   <p:clrMapOvr>
     <a:masterClrMapping/>
   </p:clrMapOvr>
+  <mc:AlternateContent xmlns:mc="http://schemas.openxmlformats.org/markup-compatibility/2006">
+    <mc:Choice xmlns:p14="http://schemas.microsoft.com/office/powerpoint/2010/main" Requires="p14">
+      <p:transition spd="slow">
+        <p14:pan dir="u"/>
+      </p:transition>
+    </mc:Choice>
+    <mc:Fallback>
+      <p:transition spd="slow">
+        <p:fade/>
+      </p:transition>
+    </mc:Fallback>
+  </mc:AlternateContent>
 </p:sld>
 </file>
 
@@ -5272,7 +4879,7 @@
       </p:grpSpPr>
       <p:pic>
         <p:nvPicPr>
-          <p:cNvPr id="4" name="Picture 3" descr="C:\Users\MTECH\Downloads\image001 (1).png">
+          <p:cNvPr id="4" name="Picture 3">
             <a:extLst>
               <a:ext uri="{FF2B5EF4-FFF2-40B4-BE49-F238E27FC236}">
                 <a16:creationId xmlns:a16="http://schemas.microsoft.com/office/drawing/2014/main" id="{D346395A-CB45-4EE1-B782-1B22CA4E30EF}"/>
@@ -5283,22 +4890,20 @@
           <p:nvPr/>
         </p:nvPicPr>
         <p:blipFill>
-          <a:blip r:embed="rId2" cstate="print">
+          <a:blip r:embed="rId2">
             <a:extLst>
               <a:ext uri="{28A0092B-C50C-407E-A947-70E740481C1C}">
                 <a14:useLocalDpi xmlns:a14="http://schemas.microsoft.com/office/drawing/2010/main" val="0"/>
               </a:ext>
             </a:extLst>
           </a:blip>
-          <a:srcRect/>
-          <a:stretch>
-            <a:fillRect/>
-          </a:stretch>
+          <a:srcRect l="123" t="9648" r="-123" b="6730"/>
+          <a:stretch/>
         </p:blipFill>
         <p:spPr bwMode="auto">
           <a:xfrm>
-            <a:off x="2595284" y="1694329"/>
-            <a:ext cx="8296833" cy="4303059"/>
+            <a:off x="1179107" y="1498600"/>
+            <a:ext cx="9833785" cy="4495801"/>
           </a:xfrm>
           <a:prstGeom prst="rect">
             <a:avLst/>
@@ -5323,8 +4928,8 @@
         </p:nvSpPr>
         <p:spPr>
           <a:xfrm>
-            <a:off x="1376082" y="524435"/>
-            <a:ext cx="1720343" cy="769441"/>
+            <a:off x="1054348" y="478878"/>
+            <a:ext cx="3701463" cy="769441"/>
           </a:xfrm>
           <a:prstGeom prst="rect">
             <a:avLst/>
@@ -5341,7 +4946,7 @@
                 <a:latin typeface="Times New Roman" panose="02020603050405020304" pitchFamily="18" charset="0"/>
                 <a:cs typeface="Times New Roman" panose="02020603050405020304" pitchFamily="18" charset="0"/>
               </a:rPr>
-              <a:t>APEX</a:t>
+              <a:t>APEX PAGES</a:t>
             </a:r>
             <a:endParaRPr lang="en-US" sz="4400" dirty="0"/>
           </a:p>
@@ -5357,6 +4962,18 @@
   <p:clrMapOvr>
     <a:masterClrMapping/>
   </p:clrMapOvr>
+  <mc:AlternateContent xmlns:mc="http://schemas.openxmlformats.org/markup-compatibility/2006">
+    <mc:Choice xmlns:p14="http://schemas.microsoft.com/office/powerpoint/2010/main" Requires="p14">
+      <p:transition spd="slow">
+        <p14:pan dir="u"/>
+      </p:transition>
+    </mc:Choice>
+    <mc:Fallback>
+      <p:transition spd="slow">
+        <p:fade/>
+      </p:transition>
+    </mc:Fallback>
+  </mc:AlternateContent>
 </p:sld>
 </file>
 
@@ -5394,7 +5011,7 @@
           </p:nvPr>
         </p:nvPicPr>
         <p:blipFill>
-          <a:blip r:embed="rId2" cstate="print">
+          <a:blip r:embed="rId2">
             <a:extLst>
               <a:ext uri="{28A0092B-C50C-407E-A947-70E740481C1C}">
                 <a14:useLocalDpi xmlns:a14="http://schemas.microsoft.com/office/drawing/2010/main" val="0"/>
@@ -5402,14 +5019,12 @@
             </a:extLst>
           </a:blip>
           <a:srcRect/>
-          <a:stretch>
-            <a:fillRect/>
-          </a:stretch>
+          <a:stretch/>
         </p:blipFill>
         <p:spPr bwMode="auto">
           <a:xfrm>
-            <a:off x="2327894" y="1435660"/>
-            <a:ext cx="8154776" cy="4351338"/>
+            <a:off x="1211091" y="1507933"/>
+            <a:ext cx="9321441" cy="4825632"/>
           </a:xfrm>
           <a:prstGeom prst="rect">
             <a:avLst/>
@@ -5434,8 +5049,8 @@
         </p:nvSpPr>
         <p:spPr>
           <a:xfrm>
-            <a:off x="1376082" y="524435"/>
-            <a:ext cx="1720343" cy="769441"/>
+            <a:off x="1130548" y="524435"/>
+            <a:ext cx="4193199" cy="769441"/>
           </a:xfrm>
           <a:prstGeom prst="rect">
             <a:avLst/>
@@ -5452,7 +5067,7 @@
                 <a:latin typeface="Times New Roman" panose="02020603050405020304" pitchFamily="18" charset="0"/>
                 <a:cs typeface="Times New Roman" panose="02020603050405020304" pitchFamily="18" charset="0"/>
               </a:rPr>
-              <a:t>APEX</a:t>
+              <a:t>APEX REPORT</a:t>
             </a:r>
             <a:endParaRPr lang="en-US" sz="4400" dirty="0"/>
           </a:p>
@@ -5468,6 +5083,18 @@
   <p:clrMapOvr>
     <a:masterClrMapping/>
   </p:clrMapOvr>
+  <mc:AlternateContent xmlns:mc="http://schemas.openxmlformats.org/markup-compatibility/2006">
+    <mc:Choice xmlns:p14="http://schemas.microsoft.com/office/powerpoint/2010/main" Requires="p14">
+      <p:transition spd="slow">
+        <p14:pan dir="u"/>
+      </p:transition>
+    </mc:Choice>
+    <mc:Fallback>
+      <p:transition spd="slow">
+        <p:fade/>
+      </p:transition>
+    </mc:Fallback>
+  </mc:AlternateContent>
 </p:sld>
 </file>
 
@@ -5514,7 +5141,7 @@
                 <a:latin typeface="Times New Roman" panose="02020603050405020304" pitchFamily="18" charset="0"/>
                 <a:cs typeface="Times New Roman" panose="02020603050405020304" pitchFamily="18" charset="0"/>
               </a:rPr>
-              <a:t>SOFT SKILLS TRAINING</a:t>
+              <a:t>SOFT SKILLS</a:t>
             </a:r>
           </a:p>
         </p:txBody>
@@ -5535,51 +5162,36 @@
             <p:ph idx="1"/>
           </p:nvPr>
         </p:nvSpPr>
-        <p:spPr/>
+        <p:spPr>
+          <a:xfrm>
+            <a:off x="838200" y="1690688"/>
+            <a:ext cx="10515600" cy="4351338"/>
+          </a:xfrm>
+        </p:spPr>
         <p:txBody>
           <a:bodyPr/>
           <a:lstStyle/>
           <a:p>
-            <a:pPr>
+            <a:pPr algn="just">
               <a:lnSpc>
                 <a:spcPct val="150000"/>
               </a:lnSpc>
             </a:pPr>
             <a:r>
-              <a:rPr lang="en-US" dirty="0">
-                <a:latin typeface="Times New Roman" panose="02020603050405020304" pitchFamily="18" charset="0"/>
-                <a:cs typeface="Times New Roman" panose="02020603050405020304" pitchFamily="18" charset="0"/>
-              </a:rPr>
-              <a:t>Apart from technical skills we also had soft skills training in which we were taught about the Email etiquettes, Group Discussion, MOM writing, call etiquettes and interview training</a:t>
-            </a:r>
-          </a:p>
-          <a:p>
-            <a:pPr>
-              <a:lnSpc>
-                <a:spcPct val="150000"/>
-              </a:lnSpc>
-            </a:pPr>
-            <a:r>
-              <a:rPr lang="en-US" dirty="0">
-                <a:latin typeface="Times New Roman" panose="02020603050405020304" pitchFamily="18" charset="0"/>
-                <a:cs typeface="Times New Roman" panose="02020603050405020304" pitchFamily="18" charset="0"/>
-              </a:rPr>
-              <a:t>We also improved teamwork through daily activities and reviews</a:t>
-            </a:r>
-          </a:p>
-          <a:p>
-            <a:pPr>
-              <a:lnSpc>
-                <a:spcPct val="150000"/>
-              </a:lnSpc>
-            </a:pPr>
-            <a:r>
-              <a:rPr lang="en-US" dirty="0">
-                <a:latin typeface="Times New Roman" panose="02020603050405020304" pitchFamily="18" charset="0"/>
-                <a:cs typeface="Times New Roman" panose="02020603050405020304" pitchFamily="18" charset="0"/>
-              </a:rPr>
-              <a:t>We majorly learned about professional communication</a:t>
-            </a:r>
+              <a:rPr lang="en-US" b="0" i="0" dirty="0">
+                <a:solidFill>
+                  <a:srgbClr val="424242"/>
+                </a:solidFill>
+                <a:effectLst/>
+                <a:latin typeface="Times New Roman" panose="02020603050405020304" pitchFamily="18" charset="0"/>
+                <a:cs typeface="Times New Roman" panose="02020603050405020304" pitchFamily="18" charset="0"/>
+              </a:rPr>
+              <a:t>In addition to technical skills, we received soft skills training that covered email etiquette, group discussions, minutes of meeting (MOM) writing, call etiquette, and interview preparation. We also enhanced our teamwork through daily activities and reviews, with a strong focus on professional communication.</a:t>
+            </a:r>
+            <a:endParaRPr lang="en-US" dirty="0">
+              <a:latin typeface="Times New Roman" panose="02020603050405020304" pitchFamily="18" charset="0"/>
+              <a:cs typeface="Times New Roman" panose="02020603050405020304" pitchFamily="18" charset="0"/>
+            </a:endParaRPr>
           </a:p>
         </p:txBody>
       </p:sp>
@@ -5593,6 +5205,18 @@
   <p:clrMapOvr>
     <a:masterClrMapping/>
   </p:clrMapOvr>
+  <mc:AlternateContent xmlns:mc="http://schemas.openxmlformats.org/markup-compatibility/2006">
+    <mc:Choice xmlns:p14="http://schemas.microsoft.com/office/powerpoint/2010/main" Requires="p14">
+      <p:transition spd="slow">
+        <p14:pan dir="u"/>
+      </p:transition>
+    </mc:Choice>
+    <mc:Fallback>
+      <p:transition spd="slow">
+        <p:fade/>
+      </p:transition>
+    </mc:Fallback>
+  </mc:AlternateContent>
 </p:sld>
 </file>
 
@@ -5618,7 +5242,7 @@
           <p:cNvPr id="2" name="Title 1">
             <a:extLst>
               <a:ext uri="{FF2B5EF4-FFF2-40B4-BE49-F238E27FC236}">
-                <a16:creationId xmlns:a16="http://schemas.microsoft.com/office/drawing/2014/main" id="{BC678F0C-9DBC-4763-821E-C6BA3B05EB33}"/>
+                <a16:creationId xmlns:a16="http://schemas.microsoft.com/office/drawing/2014/main" id="{F6A62B9C-2E58-4275-8C45-88C51C255208}"/>
               </a:ext>
             </a:extLst>
           </p:cNvPr>
@@ -5629,17 +5253,28 @@
             <p:ph type="title"/>
           </p:nvPr>
         </p:nvSpPr>
-        <p:spPr/>
+        <p:spPr>
+          <a:xfrm>
+            <a:off x="977900" y="332317"/>
+            <a:ext cx="5981700" cy="1325563"/>
+          </a:xfrm>
+        </p:spPr>
         <p:txBody>
           <a:bodyPr/>
           <a:lstStyle/>
           <a:p>
-            <a:r>
-              <a:rPr lang="en-US" b="1" dirty="0">
-                <a:latin typeface="Times New Roman" panose="02020603050405020304" pitchFamily="18" charset="0"/>
-                <a:cs typeface="Times New Roman" panose="02020603050405020304" pitchFamily="18" charset="0"/>
-              </a:rPr>
-              <a:t>OTHER ACTIVITIES</a:t>
+            <a:pPr algn="l">
+              <a:spcAft>
+                <a:spcPts val="600"/>
+              </a:spcAft>
+            </a:pPr>
+            <a:r>
+              <a:rPr lang="en-IN" b="1" i="0" dirty="0">
+                <a:effectLst/>
+                <a:latin typeface="Times New Roman" panose="02020603050405020304" pitchFamily="18" charset="0"/>
+                <a:cs typeface="Times New Roman" panose="02020603050405020304" pitchFamily="18" charset="0"/>
+              </a:rPr>
+              <a:t>GAINED INSIGHTS</a:t>
             </a:r>
           </a:p>
         </p:txBody>
@@ -5649,7 +5284,7 @@
           <p:cNvPr id="3" name="Content Placeholder 2">
             <a:extLst>
               <a:ext uri="{FF2B5EF4-FFF2-40B4-BE49-F238E27FC236}">
-                <a16:creationId xmlns:a16="http://schemas.microsoft.com/office/drawing/2014/main" id="{CE53BD99-2740-4165-B3DB-32C48795A47C}"/>
+                <a16:creationId xmlns:a16="http://schemas.microsoft.com/office/drawing/2014/main" id="{F937FD1C-7076-4DDC-876E-4D0E0A1FCBE0}"/>
               </a:ext>
             </a:extLst>
           </p:cNvPr>
@@ -5660,9 +5295,16 @@
             <p:ph idx="1"/>
           </p:nvPr>
         </p:nvSpPr>
-        <p:spPr/>
-        <p:txBody>
-          <a:bodyPr/>
+        <p:spPr>
+          <a:xfrm>
+            <a:off x="838200" y="1532965"/>
+            <a:ext cx="10515600" cy="4959910"/>
+          </a:xfrm>
+        </p:spPr>
+        <p:txBody>
+          <a:bodyPr>
+            <a:normAutofit/>
+          </a:bodyPr>
           <a:lstStyle/>
           <a:p>
             <a:pPr>
@@ -5671,11 +5313,15 @@
               </a:lnSpc>
             </a:pPr>
             <a:r>
-              <a:rPr lang="en-US" dirty="0">
-                <a:latin typeface="Times New Roman" panose="02020603050405020304" pitchFamily="18" charset="0"/>
-                <a:cs typeface="Times New Roman" panose="02020603050405020304" pitchFamily="18" charset="0"/>
-              </a:rPr>
-              <a:t>We had leadership connect programs and some of career building sessions where in we were introduced to our domain and were told about the various opportunities of growth in our domain.</a:t>
+              <a:rPr lang="en-US" b="0" i="0" dirty="0">
+                <a:solidFill>
+                  <a:srgbClr val="424242"/>
+                </a:solidFill>
+                <a:effectLst/>
+                <a:latin typeface="Times New Roman" panose="02020603050405020304" pitchFamily="18" charset="0"/>
+                <a:cs typeface="Times New Roman" panose="02020603050405020304" pitchFamily="18" charset="0"/>
+              </a:rPr>
+              <a:t>We gained practical experience with Oracle APEX, OIC, and OCI, enhancing our understanding of cloud deployments, workflows, and automation. </a:t>
             </a:r>
           </a:p>
           <a:p>
@@ -5685,25 +5331,45 @@
               </a:lnSpc>
             </a:pPr>
             <a:r>
-              <a:rPr lang="en-US" dirty="0">
-                <a:latin typeface="Times New Roman" panose="02020603050405020304" pitchFamily="18" charset="0"/>
-                <a:cs typeface="Times New Roman" panose="02020603050405020304" pitchFamily="18" charset="0"/>
-              </a:rPr>
-              <a:t>With this we were introduced to our working domain and also got a lot about Cognizant work ethics</a:t>
-            </a:r>
+              <a:rPr lang="en-US" b="0" i="0" dirty="0">
+                <a:solidFill>
+                  <a:srgbClr val="424242"/>
+                </a:solidFill>
+                <a:effectLst/>
+                <a:latin typeface="Times New Roman" panose="02020603050405020304" pitchFamily="18" charset="0"/>
+                <a:cs typeface="Times New Roman" panose="02020603050405020304" pitchFamily="18" charset="0"/>
+              </a:rPr>
+              <a:t>Our teamwork and confidence improved through soft skills sessions, which helped build a strong foundation for a career in cloud integration and low-code platforms. Additionally, we learned about various enterprise applications and different Oracle technologies.</a:t>
+            </a:r>
+            <a:endParaRPr lang="en-US" dirty="0">
+              <a:latin typeface="Times New Roman" panose="02020603050405020304" pitchFamily="18" charset="0"/>
+              <a:cs typeface="Times New Roman" panose="02020603050405020304" pitchFamily="18" charset="0"/>
+            </a:endParaRPr>
           </a:p>
         </p:txBody>
       </p:sp>
     </p:spTree>
     <p:extLst>
       <p:ext uri="{BB962C8B-B14F-4D97-AF65-F5344CB8AC3E}">
-        <p14:creationId xmlns:p14="http://schemas.microsoft.com/office/powerpoint/2010/main" val="68458514"/>
+        <p14:creationId xmlns:p14="http://schemas.microsoft.com/office/powerpoint/2010/main" val="1158206074"/>
       </p:ext>
     </p:extLst>
   </p:cSld>
   <p:clrMapOvr>
     <a:masterClrMapping/>
   </p:clrMapOvr>
+  <mc:AlternateContent xmlns:mc="http://schemas.openxmlformats.org/markup-compatibility/2006">
+    <mc:Choice xmlns:p14="http://schemas.microsoft.com/office/powerpoint/2010/main" Requires="p14">
+      <p:transition spd="slow">
+        <p14:pan dir="u"/>
+      </p:transition>
+    </mc:Choice>
+    <mc:Fallback>
+      <p:transition spd="slow">
+        <p:fade/>
+      </p:transition>
+    </mc:Fallback>
+  </mc:AlternateContent>
 </p:sld>
 </file>
 
@@ -5742,7 +5408,9 @@
         </p:nvSpPr>
         <p:spPr/>
         <p:txBody>
-          <a:bodyPr/>
+          <a:bodyPr>
+            <a:normAutofit/>
+          </a:bodyPr>
           <a:lstStyle/>
           <a:p>
             <a:r>
@@ -5773,146 +5441,236 @@
         </p:nvSpPr>
         <p:spPr>
           <a:xfrm>
-            <a:off x="672353" y="1825624"/>
+            <a:off x="755276" y="1497820"/>
             <a:ext cx="10681447" cy="4803775"/>
           </a:xfrm>
         </p:spPr>
         <p:txBody>
           <a:bodyPr>
-            <a:normAutofit fontScale="92500" lnSpcReduction="20000"/>
+            <a:normAutofit fontScale="85000" lnSpcReduction="20000"/>
           </a:bodyPr>
           <a:lstStyle/>
           <a:p>
-            <a:pPr>
+            <a:pPr algn="l">
               <a:lnSpc>
                 <a:spcPct val="150000"/>
               </a:lnSpc>
+              <a:spcBef>
+                <a:spcPts val="450"/>
+              </a:spcBef>
+              <a:spcAft>
+                <a:spcPts val="750"/>
+              </a:spcAft>
+              <a:buNone/>
             </a:pPr>
             <a:r>
-              <a:rPr lang="en-US" sz="2400" dirty="0">
-                <a:latin typeface="Times New Roman" panose="02020603050405020304" pitchFamily="18" charset="0"/>
-                <a:cs typeface="Times New Roman" panose="02020603050405020304" pitchFamily="18" charset="0"/>
-              </a:rPr>
-              <a:t>DURATION: MARCH 2025 to JUNE 2025</a:t>
-            </a:r>
-          </a:p>
-          <a:p>
-            <a:pPr>
+              <a:rPr lang="en-US" sz="2600" b="1" i="0" dirty="0">
+                <a:solidFill>
+                  <a:srgbClr val="424242"/>
+                </a:solidFill>
+                <a:effectLst/>
+                <a:latin typeface="Times New Roman" panose="02020603050405020304" pitchFamily="18" charset="0"/>
+                <a:cs typeface="Times New Roman" panose="02020603050405020304" pitchFamily="18" charset="0"/>
+              </a:rPr>
+              <a:t>Duration: </a:t>
+            </a:r>
+            <a:r>
+              <a:rPr lang="en-US" sz="2600" b="0" i="0" dirty="0">
+                <a:solidFill>
+                  <a:srgbClr val="424242"/>
+                </a:solidFill>
+                <a:effectLst/>
+                <a:latin typeface="Times New Roman" panose="02020603050405020304" pitchFamily="18" charset="0"/>
+                <a:cs typeface="Times New Roman" panose="02020603050405020304" pitchFamily="18" charset="0"/>
+              </a:rPr>
+              <a:t>March 2025 to June 2025</a:t>
+            </a:r>
+          </a:p>
+          <a:p>
+            <a:pPr algn="l">
               <a:lnSpc>
                 <a:spcPct val="150000"/>
               </a:lnSpc>
+              <a:spcBef>
+                <a:spcPts val="450"/>
+              </a:spcBef>
+              <a:spcAft>
+                <a:spcPts val="750"/>
+              </a:spcAft>
+              <a:buNone/>
             </a:pPr>
             <a:r>
-              <a:rPr lang="en-US" sz="2400" dirty="0">
-                <a:latin typeface="Times New Roman" panose="02020603050405020304" pitchFamily="18" charset="0"/>
-                <a:cs typeface="Times New Roman" panose="02020603050405020304" pitchFamily="18" charset="0"/>
-              </a:rPr>
-              <a:t>COMPANY: COGNIZANT TECHNOLOGY SOLUTIONS, CHENNAI</a:t>
-            </a:r>
-          </a:p>
-          <a:p>
-            <a:pPr>
+              <a:rPr lang="en-US" sz="2600" b="1" i="0" dirty="0">
+                <a:solidFill>
+                  <a:srgbClr val="424242"/>
+                </a:solidFill>
+                <a:effectLst/>
+                <a:latin typeface="Times New Roman" panose="02020603050405020304" pitchFamily="18" charset="0"/>
+                <a:cs typeface="Times New Roman" panose="02020603050405020304" pitchFamily="18" charset="0"/>
+              </a:rPr>
+              <a:t>Company: </a:t>
+            </a:r>
+            <a:r>
+              <a:rPr lang="en-US" sz="2600" b="0" i="0" dirty="0">
+                <a:solidFill>
+                  <a:srgbClr val="424242"/>
+                </a:solidFill>
+                <a:effectLst/>
+                <a:latin typeface="Times New Roman" panose="02020603050405020304" pitchFamily="18" charset="0"/>
+                <a:cs typeface="Times New Roman" panose="02020603050405020304" pitchFamily="18" charset="0"/>
+              </a:rPr>
+              <a:t>Cognizant Technology Solutions, Chennai</a:t>
+            </a:r>
+          </a:p>
+          <a:p>
+            <a:pPr algn="l">
               <a:lnSpc>
                 <a:spcPct val="150000"/>
               </a:lnSpc>
+              <a:spcBef>
+                <a:spcPts val="450"/>
+              </a:spcBef>
+              <a:spcAft>
+                <a:spcPts val="750"/>
+              </a:spcAft>
+              <a:buNone/>
             </a:pPr>
             <a:r>
-              <a:rPr lang="en-US" sz="2400" dirty="0">
-                <a:latin typeface="Times New Roman" panose="02020603050405020304" pitchFamily="18" charset="0"/>
-                <a:cs typeface="Times New Roman" panose="02020603050405020304" pitchFamily="18" charset="0"/>
-              </a:rPr>
-              <a:t>The Internship has 3 phases:</a:t>
-            </a:r>
-          </a:p>
-          <a:p>
-            <a:pPr lvl="1">
+              <a:rPr lang="en-US" sz="2600" b="0" i="0" dirty="0">
+                <a:solidFill>
+                  <a:srgbClr val="424242"/>
+                </a:solidFill>
+                <a:effectLst/>
+                <a:latin typeface="Times New Roman" panose="02020603050405020304" pitchFamily="18" charset="0"/>
+                <a:cs typeface="Times New Roman" panose="02020603050405020304" pitchFamily="18" charset="0"/>
+              </a:rPr>
+              <a:t>The internship is divided into three phases:</a:t>
+            </a:r>
+          </a:p>
+          <a:p>
+            <a:pPr algn="l">
               <a:lnSpc>
                 <a:spcPct val="150000"/>
               </a:lnSpc>
+              <a:spcAft>
+                <a:spcPts val="600"/>
+              </a:spcAft>
+              <a:buFont typeface="+mj-lt"/>
+              <a:buAutoNum type="arabicPeriod"/>
             </a:pPr>
             <a:r>
-              <a:rPr lang="en-US" b="1" dirty="0">
-                <a:latin typeface="Times New Roman" panose="02020603050405020304" pitchFamily="18" charset="0"/>
-                <a:cs typeface="Times New Roman" panose="02020603050405020304" pitchFamily="18" charset="0"/>
-              </a:rPr>
-              <a:t>DELTA</a:t>
-            </a:r>
-            <a:r>
-              <a:rPr lang="en-US" dirty="0">
-                <a:latin typeface="Times New Roman" panose="02020603050405020304" pitchFamily="18" charset="0"/>
-                <a:cs typeface="Times New Roman" panose="02020603050405020304" pitchFamily="18" charset="0"/>
-              </a:rPr>
-              <a:t> </a:t>
-            </a:r>
-            <a:r>
-              <a:rPr lang="en-US" b="1" dirty="0">
-                <a:latin typeface="Times New Roman" panose="02020603050405020304" pitchFamily="18" charset="0"/>
-                <a:cs typeface="Times New Roman" panose="02020603050405020304" pitchFamily="18" charset="0"/>
-              </a:rPr>
-              <a:t>PHASE</a:t>
-            </a:r>
-            <a:r>
-              <a:rPr lang="en-US" dirty="0">
-                <a:latin typeface="Times New Roman" panose="02020603050405020304" pitchFamily="18" charset="0"/>
-                <a:cs typeface="Times New Roman" panose="02020603050405020304" pitchFamily="18" charset="0"/>
-              </a:rPr>
-              <a:t>: Which majorly comprised of PL/SQL, HTML, CSS, XML, REST web services, UNIX and Python</a:t>
-            </a:r>
-          </a:p>
-          <a:p>
-            <a:pPr lvl="1">
+              <a:rPr lang="en-US" sz="2600" b="1" i="0" dirty="0">
+                <a:solidFill>
+                  <a:srgbClr val="424242"/>
+                </a:solidFill>
+                <a:effectLst/>
+                <a:latin typeface="Times New Roman" panose="02020603050405020304" pitchFamily="18" charset="0"/>
+                <a:cs typeface="Times New Roman" panose="02020603050405020304" pitchFamily="18" charset="0"/>
+              </a:rPr>
+              <a:t>Delta Phase: </a:t>
+            </a:r>
+            <a:r>
+              <a:rPr lang="en-US" sz="2600" b="0" i="0" dirty="0">
+                <a:solidFill>
+                  <a:srgbClr val="424242"/>
+                </a:solidFill>
+                <a:effectLst/>
+                <a:latin typeface="Times New Roman" panose="02020603050405020304" pitchFamily="18" charset="0"/>
+                <a:cs typeface="Times New Roman" panose="02020603050405020304" pitchFamily="18" charset="0"/>
+              </a:rPr>
+              <a:t>Focuses on PL/SQL, HTML, CSS, XML, REST web services, UNIX, and Python.</a:t>
+            </a:r>
+          </a:p>
+          <a:p>
+            <a:pPr algn="l">
               <a:lnSpc>
                 <a:spcPct val="150000"/>
               </a:lnSpc>
+              <a:spcAft>
+                <a:spcPts val="600"/>
+              </a:spcAft>
+              <a:buFont typeface="+mj-lt"/>
+              <a:buAutoNum type="arabicPeriod"/>
             </a:pPr>
             <a:r>
-              <a:rPr lang="en-US" b="1" dirty="0">
-                <a:latin typeface="Times New Roman" panose="02020603050405020304" pitchFamily="18" charset="0"/>
-                <a:cs typeface="Times New Roman" panose="02020603050405020304" pitchFamily="18" charset="0"/>
-              </a:rPr>
-              <a:t>INTERIM PHASE</a:t>
-            </a:r>
-            <a:r>
-              <a:rPr lang="en-US" dirty="0">
-                <a:latin typeface="Times New Roman" panose="02020603050405020304" pitchFamily="18" charset="0"/>
-                <a:cs typeface="Times New Roman" panose="02020603050405020304" pitchFamily="18" charset="0"/>
-              </a:rPr>
-              <a:t>: It majorly comprised of OCI, OIC and OCIDI</a:t>
-            </a:r>
-          </a:p>
-          <a:p>
-            <a:pPr lvl="1">
+              <a:rPr lang="en-US" sz="2600" b="1" i="0" dirty="0">
+                <a:solidFill>
+                  <a:srgbClr val="424242"/>
+                </a:solidFill>
+                <a:effectLst/>
+                <a:latin typeface="Times New Roman" panose="02020603050405020304" pitchFamily="18" charset="0"/>
+                <a:cs typeface="Times New Roman" panose="02020603050405020304" pitchFamily="18" charset="0"/>
+              </a:rPr>
+              <a:t>Interim Phase: </a:t>
+            </a:r>
+            <a:r>
+              <a:rPr lang="en-US" sz="2600" b="0" i="0" dirty="0">
+                <a:solidFill>
+                  <a:srgbClr val="424242"/>
+                </a:solidFill>
+                <a:effectLst/>
+                <a:latin typeface="Times New Roman" panose="02020603050405020304" pitchFamily="18" charset="0"/>
+                <a:cs typeface="Times New Roman" panose="02020603050405020304" pitchFamily="18" charset="0"/>
+              </a:rPr>
+              <a:t>Emphasizes OCI, OIC, and OCIDI.</a:t>
+            </a:r>
+          </a:p>
+          <a:p>
+            <a:pPr algn="l">
               <a:lnSpc>
                 <a:spcPct val="150000"/>
               </a:lnSpc>
+              <a:spcAft>
+                <a:spcPts val="600"/>
+              </a:spcAft>
+              <a:buFont typeface="+mj-lt"/>
+              <a:buAutoNum type="arabicPeriod"/>
             </a:pPr>
             <a:r>
-              <a:rPr lang="en-US" b="1" dirty="0">
-                <a:latin typeface="Times New Roman" panose="02020603050405020304" pitchFamily="18" charset="0"/>
-                <a:cs typeface="Times New Roman" panose="02020603050405020304" pitchFamily="18" charset="0"/>
-              </a:rPr>
-              <a:t>FINAL PHASE</a:t>
-            </a:r>
-            <a:r>
-              <a:rPr lang="en-US" dirty="0">
-                <a:latin typeface="Times New Roman" panose="02020603050405020304" pitchFamily="18" charset="0"/>
-                <a:cs typeface="Times New Roman" panose="02020603050405020304" pitchFamily="18" charset="0"/>
-              </a:rPr>
-              <a:t>: It focuses majorly on APEX which is the major domain we are going to work on.</a:t>
-            </a:r>
-          </a:p>
-          <a:p>
-            <a:pPr>
+              <a:rPr lang="en-US" sz="2600" b="1" i="0" dirty="0">
+                <a:solidFill>
+                  <a:srgbClr val="424242"/>
+                </a:solidFill>
+                <a:effectLst/>
+                <a:latin typeface="Times New Roman" panose="02020603050405020304" pitchFamily="18" charset="0"/>
+                <a:cs typeface="Times New Roman" panose="02020603050405020304" pitchFamily="18" charset="0"/>
+              </a:rPr>
+              <a:t>Final Phase: </a:t>
+            </a:r>
+            <a:r>
+              <a:rPr lang="en-US" sz="2600" b="0" i="0" dirty="0">
+                <a:solidFill>
+                  <a:srgbClr val="424242"/>
+                </a:solidFill>
+                <a:effectLst/>
+                <a:latin typeface="Times New Roman" panose="02020603050405020304" pitchFamily="18" charset="0"/>
+                <a:cs typeface="Times New Roman" panose="02020603050405020304" pitchFamily="18" charset="0"/>
+              </a:rPr>
+              <a:t>Concentrates primarily on APEX, which is the main area of work.</a:t>
+            </a:r>
+          </a:p>
+          <a:p>
+            <a:pPr algn="l">
               <a:lnSpc>
                 <a:spcPct val="150000"/>
               </a:lnSpc>
+              <a:spcBef>
+                <a:spcPts val="450"/>
+              </a:spcBef>
+              <a:spcAft>
+                <a:spcPts val="750"/>
+              </a:spcAft>
             </a:pPr>
             <a:r>
-              <a:rPr lang="en-US" sz="2400" dirty="0">
-                <a:latin typeface="Times New Roman" panose="02020603050405020304" pitchFamily="18" charset="0"/>
-                <a:cs typeface="Times New Roman" panose="02020603050405020304" pitchFamily="18" charset="0"/>
-              </a:rPr>
-              <a:t>I am currently in the final phase of internship</a:t>
+              <a:rPr lang="en-US" sz="2600" b="0" i="0" dirty="0">
+                <a:solidFill>
+                  <a:srgbClr val="424242"/>
+                </a:solidFill>
+                <a:effectLst/>
+                <a:latin typeface="Times New Roman" panose="02020603050405020304" pitchFamily="18" charset="0"/>
+                <a:cs typeface="Times New Roman" panose="02020603050405020304" pitchFamily="18" charset="0"/>
+              </a:rPr>
+              <a:t>I am currently in the final phase of the internship.</a:t>
             </a:r>
           </a:p>
         </p:txBody>
@@ -5927,6 +5685,18 @@
   <p:clrMapOvr>
     <a:masterClrMapping/>
   </p:clrMapOvr>
+  <mc:AlternateContent xmlns:mc="http://schemas.openxmlformats.org/markup-compatibility/2006">
+    <mc:Choice xmlns:p14="http://schemas.microsoft.com/office/powerpoint/2010/main" Requires="p14">
+      <p:transition spd="slow">
+        <p14:pan dir="u"/>
+      </p:transition>
+    </mc:Choice>
+    <mc:Fallback>
+      <p:transition spd="slow">
+        <p:fade/>
+      </p:transition>
+    </mc:Fallback>
+  </mc:AlternateContent>
 </p:sld>
 </file>
 
@@ -5952,7 +5722,7 @@
           <p:cNvPr id="2" name="Title 1">
             <a:extLst>
               <a:ext uri="{FF2B5EF4-FFF2-40B4-BE49-F238E27FC236}">
-                <a16:creationId xmlns:a16="http://schemas.microsoft.com/office/drawing/2014/main" id="{F6A62B9C-2E58-4275-8C45-88C51C255208}"/>
+                <a16:creationId xmlns:a16="http://schemas.microsoft.com/office/drawing/2014/main" id="{3D5ACE74-C398-42F4-B10D-C081BF910238}"/>
               </a:ext>
             </a:extLst>
           </p:cNvPr>
@@ -5973,7 +5743,7 @@
                 <a:latin typeface="Times New Roman" panose="02020603050405020304" pitchFamily="18" charset="0"/>
                 <a:cs typeface="Times New Roman" panose="02020603050405020304" pitchFamily="18" charset="0"/>
               </a:rPr>
-              <a:t>REFLECTION NOTES</a:t>
+              <a:t>CONCLUSION</a:t>
             </a:r>
           </a:p>
         </p:txBody>
@@ -5983,7 +5753,7 @@
           <p:cNvPr id="3" name="Content Placeholder 2">
             <a:extLst>
               <a:ext uri="{FF2B5EF4-FFF2-40B4-BE49-F238E27FC236}">
-                <a16:creationId xmlns:a16="http://schemas.microsoft.com/office/drawing/2014/main" id="{F937FD1C-7076-4DDC-876E-4D0E0A1FCBE0}"/>
+                <a16:creationId xmlns:a16="http://schemas.microsoft.com/office/drawing/2014/main" id="{B220B455-50EA-4743-9E91-0C5B76150246}"/>
               </a:ext>
             </a:extLst>
           </p:cNvPr>
@@ -5996,91 +5766,32 @@
         </p:nvSpPr>
         <p:spPr>
           <a:xfrm>
-            <a:off x="838200" y="1532965"/>
-            <a:ext cx="10515600" cy="4959910"/>
+            <a:off x="935566" y="1571812"/>
+            <a:ext cx="10320867" cy="4630551"/>
           </a:xfrm>
         </p:spPr>
         <p:txBody>
           <a:bodyPr>
-            <a:normAutofit lnSpcReduction="10000"/>
+            <a:normAutofit/>
           </a:bodyPr>
           <a:lstStyle/>
           <a:p>
-            <a:pPr>
+            <a:pPr algn="just">
               <a:lnSpc>
                 <a:spcPct val="150000"/>
               </a:lnSpc>
             </a:pPr>
             <a:r>
-              <a:rPr lang="en-US" dirty="0">
-                <a:latin typeface="Times New Roman" panose="02020603050405020304" pitchFamily="18" charset="0"/>
-                <a:cs typeface="Times New Roman" panose="02020603050405020304" pitchFamily="18" charset="0"/>
-              </a:rPr>
-              <a:t>Gaining hands-on experience with Oracle APEX, OIC, OCI</a:t>
-            </a:r>
-          </a:p>
-          <a:p>
-            <a:pPr>
-              <a:lnSpc>
-                <a:spcPct val="150000"/>
-              </a:lnSpc>
-            </a:pPr>
-            <a:r>
-              <a:rPr lang="en-US" dirty="0">
-                <a:latin typeface="Times New Roman" panose="02020603050405020304" pitchFamily="18" charset="0"/>
-                <a:cs typeface="Times New Roman" panose="02020603050405020304" pitchFamily="18" charset="0"/>
-              </a:rPr>
-              <a:t>Understood cloud deployments, workflows and automation.</a:t>
-            </a:r>
-          </a:p>
-          <a:p>
-            <a:pPr>
-              <a:lnSpc>
-                <a:spcPct val="150000"/>
-              </a:lnSpc>
-            </a:pPr>
-            <a:r>
-              <a:rPr lang="en-US" dirty="0">
-                <a:latin typeface="Times New Roman" panose="02020603050405020304" pitchFamily="18" charset="0"/>
-                <a:cs typeface="Times New Roman" panose="02020603050405020304" pitchFamily="18" charset="0"/>
-              </a:rPr>
-              <a:t>Improved our teamwork and confidence through soft skill sessions.</a:t>
-            </a:r>
-          </a:p>
-          <a:p>
-            <a:pPr>
-              <a:lnSpc>
-                <a:spcPct val="150000"/>
-              </a:lnSpc>
-            </a:pPr>
-            <a:r>
-              <a:rPr lang="en-US" dirty="0">
-                <a:latin typeface="Times New Roman" panose="02020603050405020304" pitchFamily="18" charset="0"/>
-                <a:cs typeface="Times New Roman" panose="02020603050405020304" pitchFamily="18" charset="0"/>
-              </a:rPr>
-              <a:t>Built a strong foundation for career in cloud integration and low code platforms.</a:t>
-            </a:r>
-          </a:p>
-          <a:p>
-            <a:pPr>
-              <a:lnSpc>
-                <a:spcPct val="150000"/>
-              </a:lnSpc>
-            </a:pPr>
-            <a:r>
-              <a:rPr lang="en-US" dirty="0">
-                <a:latin typeface="Times New Roman" panose="02020603050405020304" pitchFamily="18" charset="0"/>
-                <a:cs typeface="Times New Roman" panose="02020603050405020304" pitchFamily="18" charset="0"/>
-              </a:rPr>
-              <a:t>Have learnt about the enterprise applications and different Oracle technologies</a:t>
-            </a:r>
-          </a:p>
-          <a:p>
-            <a:pPr>
-              <a:lnSpc>
-                <a:spcPct val="150000"/>
-              </a:lnSpc>
-            </a:pPr>
+              <a:rPr lang="en-US" b="0" i="0" dirty="0">
+                <a:solidFill>
+                  <a:srgbClr val="424242"/>
+                </a:solidFill>
+                <a:effectLst/>
+                <a:latin typeface="Times New Roman" panose="02020603050405020304" pitchFamily="18" charset="0"/>
+                <a:cs typeface="Times New Roman" panose="02020603050405020304" pitchFamily="18" charset="0"/>
+              </a:rPr>
+              <a:t>The internship at Cognizant Technology Solutions offered a valuable opportunity to apply academic knowledge to real-world scenarios. We gained hands-on experience through various projects and activities, developed professional skills, and were exposed to a range of cloud solutions and low-code applications</a:t>
+            </a:r>
             <a:endParaRPr lang="en-US" dirty="0">
               <a:latin typeface="Times New Roman" panose="02020603050405020304" pitchFamily="18" charset="0"/>
               <a:cs typeface="Times New Roman" panose="02020603050405020304" pitchFamily="18" charset="0"/>
@@ -6091,13 +5802,25 @@
     </p:spTree>
     <p:extLst>
       <p:ext uri="{BB962C8B-B14F-4D97-AF65-F5344CB8AC3E}">
-        <p14:creationId xmlns:p14="http://schemas.microsoft.com/office/powerpoint/2010/main" val="1158206074"/>
+        <p14:creationId xmlns:p14="http://schemas.microsoft.com/office/powerpoint/2010/main" val="10411907"/>
       </p:ext>
     </p:extLst>
   </p:cSld>
   <p:clrMapOvr>
     <a:masterClrMapping/>
   </p:clrMapOvr>
+  <mc:AlternateContent xmlns:mc="http://schemas.openxmlformats.org/markup-compatibility/2006">
+    <mc:Choice xmlns:p14="http://schemas.microsoft.com/office/powerpoint/2010/main" Requires="p14">
+      <p:transition spd="slow">
+        <p14:pan dir="u"/>
+      </p:transition>
+    </mc:Choice>
+    <mc:Fallback>
+      <p:transition spd="slow">
+        <p:fade/>
+      </p:transition>
+    </mc:Fallback>
+  </mc:AlternateContent>
 </p:sld>
 </file>
 
@@ -6123,152 +5846,6 @@
           <p:cNvPr id="2" name="Title 1">
             <a:extLst>
               <a:ext uri="{FF2B5EF4-FFF2-40B4-BE49-F238E27FC236}">
-                <a16:creationId xmlns:a16="http://schemas.microsoft.com/office/drawing/2014/main" id="{3D5ACE74-C398-42F4-B10D-C081BF910238}"/>
-              </a:ext>
-            </a:extLst>
-          </p:cNvPr>
-          <p:cNvSpPr>
-            <a:spLocks noGrp="1"/>
-          </p:cNvSpPr>
-          <p:nvPr>
-            <p:ph type="title"/>
-          </p:nvPr>
-        </p:nvSpPr>
-        <p:spPr/>
-        <p:txBody>
-          <a:bodyPr/>
-          <a:lstStyle/>
-          <a:p>
-            <a:r>
-              <a:rPr lang="en-US" b="1" dirty="0">
-                <a:latin typeface="Times New Roman" panose="02020603050405020304" pitchFamily="18" charset="0"/>
-                <a:cs typeface="Times New Roman" panose="02020603050405020304" pitchFamily="18" charset="0"/>
-              </a:rPr>
-              <a:t>CONCLUSION</a:t>
-            </a:r>
-          </a:p>
-        </p:txBody>
-      </p:sp>
-      <p:sp>
-        <p:nvSpPr>
-          <p:cNvPr id="3" name="Content Placeholder 2">
-            <a:extLst>
-              <a:ext uri="{FF2B5EF4-FFF2-40B4-BE49-F238E27FC236}">
-                <a16:creationId xmlns:a16="http://schemas.microsoft.com/office/drawing/2014/main" id="{B220B455-50EA-4743-9E91-0C5B76150246}"/>
-              </a:ext>
-            </a:extLst>
-          </p:cNvPr>
-          <p:cNvSpPr>
-            <a:spLocks noGrp="1"/>
-          </p:cNvSpPr>
-          <p:nvPr>
-            <p:ph idx="1"/>
-          </p:nvPr>
-        </p:nvSpPr>
-        <p:spPr>
-          <a:xfrm>
-            <a:off x="838200" y="1546412"/>
-            <a:ext cx="10515600" cy="4630551"/>
-          </a:xfrm>
-        </p:spPr>
-        <p:txBody>
-          <a:bodyPr>
-            <a:normAutofit lnSpcReduction="10000"/>
-          </a:bodyPr>
-          <a:lstStyle/>
-          <a:p>
-            <a:pPr>
-              <a:lnSpc>
-                <a:spcPct val="150000"/>
-              </a:lnSpc>
-            </a:pPr>
-            <a:r>
-              <a:rPr lang="en-US" dirty="0">
-                <a:latin typeface="Times New Roman" panose="02020603050405020304" pitchFamily="18" charset="0"/>
-                <a:cs typeface="Times New Roman" panose="02020603050405020304" pitchFamily="18" charset="0"/>
-              </a:rPr>
-              <a:t>The internship at Cognizant Technology Solutions provided a platform to apply academic knowledge in real world applications</a:t>
-            </a:r>
-          </a:p>
-          <a:p>
-            <a:pPr>
-              <a:lnSpc>
-                <a:spcPct val="150000"/>
-              </a:lnSpc>
-            </a:pPr>
-            <a:r>
-              <a:rPr lang="en-US" dirty="0">
-                <a:latin typeface="Times New Roman" panose="02020603050405020304" pitchFamily="18" charset="0"/>
-                <a:cs typeface="Times New Roman" panose="02020603050405020304" pitchFamily="18" charset="0"/>
-              </a:rPr>
-              <a:t>Gained practical experience in real world projects and activities</a:t>
-            </a:r>
-          </a:p>
-          <a:p>
-            <a:pPr>
-              <a:lnSpc>
-                <a:spcPct val="150000"/>
-              </a:lnSpc>
-            </a:pPr>
-            <a:r>
-              <a:rPr lang="en-US" dirty="0">
-                <a:latin typeface="Times New Roman" panose="02020603050405020304" pitchFamily="18" charset="0"/>
-                <a:cs typeface="Times New Roman" panose="02020603050405020304" pitchFamily="18" charset="0"/>
-              </a:rPr>
-              <a:t>Developed professional skills and got exposure to various cloud solutions and various low code applications</a:t>
-            </a:r>
-          </a:p>
-          <a:p>
-            <a:pPr>
-              <a:lnSpc>
-                <a:spcPct val="150000"/>
-              </a:lnSpc>
-            </a:pPr>
-            <a:r>
-              <a:rPr lang="en-US" dirty="0">
-                <a:latin typeface="Times New Roman" panose="02020603050405020304" pitchFamily="18" charset="0"/>
-                <a:cs typeface="Times New Roman" panose="02020603050405020304" pitchFamily="18" charset="0"/>
-              </a:rPr>
-              <a:t>Laid a solid foundation for my future career in cloud computing and integration</a:t>
-            </a:r>
-          </a:p>
-        </p:txBody>
-      </p:sp>
-    </p:spTree>
-    <p:extLst>
-      <p:ext uri="{BB962C8B-B14F-4D97-AF65-F5344CB8AC3E}">
-        <p14:creationId xmlns:p14="http://schemas.microsoft.com/office/powerpoint/2010/main" val="10411907"/>
-      </p:ext>
-    </p:extLst>
-  </p:cSld>
-  <p:clrMapOvr>
-    <a:masterClrMapping/>
-  </p:clrMapOvr>
-</p:sld>
-</file>
-
-<file path=ppt/slides/slide22.xml><?xml version="1.0" encoding="utf-8"?>
-<p:sld xmlns:a="http://schemas.openxmlformats.org/drawingml/2006/main" xmlns:r="http://schemas.openxmlformats.org/officeDocument/2006/relationships" xmlns:p="http://schemas.openxmlformats.org/presentationml/2006/main">
-  <p:cSld>
-    <p:spTree>
-      <p:nvGrpSpPr>
-        <p:cNvPr id="1" name=""/>
-        <p:cNvGrpSpPr/>
-        <p:nvPr/>
-      </p:nvGrpSpPr>
-      <p:grpSpPr>
-        <a:xfrm>
-          <a:off x="0" y="0"/>
-          <a:ext cx="0" cy="0"/>
-          <a:chOff x="0" y="0"/>
-          <a:chExt cx="0" cy="0"/>
-        </a:xfrm>
-      </p:grpSpPr>
-      <p:sp>
-        <p:nvSpPr>
-          <p:cNvPr id="2" name="Title 1">
-            <a:extLst>
-              <a:ext uri="{FF2B5EF4-FFF2-40B4-BE49-F238E27FC236}">
                 <a16:creationId xmlns:a16="http://schemas.microsoft.com/office/drawing/2014/main" id="{9A8A509B-1279-40EB-AAD4-C004391DCFFB}"/>
               </a:ext>
             </a:extLst>
@@ -6303,8 +5880,34 @@
                 <a:latin typeface="Times New Roman" panose="02020603050405020304" pitchFamily="18" charset="0"/>
                 <a:cs typeface="Times New Roman" panose="02020603050405020304" pitchFamily="18" charset="0"/>
               </a:rPr>
-              <a:t>THANK YOU</a:t>
-            </a:r>
+              <a:t>THANK YOU </a:t>
+            </a:r>
+            <a:r>
+              <a:rPr lang="en-US" b="1" dirty="0">
+                <a:effectLst>
+                  <a:outerShdw blurRad="38100" dist="38100" dir="2700000" algn="tl">
+                    <a:srgbClr val="000000">
+                      <a:alpha val="43137"/>
+                    </a:srgbClr>
+                  </a:outerShdw>
+                </a:effectLst>
+                <a:latin typeface="Times New Roman" panose="02020603050405020304" pitchFamily="18" charset="0"/>
+                <a:cs typeface="Times New Roman" panose="02020603050405020304" pitchFamily="18" charset="0"/>
+                <a:sym typeface="Wingdings" panose="05000000000000000000" pitchFamily="2" charset="2"/>
+              </a:rPr>
+              <a:t></a:t>
+            </a:r>
+            <a:endParaRPr lang="en-US" b="1" dirty="0">
+              <a:effectLst>
+                <a:outerShdw blurRad="38100" dist="38100" dir="2700000" algn="tl">
+                  <a:srgbClr val="000000">
+                    <a:alpha val="43137"/>
+                  </a:srgbClr>
+                </a:outerShdw>
+              </a:effectLst>
+              <a:latin typeface="Times New Roman" panose="02020603050405020304" pitchFamily="18" charset="0"/>
+              <a:cs typeface="Times New Roman" panose="02020603050405020304" pitchFamily="18" charset="0"/>
+            </a:endParaRPr>
           </a:p>
         </p:txBody>
       </p:sp>
@@ -6318,6 +5921,18 @@
   <p:clrMapOvr>
     <a:masterClrMapping/>
   </p:clrMapOvr>
+  <mc:AlternateContent xmlns:mc="http://schemas.openxmlformats.org/markup-compatibility/2006">
+    <mc:Choice xmlns:p14="http://schemas.microsoft.com/office/powerpoint/2010/main" Requires="p14">
+      <p:transition spd="slow">
+        <p14:pan dir="u"/>
+      </p:transition>
+    </mc:Choice>
+    <mc:Fallback>
+      <p:transition spd="slow">
+        <p:fade/>
+      </p:transition>
+    </mc:Fallback>
+  </mc:AlternateContent>
 </p:sld>
 </file>
 
@@ -6393,78 +6008,48 @@
         </p:spPr>
         <p:txBody>
           <a:bodyPr>
-            <a:normAutofit fontScale="92500" lnSpcReduction="20000"/>
+            <a:normAutofit/>
           </a:bodyPr>
           <a:lstStyle/>
           <a:p>
-            <a:pPr>
+            <a:pPr algn="just">
               <a:lnSpc>
                 <a:spcPct val="150000"/>
               </a:lnSpc>
             </a:pPr>
             <a:r>
-              <a:rPr lang="en-US" dirty="0">
-                <a:latin typeface="Times New Roman" panose="02020603050405020304" pitchFamily="18" charset="0"/>
-                <a:cs typeface="Times New Roman" panose="02020603050405020304" pitchFamily="18" charset="0"/>
-              </a:rPr>
-              <a:t>Cognizant Technology Solutions is an American Multinational Information Technology consulting and outsourcing company.</a:t>
-            </a:r>
-          </a:p>
-          <a:p>
-            <a:pPr>
+              <a:rPr lang="en-US" sz="2600" b="0" i="0" dirty="0">
+                <a:solidFill>
+                  <a:srgbClr val="424242"/>
+                </a:solidFill>
+                <a:effectLst/>
+                <a:latin typeface="Times New Roman" panose="02020603050405020304" pitchFamily="18" charset="0"/>
+                <a:cs typeface="Times New Roman" panose="02020603050405020304" pitchFamily="18" charset="0"/>
+              </a:rPr>
+              <a:t>Cognizant Technology Solutions is an American multinational company specializing in IT consulting and outsourcing. Its headquarters are located in New Jersey, USA, though it was originally founded in Chennai, India. </a:t>
+            </a:r>
+          </a:p>
+          <a:p>
+            <a:pPr algn="just">
               <a:lnSpc>
                 <a:spcPct val="150000"/>
               </a:lnSpc>
             </a:pPr>
             <a:r>
-              <a:rPr lang="en-US" dirty="0">
-                <a:latin typeface="Times New Roman" panose="02020603050405020304" pitchFamily="18" charset="0"/>
-                <a:cs typeface="Times New Roman" panose="02020603050405020304" pitchFamily="18" charset="0"/>
-              </a:rPr>
-              <a:t>Headquartered in New Jersey, US</a:t>
-            </a:r>
-          </a:p>
-          <a:p>
-            <a:pPr>
-              <a:lnSpc>
-                <a:spcPct val="150000"/>
-              </a:lnSpc>
-            </a:pPr>
-            <a:r>
-              <a:rPr lang="en-US" dirty="0">
-                <a:latin typeface="Times New Roman" panose="02020603050405020304" pitchFamily="18" charset="0"/>
-                <a:cs typeface="Times New Roman" panose="02020603050405020304" pitchFamily="18" charset="0"/>
-              </a:rPr>
-              <a:t>It was founded in Chennai</a:t>
-            </a:r>
-          </a:p>
-          <a:p>
-            <a:pPr>
-              <a:lnSpc>
-                <a:spcPct val="150000"/>
-              </a:lnSpc>
-            </a:pPr>
-            <a:r>
-              <a:rPr lang="en-US" dirty="0">
-                <a:latin typeface="Times New Roman" panose="02020603050405020304" pitchFamily="18" charset="0"/>
-                <a:cs typeface="Times New Roman" panose="02020603050405020304" pitchFamily="18" charset="0"/>
-              </a:rPr>
-              <a:t>Its core offerings are Cloud Computing, AI and Analytics, Enterprise Application Services, Consulting and IT Infrastructure.</a:t>
-            </a:r>
-          </a:p>
-          <a:p>
-            <a:pPr>
-              <a:lnSpc>
-                <a:spcPct val="150000"/>
-              </a:lnSpc>
-            </a:pPr>
-            <a:r>
-              <a:rPr lang="en-US" dirty="0">
-                <a:latin typeface="Times New Roman" panose="02020603050405020304" pitchFamily="18" charset="0"/>
-                <a:cs typeface="Times New Roman" panose="02020603050405020304" pitchFamily="18" charset="0"/>
-              </a:rPr>
-              <a:t>It has about 3,36,800 employees globally and 75% of its workforce is based in India</a:t>
-            </a:r>
+              <a:rPr lang="en-US" sz="2600" b="0" i="0" dirty="0">
+                <a:solidFill>
+                  <a:srgbClr val="424242"/>
+                </a:solidFill>
+                <a:effectLst/>
+                <a:latin typeface="Times New Roman" panose="02020603050405020304" pitchFamily="18" charset="0"/>
+                <a:cs typeface="Times New Roman" panose="02020603050405020304" pitchFamily="18" charset="0"/>
+              </a:rPr>
+              <a:t>The company's primary services include cloud computing, AI and analytics, enterprise application services, consulting, and IT infrastructure. With a global workforce of approximately 336,800 employees, about 75% of its staff are based in India.</a:t>
+            </a:r>
+            <a:endParaRPr lang="en-US" sz="2600" dirty="0">
+              <a:latin typeface="Times New Roman" panose="02020603050405020304" pitchFamily="18" charset="0"/>
+              <a:cs typeface="Times New Roman" panose="02020603050405020304" pitchFamily="18" charset="0"/>
+            </a:endParaRPr>
           </a:p>
         </p:txBody>
       </p:sp>
@@ -6497,7 +6082,7 @@
         </p:blipFill>
         <p:spPr bwMode="auto">
           <a:xfrm>
-            <a:off x="6898341" y="-328566"/>
+            <a:off x="6863835" y="-328566"/>
             <a:ext cx="4823012" cy="2712944"/>
           </a:xfrm>
           <a:prstGeom prst="rect">
@@ -6525,6 +6110,18 @@
   <p:clrMapOvr>
     <a:masterClrMapping/>
   </p:clrMapOvr>
+  <mc:AlternateContent xmlns:mc="http://schemas.openxmlformats.org/markup-compatibility/2006">
+    <mc:Choice xmlns:p14="http://schemas.microsoft.com/office/powerpoint/2010/main" Requires="p14">
+      <p:transition spd="slow">
+        <p14:pan dir="u"/>
+      </p:transition>
+    </mc:Choice>
+    <mc:Fallback>
+      <p:transition spd="slow">
+        <p:fade/>
+      </p:transition>
+    </mc:Fallback>
+  </mc:AlternateContent>
 </p:sld>
 </file>
 
@@ -6561,17 +6158,24 @@
             <p:ph type="title"/>
           </p:nvPr>
         </p:nvSpPr>
-        <p:spPr/>
-        <p:txBody>
-          <a:bodyPr/>
-          <a:lstStyle/>
-          <a:p>
-            <a:r>
-              <a:rPr lang="en-US" b="1" dirty="0">
-                <a:latin typeface="Times New Roman" panose="02020603050405020304" pitchFamily="18" charset="0"/>
-                <a:cs typeface="Times New Roman" panose="02020603050405020304" pitchFamily="18" charset="0"/>
-              </a:rPr>
-              <a:t>ENTERPRISE PLATFORM SERVICES(EPS)</a:t>
+        <p:spPr>
+          <a:xfrm>
+            <a:off x="600635" y="377139"/>
+            <a:ext cx="11226180" cy="1325563"/>
+          </a:xfrm>
+        </p:spPr>
+        <p:txBody>
+          <a:bodyPr>
+            <a:normAutofit/>
+          </a:bodyPr>
+          <a:lstStyle/>
+          <a:p>
+            <a:r>
+              <a:rPr lang="en-US" sz="4000" b="1" dirty="0">
+                <a:latin typeface="Times New Roman" panose="02020603050405020304" pitchFamily="18" charset="0"/>
+                <a:cs typeface="Times New Roman" panose="02020603050405020304" pitchFamily="18" charset="0"/>
+              </a:rPr>
+              <a:t>ENTERPRISE PLATFORM SERVICES (EPS)</a:t>
             </a:r>
           </a:p>
         </p:txBody>
@@ -6594,23 +6198,27 @@
         </p:nvSpPr>
         <p:spPr>
           <a:xfrm>
-            <a:off x="838200" y="1788459"/>
+            <a:off x="600635" y="1690688"/>
             <a:ext cx="10990729" cy="4827494"/>
           </a:xfrm>
         </p:spPr>
         <p:txBody>
           <a:bodyPr>
-            <a:normAutofit fontScale="92500" lnSpcReduction="20000"/>
+            <a:normAutofit fontScale="92500"/>
           </a:bodyPr>
           <a:lstStyle/>
           <a:p>
-            <a:pPr>
+            <a:pPr algn="just">
               <a:lnSpc>
                 <a:spcPct val="150000"/>
               </a:lnSpc>
             </a:pPr>
             <a:r>
-              <a:rPr lang="en-US" dirty="0">
+              <a:rPr lang="en-IN" sz="2600" b="0" i="0" dirty="0">
+                <a:solidFill>
+                  <a:srgbClr val="424242"/>
+                </a:solidFill>
+                <a:effectLst/>
                 <a:latin typeface="Times New Roman" panose="02020603050405020304" pitchFamily="18" charset="0"/>
                 <a:cs typeface="Times New Roman" panose="02020603050405020304" pitchFamily="18" charset="0"/>
               </a:rPr>
@@ -6618,67 +6226,95 @@
             </a:r>
           </a:p>
           <a:p>
-            <a:pPr>
+            <a:pPr algn="just">
               <a:lnSpc>
                 <a:spcPct val="150000"/>
               </a:lnSpc>
             </a:pPr>
             <a:r>
-              <a:rPr lang="en-US" b="1" dirty="0">
-                <a:latin typeface="Times New Roman" panose="02020603050405020304" pitchFamily="18" charset="0"/>
-                <a:cs typeface="Times New Roman" panose="02020603050405020304" pitchFamily="18" charset="0"/>
-              </a:rPr>
-              <a:t>Service Lines of EPS: </a:t>
-            </a:r>
-            <a:r>
-              <a:rPr lang="en-US" dirty="0">
-                <a:latin typeface="Times New Roman" panose="02020603050405020304" pitchFamily="18" charset="0"/>
-                <a:cs typeface="Times New Roman" panose="02020603050405020304" pitchFamily="18" charset="0"/>
-              </a:rPr>
-              <a:t>HCM, ERP, Digital Process Orchestration, Digital Supply Chain Transformation, Platform Integration</a:t>
-            </a:r>
-          </a:p>
-          <a:p>
-            <a:pPr>
+              <a:rPr lang="en-IN" sz="2600" b="0" i="0" u="sng" dirty="0">
+                <a:solidFill>
+                  <a:srgbClr val="424242"/>
+                </a:solidFill>
+                <a:effectLst/>
+                <a:latin typeface="Times New Roman" panose="02020603050405020304" pitchFamily="18" charset="0"/>
+                <a:cs typeface="Times New Roman" panose="02020603050405020304" pitchFamily="18" charset="0"/>
+              </a:rPr>
+              <a:t>Service Lines of EPS: </a:t>
+            </a:r>
+            <a:r>
+              <a:rPr lang="en-IN" sz="2600" b="0" i="0" dirty="0">
+                <a:solidFill>
+                  <a:srgbClr val="424242"/>
+                </a:solidFill>
+                <a:effectLst/>
+                <a:latin typeface="Times New Roman" panose="02020603050405020304" pitchFamily="18" charset="0"/>
+                <a:cs typeface="Times New Roman" panose="02020603050405020304" pitchFamily="18" charset="0"/>
+              </a:rPr>
+              <a:t>HCM, ERP, Digital Process Orchestration, Digital Supply Chain Transformation, Platform Integration.</a:t>
+            </a:r>
+          </a:p>
+          <a:p>
+            <a:pPr algn="just">
               <a:lnSpc>
                 <a:spcPct val="150000"/>
               </a:lnSpc>
             </a:pPr>
             <a:r>
-              <a:rPr lang="en-US" b="1" dirty="0">
-                <a:latin typeface="Times New Roman" panose="02020603050405020304" pitchFamily="18" charset="0"/>
-                <a:cs typeface="Times New Roman" panose="02020603050405020304" pitchFamily="18" charset="0"/>
-              </a:rPr>
-              <a:t>Subdomains</a:t>
-            </a:r>
-            <a:r>
-              <a:rPr lang="en-US" dirty="0">
-                <a:latin typeface="Times New Roman" panose="02020603050405020304" pitchFamily="18" charset="0"/>
-                <a:cs typeface="Times New Roman" panose="02020603050405020304" pitchFamily="18" charset="0"/>
-              </a:rPr>
-              <a:t> of EPS are: SAP services, Oracle APEX, Salesforce Services, Workday Services</a:t>
-            </a:r>
-          </a:p>
-          <a:p>
-            <a:pPr>
+              <a:rPr lang="en-IN" sz="2600" b="0" i="0" u="sng" dirty="0">
+                <a:solidFill>
+                  <a:srgbClr val="424242"/>
+                </a:solidFill>
+                <a:effectLst/>
+                <a:latin typeface="Times New Roman" panose="02020603050405020304" pitchFamily="18" charset="0"/>
+                <a:cs typeface="Times New Roman" panose="02020603050405020304" pitchFamily="18" charset="0"/>
+              </a:rPr>
+              <a:t>Subdomains of EPS: </a:t>
+            </a:r>
+            <a:r>
+              <a:rPr lang="en-IN" sz="2600" b="0" i="0" dirty="0">
+                <a:solidFill>
+                  <a:srgbClr val="424242"/>
+                </a:solidFill>
+                <a:effectLst/>
+                <a:latin typeface="Times New Roman" panose="02020603050405020304" pitchFamily="18" charset="0"/>
+                <a:cs typeface="Times New Roman" panose="02020603050405020304" pitchFamily="18" charset="0"/>
+              </a:rPr>
+              <a:t>SAP services, Oracle APEX, Salesforce Services, Workday Services.</a:t>
+            </a:r>
+          </a:p>
+          <a:p>
+            <a:pPr algn="just">
               <a:lnSpc>
                 <a:spcPct val="150000"/>
               </a:lnSpc>
             </a:pPr>
             <a:r>
-              <a:rPr lang="en-US" b="1" dirty="0">
-                <a:latin typeface="Times New Roman" panose="02020603050405020304" pitchFamily="18" charset="0"/>
-                <a:cs typeface="Times New Roman" panose="02020603050405020304" pitchFamily="18" charset="0"/>
-              </a:rPr>
-              <a:t>Focus</a:t>
-            </a:r>
-            <a:r>
-              <a:rPr lang="en-US" dirty="0">
-                <a:latin typeface="Times New Roman" panose="02020603050405020304" pitchFamily="18" charset="0"/>
-                <a:cs typeface="Times New Roman" panose="02020603050405020304" pitchFamily="18" charset="0"/>
-              </a:rPr>
-              <a:t>: Build low-code web applications, role based access, dynamic forms, interactive reports                           </a:t>
-            </a:r>
+              <a:rPr lang="en-IN" sz="2600" b="0" i="0" u="sng" dirty="0">
+                <a:solidFill>
+                  <a:srgbClr val="424242"/>
+                </a:solidFill>
+                <a:effectLst/>
+                <a:latin typeface="Times New Roman" panose="02020603050405020304" pitchFamily="18" charset="0"/>
+                <a:cs typeface="Times New Roman" panose="02020603050405020304" pitchFamily="18" charset="0"/>
+              </a:rPr>
+              <a:t>Focus: </a:t>
+            </a:r>
+            <a:r>
+              <a:rPr lang="en-IN" sz="2600" b="0" i="0" dirty="0">
+                <a:solidFill>
+                  <a:srgbClr val="424242"/>
+                </a:solidFill>
+                <a:effectLst/>
+                <a:latin typeface="Times New Roman" panose="02020603050405020304" pitchFamily="18" charset="0"/>
+                <a:cs typeface="Times New Roman" panose="02020603050405020304" pitchFamily="18" charset="0"/>
+              </a:rPr>
+              <a:t>Build low-code web applications, role-based access, dynamic forms, interactive reports.</a:t>
+            </a:r>
+            <a:endParaRPr lang="en-US" sz="2600" dirty="0">
+              <a:latin typeface="Times New Roman" panose="02020603050405020304" pitchFamily="18" charset="0"/>
+              <a:cs typeface="Times New Roman" panose="02020603050405020304" pitchFamily="18" charset="0"/>
+            </a:endParaRPr>
           </a:p>
         </p:txBody>
       </p:sp>
@@ -6692,6 +6328,18 @@
   <p:clrMapOvr>
     <a:masterClrMapping/>
   </p:clrMapOvr>
+  <mc:AlternateContent xmlns:mc="http://schemas.openxmlformats.org/markup-compatibility/2006">
+    <mc:Choice xmlns:p14="http://schemas.microsoft.com/office/powerpoint/2010/main" Requires="p14">
+      <p:transition spd="slow">
+        <p14:pan dir="u"/>
+      </p:transition>
+    </mc:Choice>
+    <mc:Fallback>
+      <p:transition spd="slow">
+        <p:fade/>
+      </p:transition>
+    </mc:Fallback>
+  </mc:AlternateContent>
 </p:sld>
 </file>
 
@@ -6778,7 +6426,7 @@
         </p:spPr>
         <p:txBody>
           <a:bodyPr>
-            <a:normAutofit fontScale="92500" lnSpcReduction="20000"/>
+            <a:normAutofit/>
           </a:bodyPr>
           <a:lstStyle/>
           <a:p>
@@ -6789,68 +6437,36 @@
               <a:buNone/>
             </a:pPr>
             <a:r>
-              <a:rPr lang="en-US" b="1" dirty="0">
-                <a:latin typeface="Times New Roman" panose="02020603050405020304" pitchFamily="18" charset="0"/>
-                <a:cs typeface="Times New Roman" panose="02020603050405020304" pitchFamily="18" charset="0"/>
-              </a:rPr>
-              <a:t>DELTA PHASE</a:t>
-            </a:r>
-          </a:p>
-          <a:p>
-            <a:pPr>
+              <a:rPr lang="en-US" b="1" i="0" dirty="0">
+                <a:effectLst/>
+                <a:latin typeface="Times New Roman" panose="02020603050405020304" pitchFamily="18" charset="0"/>
+                <a:cs typeface="Times New Roman" panose="02020603050405020304" pitchFamily="18" charset="0"/>
+              </a:rPr>
+              <a:t>Delta phase: </a:t>
+            </a:r>
+          </a:p>
+          <a:p>
+            <a:pPr marL="0" indent="0" algn="just">
               <a:lnSpc>
                 <a:spcPct val="150000"/>
               </a:lnSpc>
+              <a:buNone/>
             </a:pPr>
             <a:r>
-              <a:rPr lang="en-US" dirty="0">
-                <a:latin typeface="Times New Roman" panose="02020603050405020304" pitchFamily="18" charset="0"/>
-                <a:cs typeface="Times New Roman" panose="02020603050405020304" pitchFamily="18" charset="0"/>
-              </a:rPr>
-              <a:t>It majorly covered basics of PL/SQL, HTML, CSS, JS, XML, REST web services, UNIX, Python</a:t>
-            </a:r>
-          </a:p>
-          <a:p>
-            <a:pPr>
-              <a:lnSpc>
-                <a:spcPct val="150000"/>
-              </a:lnSpc>
-            </a:pPr>
-            <a:r>
-              <a:rPr lang="en-US" dirty="0">
-                <a:latin typeface="Times New Roman" panose="02020603050405020304" pitchFamily="18" charset="0"/>
-                <a:cs typeface="Times New Roman" panose="02020603050405020304" pitchFamily="18" charset="0"/>
-              </a:rPr>
-              <a:t>They were the Pre-requisites for our training we learnt about how to write basic PL/SQL queries using triggers, procedures, functions and cursors.</a:t>
-            </a:r>
-          </a:p>
-          <a:p>
-            <a:pPr>
-              <a:lnSpc>
-                <a:spcPct val="150000"/>
-              </a:lnSpc>
-            </a:pPr>
-            <a:r>
-              <a:rPr lang="en-US" dirty="0">
-                <a:latin typeface="Times New Roman" panose="02020603050405020304" pitchFamily="18" charset="0"/>
-                <a:cs typeface="Times New Roman" panose="02020603050405020304" pitchFamily="18" charset="0"/>
-              </a:rPr>
-              <a:t>XML formats, how to use them and simple python codes and UNIX commands.</a:t>
-            </a:r>
-          </a:p>
-          <a:p>
-            <a:pPr>
-              <a:lnSpc>
-                <a:spcPct val="150000"/>
-              </a:lnSpc>
-            </a:pPr>
-            <a:r>
-              <a:rPr lang="en-US" dirty="0">
-                <a:latin typeface="Times New Roman" panose="02020603050405020304" pitchFamily="18" charset="0"/>
-                <a:cs typeface="Times New Roman" panose="02020603050405020304" pitchFamily="18" charset="0"/>
-              </a:rPr>
-              <a:t>We also learnt how to work with REST APIs </a:t>
-            </a:r>
+              <a:rPr lang="en-US" b="0" i="0" dirty="0">
+                <a:solidFill>
+                  <a:srgbClr val="424242"/>
+                </a:solidFill>
+                <a:effectLst/>
+                <a:latin typeface="Times New Roman" panose="02020603050405020304" pitchFamily="18" charset="0"/>
+                <a:cs typeface="Times New Roman" panose="02020603050405020304" pitchFamily="18" charset="0"/>
+              </a:rPr>
+              <a:t>This phase primarily covered the fundamentals of PL/SQL, HTML, CSS, JavaScript, XML, REST web services, UNIX, and Python. These topics served as prerequisites for our training. We learned how to write basic PL/SQL queries using triggers, procedures, functions, and cursors. Additionally, we explored XML formats, simple Python codes, and UNIX commands. We also gained knowledge on working with REST APIs.</a:t>
+            </a:r>
+            <a:endParaRPr lang="en-US" dirty="0">
+              <a:latin typeface="Times New Roman" panose="02020603050405020304" pitchFamily="18" charset="0"/>
+              <a:cs typeface="Times New Roman" panose="02020603050405020304" pitchFamily="18" charset="0"/>
+            </a:endParaRPr>
           </a:p>
         </p:txBody>
       </p:sp>
@@ -6864,6 +6480,18 @@
   <p:clrMapOvr>
     <a:masterClrMapping/>
   </p:clrMapOvr>
+  <mc:AlternateContent xmlns:mc="http://schemas.openxmlformats.org/markup-compatibility/2006">
+    <mc:Choice xmlns:p14="http://schemas.microsoft.com/office/powerpoint/2010/main" Requires="p14">
+      <p:transition spd="slow">
+        <p14:pan dir="u"/>
+      </p:transition>
+    </mc:Choice>
+    <mc:Fallback>
+      <p:transition spd="slow">
+        <p:fade/>
+      </p:transition>
+    </mc:Fallback>
+  </mc:AlternateContent>
 </p:sld>
 </file>
 
@@ -6900,17 +6528,24 @@
             <p:ph type="title"/>
           </p:nvPr>
         </p:nvSpPr>
-        <p:spPr/>
-        <p:txBody>
-          <a:bodyPr/>
-          <a:lstStyle/>
-          <a:p>
-            <a:r>
-              <a:rPr lang="en-US" b="1" dirty="0">
-                <a:latin typeface="Times New Roman" panose="02020603050405020304" pitchFamily="18" charset="0"/>
-                <a:cs typeface="Times New Roman" panose="02020603050405020304" pitchFamily="18" charset="0"/>
-              </a:rPr>
-              <a:t>INTERIM PHASE</a:t>
+        <p:spPr>
+          <a:xfrm>
+            <a:off x="812573" y="-74823"/>
+            <a:ext cx="10394577" cy="1325563"/>
+          </a:xfrm>
+        </p:spPr>
+        <p:txBody>
+          <a:bodyPr>
+            <a:normAutofit/>
+          </a:bodyPr>
+          <a:lstStyle/>
+          <a:p>
+            <a:r>
+              <a:rPr lang="en-US" sz="3600" b="1" dirty="0">
+                <a:latin typeface="Times New Roman" panose="02020603050405020304" pitchFamily="18" charset="0"/>
+                <a:cs typeface="Times New Roman" panose="02020603050405020304" pitchFamily="18" charset="0"/>
+              </a:rPr>
+              <a:t>Interim Phase</a:t>
             </a:r>
           </a:p>
         </p:txBody>
@@ -6933,136 +6568,194 @@
         </p:nvSpPr>
         <p:spPr>
           <a:xfrm>
-            <a:off x="959223" y="1516342"/>
-            <a:ext cx="10515600" cy="4803775"/>
+            <a:off x="863827" y="1059142"/>
+            <a:ext cx="10515600" cy="5246767"/>
           </a:xfrm>
         </p:spPr>
         <p:txBody>
           <a:bodyPr>
-            <a:normAutofit fontScale="92500" lnSpcReduction="20000"/>
+            <a:noAutofit/>
           </a:bodyPr>
           <a:lstStyle/>
           <a:p>
-            <a:pPr marL="0" indent="0">
+            <a:pPr algn="just">
               <a:lnSpc>
                 <a:spcPct val="150000"/>
               </a:lnSpc>
+              <a:spcBef>
+                <a:spcPts val="450"/>
+              </a:spcBef>
+              <a:spcAft>
+                <a:spcPts val="750"/>
+              </a:spcAft>
               <a:buNone/>
             </a:pPr>
             <a:r>
-              <a:rPr lang="en-US" dirty="0">
-                <a:latin typeface="Times New Roman" panose="02020603050405020304" pitchFamily="18" charset="0"/>
-                <a:cs typeface="Times New Roman" panose="02020603050405020304" pitchFamily="18" charset="0"/>
-              </a:rPr>
-              <a:t>It comprised of mainly OIC, OCI and OCIDI.</a:t>
-            </a:r>
-          </a:p>
-          <a:p>
-            <a:pPr marL="0" indent="0">
+              <a:rPr lang="en-US" sz="2300" b="0" i="0" dirty="0">
+                <a:solidFill>
+                  <a:srgbClr val="424242"/>
+                </a:solidFill>
+                <a:effectLst/>
+                <a:latin typeface="Times New Roman" panose="02020603050405020304" pitchFamily="18" charset="0"/>
+                <a:cs typeface="Times New Roman" panose="02020603050405020304" pitchFamily="18" charset="0"/>
+              </a:rPr>
+              <a:t>It comprised mainly of OIC, OCI, and OCIDI.</a:t>
+            </a:r>
+          </a:p>
+          <a:p>
+            <a:pPr algn="just">
               <a:lnSpc>
                 <a:spcPct val="150000"/>
               </a:lnSpc>
-              <a:buNone/>
+              <a:spcBef>
+                <a:spcPts val="450"/>
+              </a:spcBef>
+              <a:spcAft>
+                <a:spcPts val="750"/>
+              </a:spcAft>
             </a:pPr>
             <a:r>
-              <a:rPr lang="en-US" b="1" dirty="0">
-                <a:latin typeface="Times New Roman" panose="02020603050405020304" pitchFamily="18" charset="0"/>
-                <a:cs typeface="Times New Roman" panose="02020603050405020304" pitchFamily="18" charset="0"/>
-              </a:rPr>
-              <a:t>OIC</a:t>
-            </a:r>
-            <a:r>
-              <a:rPr lang="en-US" dirty="0">
-                <a:latin typeface="Times New Roman" panose="02020603050405020304" pitchFamily="18" charset="0"/>
-                <a:cs typeface="Times New Roman" panose="02020603050405020304" pitchFamily="18" charset="0"/>
-              </a:rPr>
-              <a:t> stands for </a:t>
-            </a:r>
-            <a:r>
-              <a:rPr lang="en-US" b="1" dirty="0">
-                <a:latin typeface="Times New Roman" panose="02020603050405020304" pitchFamily="18" charset="0"/>
-                <a:cs typeface="Times New Roman" panose="02020603050405020304" pitchFamily="18" charset="0"/>
-              </a:rPr>
-              <a:t>Oracle Integration Cloud </a:t>
-            </a:r>
-            <a:r>
-              <a:rPr lang="en-US" dirty="0">
-                <a:latin typeface="Times New Roman" panose="02020603050405020304" pitchFamily="18" charset="0"/>
-                <a:cs typeface="Times New Roman" panose="02020603050405020304" pitchFamily="18" charset="0"/>
-              </a:rPr>
-              <a:t>which is the PaaS service used to communicate and exchange data between cloud and on-premise systems.</a:t>
-            </a:r>
-          </a:p>
-          <a:p>
-            <a:pPr marL="0" indent="0">
+              <a:rPr lang="en-US" sz="2300" b="1" i="0" dirty="0">
+                <a:solidFill>
+                  <a:srgbClr val="424242"/>
+                </a:solidFill>
+                <a:effectLst/>
+                <a:latin typeface="Times New Roman" panose="02020603050405020304" pitchFamily="18" charset="0"/>
+                <a:cs typeface="Times New Roman" panose="02020603050405020304" pitchFamily="18" charset="0"/>
+              </a:rPr>
+              <a:t>OIC: </a:t>
+            </a:r>
+            <a:r>
+              <a:rPr lang="en-US" sz="2300" b="0" i="0" dirty="0">
+                <a:solidFill>
+                  <a:srgbClr val="424242"/>
+                </a:solidFill>
+                <a:effectLst/>
+                <a:latin typeface="Times New Roman" panose="02020603050405020304" pitchFamily="18" charset="0"/>
+                <a:cs typeface="Times New Roman" panose="02020603050405020304" pitchFamily="18" charset="0"/>
+              </a:rPr>
+              <a:t>Oracle Integration Cloud is a </a:t>
+            </a:r>
+            <a:r>
+              <a:rPr lang="en-US" sz="2300" b="1" i="0" dirty="0">
+                <a:solidFill>
+                  <a:srgbClr val="424242"/>
+                </a:solidFill>
+                <a:effectLst/>
+                <a:latin typeface="Times New Roman" panose="02020603050405020304" pitchFamily="18" charset="0"/>
+                <a:cs typeface="Times New Roman" panose="02020603050405020304" pitchFamily="18" charset="0"/>
+              </a:rPr>
+              <a:t>Platform-as-a-Service (PaaS</a:t>
+            </a:r>
+            <a:r>
+              <a:rPr lang="en-US" sz="2300" b="0" i="0" dirty="0">
+                <a:solidFill>
+                  <a:srgbClr val="424242"/>
+                </a:solidFill>
+                <a:effectLst/>
+                <a:latin typeface="Times New Roman" panose="02020603050405020304" pitchFamily="18" charset="0"/>
+                <a:cs typeface="Times New Roman" panose="02020603050405020304" pitchFamily="18" charset="0"/>
+              </a:rPr>
+              <a:t>) solution designed to facilitate data exchange and communication between cloud and on-premise systems.</a:t>
+            </a:r>
+          </a:p>
+          <a:p>
+            <a:pPr algn="just">
               <a:lnSpc>
                 <a:spcPct val="150000"/>
               </a:lnSpc>
-              <a:buNone/>
+              <a:spcBef>
+                <a:spcPts val="450"/>
+              </a:spcBef>
+              <a:spcAft>
+                <a:spcPts val="750"/>
+              </a:spcAft>
             </a:pPr>
             <a:r>
-              <a:rPr lang="en-US" b="1" dirty="0">
-                <a:latin typeface="Times New Roman" panose="02020603050405020304" pitchFamily="18" charset="0"/>
-                <a:cs typeface="Times New Roman" panose="02020603050405020304" pitchFamily="18" charset="0"/>
-              </a:rPr>
-              <a:t>OCI</a:t>
-            </a:r>
-            <a:r>
-              <a:rPr lang="en-US" dirty="0">
-                <a:latin typeface="Times New Roman" panose="02020603050405020304" pitchFamily="18" charset="0"/>
-                <a:cs typeface="Times New Roman" panose="02020603050405020304" pitchFamily="18" charset="0"/>
-              </a:rPr>
-              <a:t> stands for </a:t>
-            </a:r>
-            <a:r>
-              <a:rPr lang="en-US" b="1" dirty="0">
-                <a:latin typeface="Times New Roman" panose="02020603050405020304" pitchFamily="18" charset="0"/>
-                <a:cs typeface="Times New Roman" panose="02020603050405020304" pitchFamily="18" charset="0"/>
-              </a:rPr>
-              <a:t>Oracle Cloud Infrastructure </a:t>
-            </a:r>
-            <a:r>
-              <a:rPr lang="en-US" dirty="0">
-                <a:latin typeface="Times New Roman" panose="02020603050405020304" pitchFamily="18" charset="0"/>
-                <a:cs typeface="Times New Roman" panose="02020603050405020304" pitchFamily="18" charset="0"/>
-              </a:rPr>
-              <a:t>is the IaaS service used to build, deploy and manage applications in the cloud.</a:t>
-            </a:r>
-          </a:p>
-          <a:p>
-            <a:pPr marL="0" indent="0">
+              <a:rPr lang="en-US" sz="2300" b="1" i="0" dirty="0">
+                <a:solidFill>
+                  <a:srgbClr val="424242"/>
+                </a:solidFill>
+                <a:effectLst/>
+                <a:latin typeface="Times New Roman" panose="02020603050405020304" pitchFamily="18" charset="0"/>
+                <a:cs typeface="Times New Roman" panose="02020603050405020304" pitchFamily="18" charset="0"/>
+              </a:rPr>
+              <a:t>OCI: </a:t>
+            </a:r>
+            <a:r>
+              <a:rPr lang="en-US" sz="2300" b="0" i="0" dirty="0">
+                <a:solidFill>
+                  <a:srgbClr val="424242"/>
+                </a:solidFill>
+                <a:effectLst/>
+                <a:latin typeface="Times New Roman" panose="02020603050405020304" pitchFamily="18" charset="0"/>
+                <a:cs typeface="Times New Roman" panose="02020603050405020304" pitchFamily="18" charset="0"/>
+              </a:rPr>
+              <a:t>Oracle Cloud Infrastructure is an </a:t>
+            </a:r>
+            <a:r>
+              <a:rPr lang="en-US" sz="2300" b="1" i="0" dirty="0">
+                <a:solidFill>
+                  <a:srgbClr val="424242"/>
+                </a:solidFill>
+                <a:effectLst/>
+                <a:latin typeface="Times New Roman" panose="02020603050405020304" pitchFamily="18" charset="0"/>
+                <a:cs typeface="Times New Roman" panose="02020603050405020304" pitchFamily="18" charset="0"/>
+              </a:rPr>
+              <a:t>Infrastructure-as-a-Service (IaaS) </a:t>
+            </a:r>
+            <a:r>
+              <a:rPr lang="en-US" sz="2300" b="0" i="0" dirty="0">
+                <a:solidFill>
+                  <a:srgbClr val="424242"/>
+                </a:solidFill>
+                <a:effectLst/>
+                <a:latin typeface="Times New Roman" panose="02020603050405020304" pitchFamily="18" charset="0"/>
+                <a:cs typeface="Times New Roman" panose="02020603050405020304" pitchFamily="18" charset="0"/>
+              </a:rPr>
+              <a:t>offering that enables the building, deployment, and management of applications in the cloud.</a:t>
+            </a:r>
+          </a:p>
+          <a:p>
+            <a:pPr algn="just">
               <a:lnSpc>
                 <a:spcPct val="150000"/>
               </a:lnSpc>
-              <a:buNone/>
+              <a:spcBef>
+                <a:spcPts val="450"/>
+              </a:spcBef>
+              <a:spcAft>
+                <a:spcPts val="750"/>
+              </a:spcAft>
             </a:pPr>
             <a:r>
-              <a:rPr lang="en-US" b="1" dirty="0">
-                <a:latin typeface="Times New Roman" panose="02020603050405020304" pitchFamily="18" charset="0"/>
-                <a:cs typeface="Times New Roman" panose="02020603050405020304" pitchFamily="18" charset="0"/>
-              </a:rPr>
-              <a:t>OCIDI </a:t>
-            </a:r>
-            <a:r>
-              <a:rPr lang="en-US" dirty="0">
-                <a:latin typeface="Times New Roman" panose="02020603050405020304" pitchFamily="18" charset="0"/>
-                <a:cs typeface="Times New Roman" panose="02020603050405020304" pitchFamily="18" charset="0"/>
-              </a:rPr>
-              <a:t>stands for </a:t>
-            </a:r>
-            <a:r>
-              <a:rPr lang="en-US" b="1" dirty="0">
-                <a:latin typeface="Times New Roman" panose="02020603050405020304" pitchFamily="18" charset="0"/>
-                <a:cs typeface="Times New Roman" panose="02020603050405020304" pitchFamily="18" charset="0"/>
-              </a:rPr>
-              <a:t>Oracle Cloud Infrastructure-Data Integration</a:t>
-            </a:r>
-            <a:r>
-              <a:rPr lang="en-US" dirty="0">
-                <a:latin typeface="Times New Roman" panose="02020603050405020304" pitchFamily="18" charset="0"/>
-                <a:cs typeface="Times New Roman" panose="02020603050405020304" pitchFamily="18" charset="0"/>
-              </a:rPr>
-              <a:t> the cloud based service which is ETL/ELT service majorly to extract, transform and load the data. </a:t>
+              <a:rPr lang="en-US" sz="2300" b="1" i="0" dirty="0">
+                <a:solidFill>
+                  <a:srgbClr val="424242"/>
+                </a:solidFill>
+                <a:effectLst/>
+                <a:latin typeface="Times New Roman" panose="02020603050405020304" pitchFamily="18" charset="0"/>
+                <a:cs typeface="Times New Roman" panose="02020603050405020304" pitchFamily="18" charset="0"/>
+              </a:rPr>
+              <a:t>OCIDI: </a:t>
+            </a:r>
+            <a:r>
+              <a:rPr lang="en-US" sz="2300" b="0" i="0" dirty="0">
+                <a:solidFill>
+                  <a:srgbClr val="424242"/>
+                </a:solidFill>
+                <a:effectLst/>
+                <a:latin typeface="Times New Roman" panose="02020603050405020304" pitchFamily="18" charset="0"/>
+                <a:cs typeface="Times New Roman" panose="02020603050405020304" pitchFamily="18" charset="0"/>
+              </a:rPr>
+              <a:t>Oracle Cloud Infrastructure-Data Integration is a cloud-based service focused on ETL/ELT processes, primarily used for extracting, transforming, and loading data.</a:t>
+            </a:r>
+            <a:r>
+              <a:rPr lang="en-US" sz="2300" dirty="0">
+                <a:latin typeface="Times New Roman" panose="02020603050405020304" pitchFamily="18" charset="0"/>
+                <a:cs typeface="Times New Roman" panose="02020603050405020304" pitchFamily="18" charset="0"/>
+              </a:rPr>
+              <a:t> </a:t>
             </a:r>
           </a:p>
         </p:txBody>
@@ -7077,6 +6770,18 @@
   <p:clrMapOvr>
     <a:masterClrMapping/>
   </p:clrMapOvr>
+  <mc:AlternateContent xmlns:mc="http://schemas.openxmlformats.org/markup-compatibility/2006">
+    <mc:Choice xmlns:p14="http://schemas.microsoft.com/office/powerpoint/2010/main" Requires="p14">
+      <p:transition spd="slow">
+        <p14:pan dir="u"/>
+      </p:transition>
+    </mc:Choice>
+    <mc:Fallback>
+      <p:transition spd="slow">
+        <p:fade/>
+      </p:transition>
+    </mc:Fallback>
+  </mc:AlternateContent>
 </p:sld>
 </file>
 
@@ -7152,7 +6857,7 @@
         </p:spPr>
         <p:txBody>
           <a:bodyPr>
-            <a:normAutofit fontScale="85000" lnSpcReduction="20000"/>
+            <a:normAutofit fontScale="92500"/>
           </a:bodyPr>
           <a:lstStyle/>
           <a:p>
@@ -7162,11 +6867,15 @@
               </a:lnSpc>
             </a:pPr>
             <a:r>
-              <a:rPr lang="en-US" dirty="0">
-                <a:latin typeface="Times New Roman" panose="02020603050405020304" pitchFamily="18" charset="0"/>
-                <a:cs typeface="Times New Roman" panose="02020603050405020304" pitchFamily="18" charset="0"/>
-              </a:rPr>
-              <a:t>We majorly learned to design Integrations, connections, adapters, agents, events, libraries, packages and lookups.</a:t>
+              <a:rPr lang="en-US" b="0" i="0" dirty="0">
+                <a:solidFill>
+                  <a:srgbClr val="424242"/>
+                </a:solidFill>
+                <a:effectLst/>
+                <a:latin typeface="Times New Roman" panose="02020603050405020304" pitchFamily="18" charset="0"/>
+                <a:cs typeface="Times New Roman" panose="02020603050405020304" pitchFamily="18" charset="0"/>
+              </a:rPr>
+              <a:t>We primarily focused on designing integrations, connections, adapters, agents, events, libraries, packages, and lookups. Additionally, we explored various actions in OIC, such as assign, map, wait, logger, notifications, and callback services. </a:t>
             </a:r>
           </a:p>
           <a:p>
@@ -7176,40 +6885,20 @@
               </a:lnSpc>
             </a:pPr>
             <a:r>
-              <a:rPr lang="en-US" dirty="0">
-                <a:latin typeface="Times New Roman" panose="02020603050405020304" pitchFamily="18" charset="0"/>
-                <a:cs typeface="Times New Roman" panose="02020603050405020304" pitchFamily="18" charset="0"/>
-              </a:rPr>
-              <a:t>We also learned about the various actions in OIC which include the assign, map, wait, logger, notifications and call back services</a:t>
-            </a:r>
-          </a:p>
-          <a:p>
-            <a:pPr>
-              <a:lnSpc>
-                <a:spcPct val="170000"/>
-              </a:lnSpc>
-            </a:pPr>
-            <a:r>
-              <a:rPr lang="en-US" dirty="0">
-                <a:latin typeface="Times New Roman" panose="02020603050405020304" pitchFamily="18" charset="0"/>
-                <a:cs typeface="Times New Roman" panose="02020603050405020304" pitchFamily="18" charset="0"/>
-              </a:rPr>
-              <a:t>We learned about the inbound and outbound connections to OIC which majorly focused on bulk loading.</a:t>
-            </a:r>
-          </a:p>
-          <a:p>
-            <a:pPr>
-              <a:lnSpc>
-                <a:spcPct val="170000"/>
-              </a:lnSpc>
-            </a:pPr>
-            <a:r>
-              <a:rPr lang="en-US" dirty="0">
-                <a:latin typeface="Times New Roman" panose="02020603050405020304" pitchFamily="18" charset="0"/>
-                <a:cs typeface="Times New Roman" panose="02020603050405020304" pitchFamily="18" charset="0"/>
-              </a:rPr>
-              <a:t>We learned about the major SaaS services present in cloud which included ERP, SCM and HCM.</a:t>
-            </a:r>
+              <a:rPr lang="en-US" b="0" i="0" dirty="0">
+                <a:solidFill>
+                  <a:srgbClr val="424242"/>
+                </a:solidFill>
+                <a:effectLst/>
+                <a:latin typeface="Times New Roman" panose="02020603050405020304" pitchFamily="18" charset="0"/>
+                <a:cs typeface="Times New Roman" panose="02020603050405020304" pitchFamily="18" charset="0"/>
+              </a:rPr>
+              <a:t>Our training also covered inbound and outbound connections to OIC, with a strong emphasis on bulk loading. Furthermore, we learned about key SaaS services available in the cloud, including ERP, SCM, and HCM.</a:t>
+            </a:r>
+            <a:endParaRPr lang="en-US" dirty="0">
+              <a:latin typeface="Times New Roman" panose="02020603050405020304" pitchFamily="18" charset="0"/>
+              <a:cs typeface="Times New Roman" panose="02020603050405020304" pitchFamily="18" charset="0"/>
+            </a:endParaRPr>
           </a:p>
         </p:txBody>
       </p:sp>
@@ -7242,7 +6931,7 @@
         </p:blipFill>
         <p:spPr bwMode="auto">
           <a:xfrm>
-            <a:off x="8624888" y="538163"/>
+            <a:off x="8340217" y="538163"/>
             <a:ext cx="3171825" cy="1152525"/>
           </a:xfrm>
           <a:prstGeom prst="rect">
@@ -7270,6 +6959,18 @@
   <p:clrMapOvr>
     <a:masterClrMapping/>
   </p:clrMapOvr>
+  <mc:AlternateContent xmlns:mc="http://schemas.openxmlformats.org/markup-compatibility/2006">
+    <mc:Choice xmlns:p14="http://schemas.microsoft.com/office/powerpoint/2010/main" Requires="p14">
+      <p:transition spd="slow">
+        <p14:pan dir="u"/>
+      </p:transition>
+    </mc:Choice>
+    <mc:Fallback>
+      <p:transition spd="slow">
+        <p:fade/>
+      </p:transition>
+    </mc:Fallback>
+  </mc:AlternateContent>
 </p:sld>
 </file>
 
@@ -7378,6 +7079,18 @@
   <p:clrMapOvr>
     <a:masterClrMapping/>
   </p:clrMapOvr>
+  <mc:AlternateContent xmlns:mc="http://schemas.openxmlformats.org/markup-compatibility/2006">
+    <mc:Choice xmlns:p14="http://schemas.microsoft.com/office/powerpoint/2010/main" Requires="p14">
+      <p:transition spd="slow">
+        <p14:pan dir="u"/>
+      </p:transition>
+    </mc:Choice>
+    <mc:Fallback>
+      <p:transition spd="slow">
+        <p:fade/>
+      </p:transition>
+    </mc:Fallback>
+  </mc:AlternateContent>
 </p:sld>
 </file>
 
@@ -7457,60 +7170,44 @@
           </a:bodyPr>
           <a:lstStyle/>
           <a:p>
-            <a:pPr>
+            <a:pPr algn="just">
               <a:lnSpc>
                 <a:spcPct val="150000"/>
               </a:lnSpc>
             </a:pPr>
             <a:r>
-              <a:rPr lang="en-US" dirty="0">
-                <a:latin typeface="Times New Roman" panose="02020603050405020304" pitchFamily="18" charset="0"/>
-                <a:cs typeface="Times New Roman" panose="02020603050405020304" pitchFamily="18" charset="0"/>
-              </a:rPr>
-              <a:t>It majorly included the cloud computing service and deployment models</a:t>
-            </a:r>
-          </a:p>
-          <a:p>
-            <a:pPr>
+              <a:rPr lang="en-US" b="0" i="0" dirty="0">
+                <a:solidFill>
+                  <a:srgbClr val="424242"/>
+                </a:solidFill>
+                <a:effectLst/>
+                <a:latin typeface="Times New Roman" panose="02020603050405020304" pitchFamily="18" charset="0"/>
+                <a:cs typeface="Times New Roman" panose="02020603050405020304" pitchFamily="18" charset="0"/>
+              </a:rPr>
+              <a:t>This phase primarily covered cloud computing services and deployment models. In OCI, the process begins by logging into the console and creating a tenancy, followed by the creation of a compartment. Next, a Virtual Cloud Network (VCN) is established for internet connectivity.</a:t>
+            </a:r>
+          </a:p>
+          <a:p>
+            <a:pPr algn="just">
               <a:lnSpc>
                 <a:spcPct val="150000"/>
               </a:lnSpc>
             </a:pPr>
             <a:r>
-              <a:rPr lang="en-US" dirty="0">
-                <a:latin typeface="Times New Roman" panose="02020603050405020304" pitchFamily="18" charset="0"/>
-                <a:cs typeface="Times New Roman" panose="02020603050405020304" pitchFamily="18" charset="0"/>
-              </a:rPr>
-              <a:t>In OCI first when we login to the console the tenancy and created after which a compartment should be created, then VCN is created for internet connectivity</a:t>
-            </a:r>
-          </a:p>
-          <a:p>
-            <a:pPr>
-              <a:lnSpc>
-                <a:spcPct val="150000"/>
-              </a:lnSpc>
-            </a:pPr>
-            <a:r>
-              <a:rPr lang="en-US" dirty="0">
-                <a:latin typeface="Times New Roman" panose="02020603050405020304" pitchFamily="18" charset="0"/>
-                <a:cs typeface="Times New Roman" panose="02020603050405020304" pitchFamily="18" charset="0"/>
-              </a:rPr>
-              <a:t>Then a Compute instance is launched and accessed using SSH keys</a:t>
-            </a:r>
-          </a:p>
-          <a:p>
-            <a:pPr>
-              <a:lnSpc>
-                <a:spcPct val="150000"/>
-              </a:lnSpc>
-            </a:pPr>
-            <a:r>
-              <a:rPr lang="en-US" dirty="0">
-                <a:latin typeface="Times New Roman" panose="02020603050405020304" pitchFamily="18" charset="0"/>
-                <a:cs typeface="Times New Roman" panose="02020603050405020304" pitchFamily="18" charset="0"/>
-              </a:rPr>
-              <a:t>Then an object storage is created for storage of objects and IAM policy is created to provide access to user groups.</a:t>
-            </a:r>
+              <a:rPr lang="en-US" b="0" i="0" dirty="0">
+                <a:solidFill>
+                  <a:srgbClr val="424242"/>
+                </a:solidFill>
+                <a:effectLst/>
+                <a:latin typeface="Times New Roman" panose="02020603050405020304" pitchFamily="18" charset="0"/>
+                <a:cs typeface="Times New Roman" panose="02020603050405020304" pitchFamily="18" charset="0"/>
+              </a:rPr>
+              <a:t> A compute instance is then launched and accessed using SSH keys. Subsequently, object storage is set up for storing objects, and an IAM policy is created to grant access to user groups.</a:t>
+            </a:r>
+            <a:endParaRPr lang="en-US" dirty="0">
+              <a:latin typeface="Times New Roman" panose="02020603050405020304" pitchFamily="18" charset="0"/>
+              <a:cs typeface="Times New Roman" panose="02020603050405020304" pitchFamily="18" charset="0"/>
+            </a:endParaRPr>
           </a:p>
         </p:txBody>
       </p:sp>
@@ -7524,13 +7221,25 @@
   <p:clrMapOvr>
     <a:masterClrMapping/>
   </p:clrMapOvr>
+  <mc:AlternateContent xmlns:mc="http://schemas.openxmlformats.org/markup-compatibility/2006">
+    <mc:Choice xmlns:p14="http://schemas.microsoft.com/office/powerpoint/2010/main" Requires="p14">
+      <p:transition spd="slow">
+        <p14:pan dir="u"/>
+      </p:transition>
+    </mc:Choice>
+    <mc:Fallback>
+      <p:transition spd="slow">
+        <p:fade/>
+      </p:transition>
+    </mc:Fallback>
+  </mc:AlternateContent>
 </p:sld>
 </file>
 
 <file path=ppt/theme/theme1.xml><?xml version="1.0" encoding="utf-8"?>
-<a:theme xmlns:a="http://schemas.openxmlformats.org/drawingml/2006/main" name="Office Theme">
+<a:theme xmlns:a="http://schemas.openxmlformats.org/drawingml/2006/main" name="Office 2013 - 2022 Theme">
   <a:themeElements>
-    <a:clrScheme name="Office">
+    <a:clrScheme name="Office 2013 - 2022 Theme">
       <a:dk1>
         <a:sysClr val="windowText" lastClr="000000"/>
       </a:dk1>
@@ -7568,7 +7277,7 @@
         <a:srgbClr val="954F72"/>
       </a:folHlink>
     </a:clrScheme>
-    <a:fontScheme name="Office">
+    <a:fontScheme name="Office 2013 - 2022 Theme">
       <a:majorFont>
         <a:latin typeface="Calibri Light" panose="020F0302020204030204"/>
         <a:ea typeface=""/>
@@ -7603,23 +7312,6 @@
         <a:font script="Viet" typeface="Times New Roman"/>
         <a:font script="Uigh" typeface="Microsoft Uighur"/>
         <a:font script="Geor" typeface="Sylfaen"/>
-        <a:font script="Armn" typeface="Arial"/>
-        <a:font script="Bugi" typeface="Leelawadee UI"/>
-        <a:font script="Bopo" typeface="Microsoft JhengHei"/>
-        <a:font script="Java" typeface="Javanese Text"/>
-        <a:font script="Lisu" typeface="Segoe UI"/>
-        <a:font script="Mymr" typeface="Myanmar Text"/>
-        <a:font script="Nkoo" typeface="Ebrima"/>
-        <a:font script="Olck" typeface="Nirmala UI"/>
-        <a:font script="Osma" typeface="Ebrima"/>
-        <a:font script="Phag" typeface="Phagspa"/>
-        <a:font script="Syrn" typeface="Estrangelo Edessa"/>
-        <a:font script="Syrj" typeface="Estrangelo Edessa"/>
-        <a:font script="Syre" typeface="Estrangelo Edessa"/>
-        <a:font script="Sora" typeface="Nirmala UI"/>
-        <a:font script="Tale" typeface="Microsoft Tai Le"/>
-        <a:font script="Talu" typeface="Microsoft New Tai Lue"/>
-        <a:font script="Tfng" typeface="Ebrima"/>
       </a:majorFont>
       <a:minorFont>
         <a:latin typeface="Calibri" panose="020F0502020204030204"/>
@@ -7655,26 +7347,9 @@
         <a:font script="Viet" typeface="Arial"/>
         <a:font script="Uigh" typeface="Microsoft Uighur"/>
         <a:font script="Geor" typeface="Sylfaen"/>
-        <a:font script="Armn" typeface="Arial"/>
-        <a:font script="Bugi" typeface="Leelawadee UI"/>
-        <a:font script="Bopo" typeface="Microsoft JhengHei"/>
-        <a:font script="Java" typeface="Javanese Text"/>
-        <a:font script="Lisu" typeface="Segoe UI"/>
-        <a:font script="Mymr" typeface="Myanmar Text"/>
-        <a:font script="Nkoo" typeface="Ebrima"/>
-        <a:font script="Olck" typeface="Nirmala UI"/>
-        <a:font script="Osma" typeface="Ebrima"/>
-        <a:font script="Phag" typeface="Phagspa"/>
-        <a:font script="Syrn" typeface="Estrangelo Edessa"/>
-        <a:font script="Syrj" typeface="Estrangelo Edessa"/>
-        <a:font script="Syre" typeface="Estrangelo Edessa"/>
-        <a:font script="Sora" typeface="Nirmala UI"/>
-        <a:font script="Tale" typeface="Microsoft Tai Le"/>
-        <a:font script="Talu" typeface="Microsoft New Tai Lue"/>
-        <a:font script="Tfng" typeface="Ebrima"/>
       </a:minorFont>
     </a:fontScheme>
-    <a:fmtScheme name="Office">
+    <a:fmtScheme name="Office 2013 - 2022 Theme">
       <a:fillStyleLst>
         <a:solidFill>
           <a:schemeClr val="phClr"/>
@@ -7816,7 +7491,7 @@
   <a:extraClrSchemeLst/>
   <a:extLst>
     <a:ext uri="{05A4C25C-085E-4340-85A3-A5531E510DB2}">
-      <thm15:themeFamily xmlns:thm15="http://schemas.microsoft.com/office/thememl/2012/main" name="Office Theme" id="{62F939B6-93AF-4DB8-9C6B-D6C7DFDC589F}" vid="{4A3C46E8-61CC-4603-A589-7422A47A8E4A}"/>
+      <thm15:themeFamily xmlns:thm15="http://schemas.microsoft.com/office/thememl/2012/main" name="Office 2013 - 2022 Theme" id="{62F939B6-93AF-4DB8-9C6B-D6C7DFDC589F}" vid="{4A3C46E8-61CC-4603-A589-7422A47A8E4A}"/>
     </a:ext>
   </a:extLst>
 </a:theme>
